--- a/iotschema-slides-20190418.pptx
+++ b/iotschema-slides-20190418.pptx
@@ -229,7 +229,7 @@
           <a:p>
             <a:fld id="{5FCBBBB3-5D7B-284E-801E-D00035F0C91A}" type="datetimeFigureOut">
               <a:rPr lang="en-US" smtClean="0"/>
-              <a:t>4/17/19</a:t>
+              <a:t>4/18/19</a:t>
             </a:fld>
             <a:endParaRPr lang="en-US"/>
           </a:p>
@@ -293,38 +293,37 @@
           <a:p>
             <a:pPr lvl="0"/>
             <a:r>
-              <a:rPr lang="en-US" smtClean="0"/>
+              <a:rPr lang="en-US"/>
               <a:t>Click to edit Master text styles</a:t>
             </a:r>
           </a:p>
           <a:p>
             <a:pPr lvl="1"/>
             <a:r>
-              <a:rPr lang="en-US" smtClean="0"/>
+              <a:rPr lang="en-US"/>
               <a:t>Second level</a:t>
             </a:r>
           </a:p>
           <a:p>
             <a:pPr lvl="2"/>
             <a:r>
-              <a:rPr lang="en-US" smtClean="0"/>
+              <a:rPr lang="en-US"/>
               <a:t>Third level</a:t>
             </a:r>
           </a:p>
           <a:p>
             <a:pPr lvl="3"/>
             <a:r>
-              <a:rPr lang="en-US" smtClean="0"/>
+              <a:rPr lang="en-US"/>
               <a:t>Fourth level</a:t>
             </a:r>
           </a:p>
           <a:p>
             <a:pPr lvl="4"/>
             <a:r>
-              <a:rPr lang="en-US" smtClean="0"/>
+              <a:rPr lang="en-US"/>
               <a:t>Fifth level</a:t>
             </a:r>
-            <a:endParaRPr lang="en-US"/>
           </a:p>
         </p:txBody>
       </p:sp>
@@ -1465,7 +1464,7 @@
           </a:lstStyle>
           <a:p>
             <a:r>
-              <a:rPr lang="en-US" smtClean="0"/>
+              <a:rPr lang="en-US"/>
               <a:t>Click to edit Master title style</a:t>
             </a:r>
             <a:endParaRPr lang="en-US" dirty="0"/>
@@ -1530,7 +1529,7 @@
           </a:lstStyle>
           <a:p>
             <a:r>
-              <a:rPr lang="en-US" smtClean="0"/>
+              <a:rPr lang="en-US"/>
               <a:t>Click to edit Master subtitle style</a:t>
             </a:r>
             <a:endParaRPr lang="en-US" dirty="0"/>
@@ -1554,7 +1553,7 @@
           <a:p>
             <a:fld id="{F774572E-0D61-7C4C-A97B-03BC6FC8585C}" type="datetimeFigureOut">
               <a:rPr lang="en-US" smtClean="0"/>
-              <a:t>4/17/19</a:t>
+              <a:t>4/18/19</a:t>
             </a:fld>
             <a:endParaRPr lang="en-US"/>
           </a:p>
@@ -1643,7 +1642,7 @@
           <a:lstStyle/>
           <a:p>
             <a:r>
-              <a:rPr lang="en-US" smtClean="0"/>
+              <a:rPr lang="en-US"/>
               <a:t>Click to edit Master title style</a:t>
             </a:r>
             <a:endParaRPr lang="en-US" dirty="0"/>
@@ -1667,35 +1666,35 @@
           <a:p>
             <a:pPr lvl="0"/>
             <a:r>
-              <a:rPr lang="en-US" smtClean="0"/>
+              <a:rPr lang="en-US"/>
               <a:t>Click to edit Master text styles</a:t>
             </a:r>
           </a:p>
           <a:p>
             <a:pPr lvl="1"/>
             <a:r>
-              <a:rPr lang="en-US" smtClean="0"/>
+              <a:rPr lang="en-US"/>
               <a:t>Second level</a:t>
             </a:r>
           </a:p>
           <a:p>
             <a:pPr lvl="2"/>
             <a:r>
-              <a:rPr lang="en-US" smtClean="0"/>
+              <a:rPr lang="en-US"/>
               <a:t>Third level</a:t>
             </a:r>
           </a:p>
           <a:p>
             <a:pPr lvl="3"/>
             <a:r>
-              <a:rPr lang="en-US" smtClean="0"/>
+              <a:rPr lang="en-US"/>
               <a:t>Fourth level</a:t>
             </a:r>
           </a:p>
           <a:p>
             <a:pPr lvl="4"/>
             <a:r>
-              <a:rPr lang="en-US" smtClean="0"/>
+              <a:rPr lang="en-US"/>
               <a:t>Fifth level</a:t>
             </a:r>
             <a:endParaRPr lang="en-US" dirty="0"/>
@@ -1719,7 +1718,7 @@
           <a:p>
             <a:fld id="{F774572E-0D61-7C4C-A97B-03BC6FC8585C}" type="datetimeFigureOut">
               <a:rPr lang="en-US" smtClean="0"/>
-              <a:t>4/17/19</a:t>
+              <a:t>4/18/19</a:t>
             </a:fld>
             <a:endParaRPr lang="en-US"/>
           </a:p>
@@ -1813,7 +1812,7 @@
           <a:lstStyle/>
           <a:p>
             <a:r>
-              <a:rPr lang="en-US" smtClean="0"/>
+              <a:rPr lang="en-US"/>
               <a:t>Click to edit Master title style</a:t>
             </a:r>
             <a:endParaRPr lang="en-US" dirty="0"/>
@@ -1842,35 +1841,35 @@
           <a:p>
             <a:pPr lvl="0"/>
             <a:r>
-              <a:rPr lang="en-US" smtClean="0"/>
+              <a:rPr lang="en-US"/>
               <a:t>Click to edit Master text styles</a:t>
             </a:r>
           </a:p>
           <a:p>
             <a:pPr lvl="1"/>
             <a:r>
-              <a:rPr lang="en-US" smtClean="0"/>
+              <a:rPr lang="en-US"/>
               <a:t>Second level</a:t>
             </a:r>
           </a:p>
           <a:p>
             <a:pPr lvl="2"/>
             <a:r>
-              <a:rPr lang="en-US" smtClean="0"/>
+              <a:rPr lang="en-US"/>
               <a:t>Third level</a:t>
             </a:r>
           </a:p>
           <a:p>
             <a:pPr lvl="3"/>
             <a:r>
-              <a:rPr lang="en-US" smtClean="0"/>
+              <a:rPr lang="en-US"/>
               <a:t>Fourth level</a:t>
             </a:r>
           </a:p>
           <a:p>
             <a:pPr lvl="4"/>
             <a:r>
-              <a:rPr lang="en-US" smtClean="0"/>
+              <a:rPr lang="en-US"/>
               <a:t>Fifth level</a:t>
             </a:r>
             <a:endParaRPr lang="en-US" dirty="0"/>
@@ -1894,7 +1893,7 @@
           <a:p>
             <a:fld id="{F774572E-0D61-7C4C-A97B-03BC6FC8585C}" type="datetimeFigureOut">
               <a:rPr lang="en-US" smtClean="0"/>
-              <a:t>4/17/19</a:t>
+              <a:t>4/18/19</a:t>
             </a:fld>
             <a:endParaRPr lang="en-US"/>
           </a:p>
@@ -1983,7 +1982,7 @@
           <a:lstStyle/>
           <a:p>
             <a:r>
-              <a:rPr lang="en-US" smtClean="0"/>
+              <a:rPr lang="en-US"/>
               <a:t>Click to edit Master title style</a:t>
             </a:r>
             <a:endParaRPr lang="en-US" dirty="0"/>
@@ -2007,35 +2006,35 @@
           <a:p>
             <a:pPr lvl="0"/>
             <a:r>
-              <a:rPr lang="en-US" smtClean="0"/>
+              <a:rPr lang="en-US"/>
               <a:t>Click to edit Master text styles</a:t>
             </a:r>
           </a:p>
           <a:p>
             <a:pPr lvl="1"/>
             <a:r>
-              <a:rPr lang="en-US" smtClean="0"/>
+              <a:rPr lang="en-US"/>
               <a:t>Second level</a:t>
             </a:r>
           </a:p>
           <a:p>
             <a:pPr lvl="2"/>
             <a:r>
-              <a:rPr lang="en-US" smtClean="0"/>
+              <a:rPr lang="en-US"/>
               <a:t>Third level</a:t>
             </a:r>
           </a:p>
           <a:p>
             <a:pPr lvl="3"/>
             <a:r>
-              <a:rPr lang="en-US" smtClean="0"/>
+              <a:rPr lang="en-US"/>
               <a:t>Fourth level</a:t>
             </a:r>
           </a:p>
           <a:p>
             <a:pPr lvl="4"/>
             <a:r>
-              <a:rPr lang="en-US" smtClean="0"/>
+              <a:rPr lang="en-US"/>
               <a:t>Fifth level</a:t>
             </a:r>
             <a:endParaRPr lang="en-US" dirty="0"/>
@@ -2059,7 +2058,7 @@
           <a:p>
             <a:fld id="{F774572E-0D61-7C4C-A97B-03BC6FC8585C}" type="datetimeFigureOut">
               <a:rPr lang="en-US" smtClean="0"/>
-              <a:t>4/17/19</a:t>
+              <a:t>4/18/19</a:t>
             </a:fld>
             <a:endParaRPr lang="en-US"/>
           </a:p>
@@ -2157,7 +2156,7 @@
           </a:lstStyle>
           <a:p>
             <a:r>
-              <a:rPr lang="en-US" smtClean="0"/>
+              <a:rPr lang="en-US"/>
               <a:t>Click to edit Master title style</a:t>
             </a:r>
             <a:endParaRPr lang="en-US" dirty="0"/>
@@ -2275,7 +2274,7 @@
           <a:p>
             <a:pPr lvl="0"/>
             <a:r>
-              <a:rPr lang="en-US" smtClean="0"/>
+              <a:rPr lang="en-US"/>
               <a:t>Click to edit Master text styles</a:t>
             </a:r>
           </a:p>
@@ -2298,7 +2297,7 @@
           <a:p>
             <a:fld id="{F774572E-0D61-7C4C-A97B-03BC6FC8585C}" type="datetimeFigureOut">
               <a:rPr lang="en-US" smtClean="0"/>
-              <a:t>4/17/19</a:t>
+              <a:t>4/18/19</a:t>
             </a:fld>
             <a:endParaRPr lang="en-US"/>
           </a:p>
@@ -2387,7 +2386,7 @@
           <a:lstStyle/>
           <a:p>
             <a:r>
-              <a:rPr lang="en-US" smtClean="0"/>
+              <a:rPr lang="en-US"/>
               <a:t>Click to edit Master title style</a:t>
             </a:r>
             <a:endParaRPr lang="en-US" dirty="0"/>
@@ -2416,35 +2415,35 @@
           <a:p>
             <a:pPr lvl="0"/>
             <a:r>
-              <a:rPr lang="en-US" smtClean="0"/>
+              <a:rPr lang="en-US"/>
               <a:t>Click to edit Master text styles</a:t>
             </a:r>
           </a:p>
           <a:p>
             <a:pPr lvl="1"/>
             <a:r>
-              <a:rPr lang="en-US" smtClean="0"/>
+              <a:rPr lang="en-US"/>
               <a:t>Second level</a:t>
             </a:r>
           </a:p>
           <a:p>
             <a:pPr lvl="2"/>
             <a:r>
-              <a:rPr lang="en-US" smtClean="0"/>
+              <a:rPr lang="en-US"/>
               <a:t>Third level</a:t>
             </a:r>
           </a:p>
           <a:p>
             <a:pPr lvl="3"/>
             <a:r>
-              <a:rPr lang="en-US" smtClean="0"/>
+              <a:rPr lang="en-US"/>
               <a:t>Fourth level</a:t>
             </a:r>
           </a:p>
           <a:p>
             <a:pPr lvl="4"/>
             <a:r>
-              <a:rPr lang="en-US" smtClean="0"/>
+              <a:rPr lang="en-US"/>
               <a:t>Fifth level</a:t>
             </a:r>
             <a:endParaRPr lang="en-US" dirty="0"/>
@@ -2473,35 +2472,35 @@
           <a:p>
             <a:pPr lvl="0"/>
             <a:r>
-              <a:rPr lang="en-US" smtClean="0"/>
+              <a:rPr lang="en-US"/>
               <a:t>Click to edit Master text styles</a:t>
             </a:r>
           </a:p>
           <a:p>
             <a:pPr lvl="1"/>
             <a:r>
-              <a:rPr lang="en-US" smtClean="0"/>
+              <a:rPr lang="en-US"/>
               <a:t>Second level</a:t>
             </a:r>
           </a:p>
           <a:p>
             <a:pPr lvl="2"/>
             <a:r>
-              <a:rPr lang="en-US" smtClean="0"/>
+              <a:rPr lang="en-US"/>
               <a:t>Third level</a:t>
             </a:r>
           </a:p>
           <a:p>
             <a:pPr lvl="3"/>
             <a:r>
-              <a:rPr lang="en-US" smtClean="0"/>
+              <a:rPr lang="en-US"/>
               <a:t>Fourth level</a:t>
             </a:r>
           </a:p>
           <a:p>
             <a:pPr lvl="4"/>
             <a:r>
-              <a:rPr lang="en-US" smtClean="0"/>
+              <a:rPr lang="en-US"/>
               <a:t>Fifth level</a:t>
             </a:r>
             <a:endParaRPr lang="en-US" dirty="0"/>
@@ -2525,7 +2524,7 @@
           <a:p>
             <a:fld id="{F774572E-0D61-7C4C-A97B-03BC6FC8585C}" type="datetimeFigureOut">
               <a:rPr lang="en-US" smtClean="0"/>
-              <a:t>4/17/19</a:t>
+              <a:t>4/18/19</a:t>
             </a:fld>
             <a:endParaRPr lang="en-US"/>
           </a:p>
@@ -2619,7 +2618,7 @@
           <a:lstStyle/>
           <a:p>
             <a:r>
-              <a:rPr lang="en-US" smtClean="0"/>
+              <a:rPr lang="en-US"/>
               <a:t>Click to edit Master title style</a:t>
             </a:r>
             <a:endParaRPr lang="en-US" dirty="0"/>
@@ -2685,7 +2684,7 @@
           <a:p>
             <a:pPr lvl="0"/>
             <a:r>
-              <a:rPr lang="en-US" smtClean="0"/>
+              <a:rPr lang="en-US"/>
               <a:t>Click to edit Master text styles</a:t>
             </a:r>
           </a:p>
@@ -2713,35 +2712,35 @@
           <a:p>
             <a:pPr lvl="0"/>
             <a:r>
-              <a:rPr lang="en-US" smtClean="0"/>
+              <a:rPr lang="en-US"/>
               <a:t>Click to edit Master text styles</a:t>
             </a:r>
           </a:p>
           <a:p>
             <a:pPr lvl="1"/>
             <a:r>
-              <a:rPr lang="en-US" smtClean="0"/>
+              <a:rPr lang="en-US"/>
               <a:t>Second level</a:t>
             </a:r>
           </a:p>
           <a:p>
             <a:pPr lvl="2"/>
             <a:r>
-              <a:rPr lang="en-US" smtClean="0"/>
+              <a:rPr lang="en-US"/>
               <a:t>Third level</a:t>
             </a:r>
           </a:p>
           <a:p>
             <a:pPr lvl="3"/>
             <a:r>
-              <a:rPr lang="en-US" smtClean="0"/>
+              <a:rPr lang="en-US"/>
               <a:t>Fourth level</a:t>
             </a:r>
           </a:p>
           <a:p>
             <a:pPr lvl="4"/>
             <a:r>
-              <a:rPr lang="en-US" smtClean="0"/>
+              <a:rPr lang="en-US"/>
               <a:t>Fifth level</a:t>
             </a:r>
             <a:endParaRPr lang="en-US" dirty="0"/>
@@ -2807,7 +2806,7 @@
           <a:p>
             <a:pPr lvl="0"/>
             <a:r>
-              <a:rPr lang="en-US" smtClean="0"/>
+              <a:rPr lang="en-US"/>
               <a:t>Click to edit Master text styles</a:t>
             </a:r>
           </a:p>
@@ -2835,35 +2834,35 @@
           <a:p>
             <a:pPr lvl="0"/>
             <a:r>
-              <a:rPr lang="en-US" smtClean="0"/>
+              <a:rPr lang="en-US"/>
               <a:t>Click to edit Master text styles</a:t>
             </a:r>
           </a:p>
           <a:p>
             <a:pPr lvl="1"/>
             <a:r>
-              <a:rPr lang="en-US" smtClean="0"/>
+              <a:rPr lang="en-US"/>
               <a:t>Second level</a:t>
             </a:r>
           </a:p>
           <a:p>
             <a:pPr lvl="2"/>
             <a:r>
-              <a:rPr lang="en-US" smtClean="0"/>
+              <a:rPr lang="en-US"/>
               <a:t>Third level</a:t>
             </a:r>
           </a:p>
           <a:p>
             <a:pPr lvl="3"/>
             <a:r>
-              <a:rPr lang="en-US" smtClean="0"/>
+              <a:rPr lang="en-US"/>
               <a:t>Fourth level</a:t>
             </a:r>
           </a:p>
           <a:p>
             <a:pPr lvl="4"/>
             <a:r>
-              <a:rPr lang="en-US" smtClean="0"/>
+              <a:rPr lang="en-US"/>
               <a:t>Fifth level</a:t>
             </a:r>
             <a:endParaRPr lang="en-US" dirty="0"/>
@@ -2887,7 +2886,7 @@
           <a:p>
             <a:fld id="{F774572E-0D61-7C4C-A97B-03BC6FC8585C}" type="datetimeFigureOut">
               <a:rPr lang="en-US" smtClean="0"/>
-              <a:t>4/17/19</a:t>
+              <a:t>4/18/19</a:t>
             </a:fld>
             <a:endParaRPr lang="en-US"/>
           </a:p>
@@ -2976,7 +2975,7 @@
           <a:lstStyle/>
           <a:p>
             <a:r>
-              <a:rPr lang="en-US" smtClean="0"/>
+              <a:rPr lang="en-US"/>
               <a:t>Click to edit Master title style</a:t>
             </a:r>
             <a:endParaRPr lang="en-US" dirty="0"/>
@@ -3000,7 +2999,7 @@
           <a:p>
             <a:fld id="{F774572E-0D61-7C4C-A97B-03BC6FC8585C}" type="datetimeFigureOut">
               <a:rPr lang="en-US" smtClean="0"/>
-              <a:t>4/17/19</a:t>
+              <a:t>4/18/19</a:t>
             </a:fld>
             <a:endParaRPr lang="en-US"/>
           </a:p>
@@ -3090,7 +3089,7 @@
           <a:p>
             <a:fld id="{F774572E-0D61-7C4C-A97B-03BC6FC8585C}" type="datetimeFigureOut">
               <a:rPr lang="en-US" smtClean="0"/>
-              <a:t>4/17/19</a:t>
+              <a:t>4/18/19</a:t>
             </a:fld>
             <a:endParaRPr lang="en-US"/>
           </a:p>
@@ -3188,7 +3187,7 @@
           </a:lstStyle>
           <a:p>
             <a:r>
-              <a:rPr lang="en-US" smtClean="0"/>
+              <a:rPr lang="en-US"/>
               <a:t>Click to edit Master title style</a:t>
             </a:r>
             <a:endParaRPr lang="en-US" dirty="0"/>
@@ -3245,35 +3244,35 @@
           <a:p>
             <a:pPr lvl="0"/>
             <a:r>
-              <a:rPr lang="en-US" smtClean="0"/>
+              <a:rPr lang="en-US"/>
               <a:t>Click to edit Master text styles</a:t>
             </a:r>
           </a:p>
           <a:p>
             <a:pPr lvl="1"/>
             <a:r>
-              <a:rPr lang="en-US" smtClean="0"/>
+              <a:rPr lang="en-US"/>
               <a:t>Second level</a:t>
             </a:r>
           </a:p>
           <a:p>
             <a:pPr lvl="2"/>
             <a:r>
-              <a:rPr lang="en-US" smtClean="0"/>
+              <a:rPr lang="en-US"/>
               <a:t>Third level</a:t>
             </a:r>
           </a:p>
           <a:p>
             <a:pPr lvl="3"/>
             <a:r>
-              <a:rPr lang="en-US" smtClean="0"/>
+              <a:rPr lang="en-US"/>
               <a:t>Fourth level</a:t>
             </a:r>
           </a:p>
           <a:p>
             <a:pPr lvl="4"/>
             <a:r>
-              <a:rPr lang="en-US" smtClean="0"/>
+              <a:rPr lang="en-US"/>
               <a:t>Fifth level</a:t>
             </a:r>
             <a:endParaRPr lang="en-US" dirty="0"/>
@@ -3339,7 +3338,7 @@
           <a:p>
             <a:pPr lvl="0"/>
             <a:r>
-              <a:rPr lang="en-US" smtClean="0"/>
+              <a:rPr lang="en-US"/>
               <a:t>Click to edit Master text styles</a:t>
             </a:r>
           </a:p>
@@ -3362,7 +3361,7 @@
           <a:p>
             <a:fld id="{F774572E-0D61-7C4C-A97B-03BC6FC8585C}" type="datetimeFigureOut">
               <a:rPr lang="en-US" smtClean="0"/>
-              <a:t>4/17/19</a:t>
+              <a:t>4/18/19</a:t>
             </a:fld>
             <a:endParaRPr lang="en-US"/>
           </a:p>
@@ -3460,7 +3459,7 @@
           </a:lstStyle>
           <a:p>
             <a:r>
-              <a:rPr lang="en-US" smtClean="0"/>
+              <a:rPr lang="en-US"/>
               <a:t>Click to edit Master title style</a:t>
             </a:r>
             <a:endParaRPr lang="en-US" dirty="0"/>
@@ -3525,7 +3524,7 @@
           </a:lstStyle>
           <a:p>
             <a:r>
-              <a:rPr lang="en-US" smtClean="0"/>
+              <a:rPr lang="en-US"/>
               <a:t>Drag picture to placeholder or click icon to add</a:t>
             </a:r>
             <a:endParaRPr lang="en-US" dirty="0"/>
@@ -3591,7 +3590,7 @@
           <a:p>
             <a:pPr lvl="0"/>
             <a:r>
-              <a:rPr lang="en-US" smtClean="0"/>
+              <a:rPr lang="en-US"/>
               <a:t>Click to edit Master text styles</a:t>
             </a:r>
           </a:p>
@@ -3614,7 +3613,7 @@
           <a:p>
             <a:fld id="{F774572E-0D61-7C4C-A97B-03BC6FC8585C}" type="datetimeFigureOut">
               <a:rPr lang="en-US" smtClean="0"/>
-              <a:t>4/17/19</a:t>
+              <a:t>4/18/19</a:t>
             </a:fld>
             <a:endParaRPr lang="en-US"/>
           </a:p>
@@ -3718,7 +3717,7 @@
           <a:lstStyle/>
           <a:p>
             <a:r>
-              <a:rPr lang="en-US" smtClean="0"/>
+              <a:rPr lang="en-US"/>
               <a:t>Click to edit Master title style</a:t>
             </a:r>
             <a:endParaRPr lang="en-US" dirty="0"/>
@@ -3752,35 +3751,35 @@
           <a:p>
             <a:pPr lvl="0"/>
             <a:r>
-              <a:rPr lang="en-US" smtClean="0"/>
+              <a:rPr lang="en-US"/>
               <a:t>Click to edit Master text styles</a:t>
             </a:r>
           </a:p>
           <a:p>
             <a:pPr lvl="1"/>
             <a:r>
-              <a:rPr lang="en-US" smtClean="0"/>
+              <a:rPr lang="en-US"/>
               <a:t>Second level</a:t>
             </a:r>
           </a:p>
           <a:p>
             <a:pPr lvl="2"/>
             <a:r>
-              <a:rPr lang="en-US" smtClean="0"/>
+              <a:rPr lang="en-US"/>
               <a:t>Third level</a:t>
             </a:r>
           </a:p>
           <a:p>
             <a:pPr lvl="3"/>
             <a:r>
-              <a:rPr lang="en-US" smtClean="0"/>
+              <a:rPr lang="en-US"/>
               <a:t>Fourth level</a:t>
             </a:r>
           </a:p>
           <a:p>
             <a:pPr lvl="4"/>
             <a:r>
-              <a:rPr lang="en-US" smtClean="0"/>
+              <a:rPr lang="en-US"/>
               <a:t>Fifth level</a:t>
             </a:r>
             <a:endParaRPr lang="en-US" dirty="0"/>
@@ -3822,7 +3821,7 @@
           <a:p>
             <a:fld id="{F774572E-0D61-7C4C-A97B-03BC6FC8585C}" type="datetimeFigureOut">
               <a:rPr lang="en-US" smtClean="0"/>
-              <a:t>4/17/19</a:t>
+              <a:t>4/18/19</a:t>
             </a:fld>
             <a:endParaRPr lang="en-US"/>
           </a:p>
@@ -4243,22 +4242,21 @@
           <a:lstStyle/>
           <a:p>
             <a:r>
-              <a:rPr lang="en-US" dirty="0" err="1" smtClean="0"/>
+              <a:rPr lang="en-US" dirty="0" err="1"/>
               <a:t>IoT</a:t>
             </a:r>
             <a:r>
-              <a:rPr lang="en-US" dirty="0" smtClean="0"/>
+              <a:rPr lang="en-US" dirty="0"/>
               <a:t> Extensions for </a:t>
             </a:r>
             <a:r>
-              <a:rPr lang="en-US" dirty="0" err="1" smtClean="0"/>
+              <a:rPr lang="en-US" dirty="0" err="1"/>
               <a:t>schema.org</a:t>
             </a:r>
             <a:r>
-              <a:rPr lang="en-US" dirty="0" smtClean="0"/>
+              <a:rPr lang="en-US" dirty="0"/>
               <a:t> </a:t>
             </a:r>
-            <a:endParaRPr lang="en-US" dirty="0"/>
           </a:p>
         </p:txBody>
       </p:sp>
@@ -4278,20 +4276,15 @@
           <a:lstStyle/>
           <a:p>
             <a:r>
-              <a:rPr lang="en-US" dirty="0" smtClean="0"/>
+              <a:rPr lang="en-US" dirty="0"/>
               <a:t>Community Teleconference</a:t>
             </a:r>
           </a:p>
           <a:p>
             <a:r>
-              <a:rPr lang="en-US" dirty="0" smtClean="0"/>
-              <a:t>April 18, </a:t>
-            </a:r>
-            <a:r>
-              <a:rPr lang="en-US" dirty="0" smtClean="0"/>
-              <a:t>2019</a:t>
-            </a:r>
-            <a:endParaRPr lang="en-US" dirty="0"/>
+              <a:rPr lang="en-US" dirty="0"/>
+              <a:t>April 18, 2019</a:t>
+            </a:r>
           </a:p>
         </p:txBody>
       </p:sp>
@@ -4305,13 +4298,6 @@
   <p:clrMapOvr>
     <a:masterClrMapping/>
   </p:clrMapOvr>
-  <p:timing>
-    <p:tnLst>
-      <p:par>
-        <p:cTn id="1" dur="indefinite" restart="never" nodeType="tmRoot"/>
-      </p:par>
-    </p:tnLst>
-  </p:timing>
 </p:sld>
 </file>
 
@@ -4428,10 +4414,6 @@
             <a:r>
               <a:rPr lang="en-US" sz="3600" dirty="0"/>
               <a:t>Current Capability Model</a:t>
-            </a:r>
-            <a:r>
-              <a:rPr lang="en-US" dirty="0"/>
-              <a:t/>
             </a:r>
             <a:br>
               <a:rPr lang="en-US" dirty="0"/>
@@ -4520,7 +4502,7 @@
           <p:cNvPr id="2" name="Title 1">
             <a:extLst>
               <a:ext uri="{FF2B5EF4-FFF2-40B4-BE49-F238E27FC236}">
-                <a16:creationId xmlns:a16="http://schemas.microsoft.com/office/drawing/2014/main" xmlns="" id="{16CC6D98-A63A-4D9C-BF8B-ADFC34BA1D40}"/>
+                <a16:creationId xmlns:a16="http://schemas.microsoft.com/office/drawing/2014/main" id="{16CC6D98-A63A-4D9C-BF8B-ADFC34BA1D40}"/>
               </a:ext>
             </a:extLst>
           </p:cNvPr>
@@ -4549,7 +4531,7 @@
           <p:cNvPr id="4" name="Picture 3">
             <a:extLst>
               <a:ext uri="{FF2B5EF4-FFF2-40B4-BE49-F238E27FC236}">
-                <a16:creationId xmlns:a16="http://schemas.microsoft.com/office/drawing/2014/main" xmlns="" id="{9C1983D6-EF8B-4ECC-8E83-27BC6267727C}"/>
+                <a16:creationId xmlns:a16="http://schemas.microsoft.com/office/drawing/2014/main" id="{9C1983D6-EF8B-4ECC-8E83-27BC6267727C}"/>
               </a:ext>
             </a:extLst>
           </p:cNvPr>
@@ -4615,7 +4597,7 @@
           <p:cNvPr id="2" name="Title 1">
             <a:extLst>
               <a:ext uri="{FF2B5EF4-FFF2-40B4-BE49-F238E27FC236}">
-                <a16:creationId xmlns:a16="http://schemas.microsoft.com/office/drawing/2014/main" xmlns="" id="{4C4D5FC4-CDB5-48A8-9462-DDAC193DF616}"/>
+                <a16:creationId xmlns:a16="http://schemas.microsoft.com/office/drawing/2014/main" id="{4C4D5FC4-CDB5-48A8-9462-DDAC193DF616}"/>
               </a:ext>
             </a:extLst>
           </p:cNvPr>
@@ -4644,7 +4626,7 @@
           <p:cNvPr id="3" name="Content Placeholder 2">
             <a:extLst>
               <a:ext uri="{FF2B5EF4-FFF2-40B4-BE49-F238E27FC236}">
-                <a16:creationId xmlns:a16="http://schemas.microsoft.com/office/drawing/2014/main" xmlns="" id="{8348B5D3-5559-4F35-B650-AEAE274F6BC3}"/>
+                <a16:creationId xmlns:a16="http://schemas.microsoft.com/office/drawing/2014/main" id="{8348B5D3-5559-4F35-B650-AEAE274F6BC3}"/>
               </a:ext>
             </a:extLst>
           </p:cNvPr>
@@ -4821,10 +4803,9 @@
           <a:lstStyle/>
           <a:p>
             <a:r>
-              <a:rPr lang="en-US" dirty="0" smtClean="0"/>
+              <a:rPr lang="en-US" dirty="0"/>
               <a:t>One Data Model </a:t>
             </a:r>
-            <a:endParaRPr lang="en-US" dirty="0"/>
           </a:p>
         </p:txBody>
       </p:sp>
@@ -4844,49 +4825,36 @@
           <a:lstStyle/>
           <a:p>
             <a:r>
-              <a:rPr lang="en-US" dirty="0" smtClean="0"/>
+              <a:rPr lang="en-US" dirty="0"/>
               <a:t>Harmonize device models across industry</a:t>
             </a:r>
           </a:p>
           <a:p>
             <a:r>
-              <a:rPr lang="en-US" dirty="0" smtClean="0"/>
-              <a:t>High </a:t>
-            </a:r>
-            <a:r>
-              <a:rPr lang="en-US" dirty="0" smtClean="0"/>
-              <a:t>level semantic model that is aligned with the pattern we have been using for the prototype definitions</a:t>
-            </a:r>
-          </a:p>
-          <a:p>
-            <a:r>
-              <a:rPr lang="en-US" dirty="0" smtClean="0"/>
+              <a:rPr lang="en-US" dirty="0"/>
+              <a:t>High level semantic model that is aligned with the pattern we have been using for the prototype definitions</a:t>
+            </a:r>
+          </a:p>
+          <a:p>
+            <a:r>
+              <a:rPr lang="en-US" dirty="0"/>
               <a:t>"Objects" with Event, Action, Property classes</a:t>
             </a:r>
           </a:p>
           <a:p>
             <a:r>
-              <a:rPr lang="en-US" dirty="0" smtClean="0"/>
-              <a:t>Data </a:t>
-            </a:r>
-            <a:r>
-              <a:rPr lang="en-US" dirty="0" smtClean="0"/>
-              <a:t>class without any </a:t>
-            </a:r>
-            <a:r>
-              <a:rPr lang="en-US" dirty="0" smtClean="0"/>
-              <a:t>directionality</a:t>
-            </a:r>
-          </a:p>
-          <a:p>
-            <a:r>
-              <a:rPr lang="en-US" dirty="0" smtClean="0"/>
+              <a:rPr lang="en-US" dirty="0"/>
+              <a:t>Data class without any directionality</a:t>
+            </a:r>
+          </a:p>
+          <a:p>
+            <a:r>
+              <a:rPr lang="en-US" dirty="0"/>
               <a:t>Objects compose into things and products</a:t>
             </a:r>
-            <a:endParaRPr lang="en-US" dirty="0" smtClean="0"/>
-          </a:p>
-          <a:p>
-            <a:endParaRPr lang="en-US" dirty="0" smtClean="0"/>
+          </a:p>
+          <a:p>
+            <a:endParaRPr lang="en-US" dirty="0"/>
           </a:p>
         </p:txBody>
       </p:sp>
@@ -4900,13 +4868,6 @@
   <p:clrMapOvr>
     <a:masterClrMapping/>
   </p:clrMapOvr>
-  <p:timing>
-    <p:tnLst>
-      <p:par>
-        <p:cTn id="1" dur="indefinite" restart="never" nodeType="tmRoot"/>
-      </p:par>
-    </p:tnLst>
-  </p:timing>
 </p:sld>
 </file>
 
@@ -4949,13 +4910,8 @@
           <a:p>
             <a:r>
               <a:rPr lang="en-US" dirty="0"/>
-              <a:t>UML </a:t>
-            </a:r>
-            <a:r>
-              <a:rPr lang="en-US" dirty="0" smtClean="0"/>
-              <a:t>Model</a:t>
-            </a:r>
-            <a:endParaRPr lang="en-US" dirty="0"/>
+              <a:t>UML Model</a:t>
+            </a:r>
           </a:p>
         </p:txBody>
       </p:sp>
@@ -5046,15 +5002,7 @@
             </a:r>
             <a:r>
               <a:rPr lang="en-US" dirty="0"/>
-              <a:t> </a:t>
-            </a:r>
-            <a:r>
-              <a:rPr lang="en-US" dirty="0" smtClean="0"/>
-              <a:t>Objects </a:t>
-            </a:r>
-            <a:r>
-              <a:rPr lang="en-US" dirty="0"/>
-              <a:t>e.g. </a:t>
+              <a:t> Objects e.g. </a:t>
             </a:r>
             <a:r>
               <a:rPr lang="en-US" dirty="0" err="1"/>
@@ -5145,13 +5093,6 @@
   <p:clrMapOvr>
     <a:masterClrMapping/>
   </p:clrMapOvr>
-  <p:timing>
-    <p:tnLst>
-      <p:par>
-        <p:cTn id="1" dur="indefinite" restart="never" nodeType="tmRoot"/>
-      </p:par>
-    </p:tnLst>
-  </p:timing>
 </p:sld>
 </file>
 
@@ -5188,10 +5129,9 @@
           <a:lstStyle/>
           <a:p>
             <a:r>
-              <a:rPr lang="en-US" dirty="0" smtClean="0"/>
+              <a:rPr lang="en-US" dirty="0"/>
               <a:t>Problems to solve</a:t>
             </a:r>
-            <a:endParaRPr lang="en-US" dirty="0"/>
           </a:p>
         </p:txBody>
       </p:sp>
@@ -5211,19 +5151,19 @@
           <a:lstStyle/>
           <a:p>
             <a:r>
-              <a:rPr lang="en-US" dirty="0" smtClean="0"/>
+              <a:rPr lang="en-US" dirty="0"/>
               <a:t>Process is to select the "best" from a wide variety of existing models the various orgs have built</a:t>
             </a:r>
           </a:p>
           <a:p>
             <a:r>
-              <a:rPr lang="en-US" dirty="0" smtClean="0"/>
+              <a:rPr lang="en-US" dirty="0"/>
               <a:t>Need to represent the abstract concepts from many design sources</a:t>
             </a:r>
           </a:p>
           <a:p>
             <a:r>
-              <a:rPr lang="en-US" dirty="0" smtClean="0"/>
+              <a:rPr lang="en-US" dirty="0"/>
               <a:t>High level representation that domain experts can use without getting bogged down in the tools</a:t>
             </a:r>
           </a:p>
@@ -5235,7 +5175,7 @@
           </a:p>
           <a:p>
             <a:r>
-              <a:rPr lang="en-US" dirty="0" smtClean="0"/>
+              <a:rPr lang="en-US" dirty="0"/>
               <a:t>Simple Definition Format</a:t>
             </a:r>
           </a:p>
@@ -5290,12 +5230,8 @@
           <a:lstStyle/>
           <a:p>
             <a:r>
-              <a:rPr lang="en-US" dirty="0" smtClean="0"/>
-              <a:t>Support </a:t>
-            </a:r>
-            <a:r>
               <a:rPr lang="en-US" dirty="0"/>
-              <a:t>This Pattern</a:t>
+              <a:t>Support This Pattern</a:t>
             </a:r>
           </a:p>
         </p:txBody>
@@ -5822,10 +5758,9 @@
           <a:lstStyle/>
           <a:p>
             <a:r>
-              <a:rPr lang="en-US" dirty="0" smtClean="0"/>
+              <a:rPr lang="en-US" dirty="0"/>
               <a:t>Simple Definition Format</a:t>
             </a:r>
-            <a:endParaRPr lang="en-US" dirty="0"/>
           </a:p>
         </p:txBody>
       </p:sp>
@@ -5845,19 +5780,19 @@
           <a:lstStyle/>
           <a:p>
             <a:r>
-              <a:rPr lang="en-US" dirty="0" smtClean="0"/>
+              <a:rPr lang="en-US" dirty="0"/>
               <a:t>JSON based DSL for making definitions</a:t>
             </a:r>
           </a:p>
           <a:p>
             <a:r>
-              <a:rPr lang="en-US" dirty="0" smtClean="0"/>
+              <a:rPr lang="en-US" dirty="0"/>
               <a:t>Distill the text down to high information content</a:t>
             </a:r>
           </a:p>
           <a:p>
             <a:r>
-              <a:rPr lang="en-US" dirty="0" smtClean="0"/>
+              <a:rPr lang="en-US" dirty="0"/>
               <a:t>Focus on definitions of objects with events, actions, and properties with semantic data types</a:t>
             </a:r>
           </a:p>
@@ -5868,7 +5803,7 @@
             </a:r>
           </a:p>
           <a:p>
-            <a:endParaRPr lang="en-US" dirty="0" smtClean="0"/>
+            <a:endParaRPr lang="en-US" dirty="0"/>
           </a:p>
         </p:txBody>
       </p:sp>
@@ -5918,10 +5853,9 @@
           <a:lstStyle/>
           <a:p>
             <a:r>
-              <a:rPr lang="en-US" dirty="0" smtClean="0"/>
+              <a:rPr lang="en-US" dirty="0"/>
               <a:t>Agenda</a:t>
             </a:r>
-            <a:endParaRPr lang="en-US" dirty="0"/>
           </a:p>
         </p:txBody>
       </p:sp>
@@ -5941,7 +5875,7 @@
           <a:lstStyle/>
           <a:p>
             <a:r>
-              <a:rPr lang="en-US" dirty="0" smtClean="0"/>
+              <a:rPr lang="en-US" dirty="0"/>
               <a:t>Updates</a:t>
             </a:r>
           </a:p>
@@ -5957,33 +5891,23 @@
           </a:p>
           <a:p>
             <a:r>
-              <a:rPr lang="en-US" dirty="0" smtClean="0"/>
-              <a:t>One </a:t>
-            </a:r>
-            <a:r>
               <a:rPr lang="en-US" dirty="0"/>
-              <a:t>Data Model </a:t>
-            </a:r>
-            <a:r>
-              <a:rPr lang="en-US" dirty="0" smtClean="0"/>
-              <a:t>Update </a:t>
-            </a:r>
-            <a:r>
-              <a:rPr lang="mr-IN" dirty="0" smtClean="0"/>
+              <a:t>One Data Model Update </a:t>
+            </a:r>
+            <a:r>
+              <a:rPr lang="mr-IN" dirty="0"/>
               <a:t>–</a:t>
             </a:r>
             <a:r>
-              <a:rPr lang="en-US" dirty="0" smtClean="0"/>
+              <a:rPr lang="en-US" dirty="0"/>
               <a:t> Simple Definition Format</a:t>
             </a:r>
-            <a:endParaRPr lang="en-US" dirty="0"/>
-          </a:p>
-          <a:p>
-            <a:r>
-              <a:rPr lang="en-US" dirty="0" smtClean="0"/>
+          </a:p>
+          <a:p>
+            <a:r>
+              <a:rPr lang="en-US" dirty="0"/>
               <a:t>AOB</a:t>
             </a:r>
-            <a:endParaRPr lang="en-US" dirty="0" smtClean="0"/>
           </a:p>
         </p:txBody>
       </p:sp>
@@ -5997,13 +5921,6 @@
   <p:clrMapOvr>
     <a:masterClrMapping/>
   </p:clrMapOvr>
-  <p:timing>
-    <p:tnLst>
-      <p:par>
-        <p:cTn id="1" dur="indefinite" restart="never" nodeType="tmRoot"/>
-      </p:par>
-    </p:tnLst>
-  </p:timing>
 </p:sld>
 </file>
 
@@ -6045,10 +5962,9 @@
           <a:lstStyle/>
           <a:p>
             <a:r>
-              <a:rPr lang="en-US" dirty="0" smtClean="0"/>
+              <a:rPr lang="en-US" dirty="0"/>
               <a:t>SDF Example</a:t>
             </a:r>
-            <a:endParaRPr lang="en-US" dirty="0"/>
           </a:p>
         </p:txBody>
       </p:sp>
@@ -6084,7 +6000,7 @@
           </a:p>
           <a:p>
             <a:r>
-              <a:rPr lang="en-US" sz="1600" dirty="0" smtClean="0">
+              <a:rPr lang="en-US" sz="1600" dirty="0">
                 <a:latin typeface="Courier" charset="0"/>
                 <a:ea typeface="Courier" charset="0"/>
                 <a:cs typeface="Courier" charset="0"/>
@@ -6113,7 +6029,7 @@
           </a:p>
           <a:p>
             <a:r>
-              <a:rPr lang="en-US" sz="1600" dirty="0" smtClean="0">
+              <a:rPr lang="en-US" sz="1600" dirty="0">
                 <a:latin typeface="Courier" charset="0"/>
                 <a:ea typeface="Courier" charset="0"/>
                 <a:cs typeface="Courier" charset="0"/>
@@ -6142,7 +6058,7 @@
           </a:p>
           <a:p>
             <a:r>
-              <a:rPr lang="en-US" sz="1600" dirty="0" smtClean="0">
+              <a:rPr lang="en-US" sz="1600" dirty="0">
                 <a:latin typeface="Courier" charset="0"/>
                 <a:ea typeface="Courier" charset="0"/>
                 <a:cs typeface="Courier" charset="0"/>
@@ -6171,7 +6087,7 @@
           </a:p>
           <a:p>
             <a:r>
-              <a:rPr lang="en-US" sz="1600" dirty="0" smtClean="0">
+              <a:rPr lang="en-US" sz="1600" dirty="0">
                 <a:latin typeface="Courier" charset="0"/>
                 <a:ea typeface="Courier" charset="0"/>
                 <a:cs typeface="Courier" charset="0"/>
@@ -6195,44 +6111,12 @@
                 <a:ea typeface="Courier" charset="0"/>
                 <a:cs typeface="Courier" charset="0"/>
               </a:rPr>
-              <a:t>": "Copyright 2019 Example </a:t>
-            </a:r>
-            <a:r>
-              <a:rPr lang="en-US" sz="1600" dirty="0" smtClean="0">
-                <a:latin typeface="Courier" charset="0"/>
-                <a:ea typeface="Courier" charset="0"/>
-                <a:cs typeface="Courier" charset="0"/>
-              </a:rPr>
-              <a:t>Corp. </a:t>
-            </a:r>
-            <a:r>
-              <a:rPr lang="en-US" sz="1600" dirty="0">
-                <a:latin typeface="Courier" charset="0"/>
-                <a:ea typeface="Courier" charset="0"/>
-                <a:cs typeface="Courier" charset="0"/>
-              </a:rPr>
-              <a:t>All </a:t>
-            </a:r>
-            <a:r>
-              <a:rPr lang="en-US" sz="1600" dirty="0" smtClean="0">
-                <a:latin typeface="Courier" charset="0"/>
-                <a:ea typeface="Courier" charset="0"/>
-                <a:cs typeface="Courier" charset="0"/>
-              </a:rPr>
-              <a:t>rights reserved</a:t>
-            </a:r>
-            <a:r>
-              <a:rPr lang="en-US" sz="1600" dirty="0">
-                <a:latin typeface="Courier" charset="0"/>
-                <a:ea typeface="Courier" charset="0"/>
-                <a:cs typeface="Courier" charset="0"/>
-              </a:rPr>
-              <a:t>.",</a:t>
-            </a:r>
-          </a:p>
-          <a:p>
-            <a:r>
-              <a:rPr lang="en-US" sz="1600" dirty="0" smtClean="0">
+              <a:t>": "Copyright 2019 Example Corp. All rights reserved.",</a:t>
+            </a:r>
+          </a:p>
+          <a:p>
+            <a:r>
+              <a:rPr lang="en-US" sz="1600" dirty="0">
                 <a:latin typeface="Courier" charset="0"/>
                 <a:ea typeface="Courier" charset="0"/>
                 <a:cs typeface="Courier" charset="0"/>
@@ -6277,22 +6161,17 @@
           </a:p>
           <a:p>
             <a:r>
-              <a:rPr lang="en-US" sz="1600" dirty="0" smtClean="0">
+              <a:rPr lang="en-US" sz="1600" dirty="0">
                 <a:latin typeface="Courier" charset="0"/>
                 <a:ea typeface="Courier" charset="0"/>
                 <a:cs typeface="Courier" charset="0"/>
               </a:rPr>
               <a:t>  },</a:t>
             </a:r>
-            <a:endParaRPr lang="en-US" sz="1600" dirty="0">
-              <a:latin typeface="Courier" charset="0"/>
-              <a:ea typeface="Courier" charset="0"/>
-              <a:cs typeface="Courier" charset="0"/>
-            </a:endParaRPr>
-          </a:p>
-          <a:p>
-            <a:r>
-              <a:rPr lang="en-US" sz="1600" dirty="0" smtClean="0">
+          </a:p>
+          <a:p>
+            <a:r>
+              <a:rPr lang="en-US" sz="1600" dirty="0">
                 <a:latin typeface="Courier" charset="0"/>
                 <a:ea typeface="Courier" charset="0"/>
                 <a:cs typeface="Courier" charset="0"/>
@@ -6321,7 +6200,7 @@
           </a:p>
           <a:p>
             <a:r>
-              <a:rPr lang="en-US" sz="1600" dirty="0" smtClean="0">
+              <a:rPr lang="en-US" sz="1600" dirty="0">
                 <a:latin typeface="Courier" charset="0"/>
                 <a:ea typeface="Courier" charset="0"/>
                 <a:cs typeface="Courier" charset="0"/>
@@ -6379,7 +6258,7 @@
           </a:p>
           <a:p>
             <a:r>
-              <a:rPr lang="en-US" sz="1600" dirty="0" smtClean="0">
+              <a:rPr lang="en-US" sz="1600" dirty="0">
                 <a:latin typeface="Courier" charset="0"/>
                 <a:ea typeface="Courier" charset="0"/>
                 <a:cs typeface="Courier" charset="0"/>
@@ -6389,7 +6268,7 @@
           </a:p>
           <a:p>
             <a:r>
-              <a:rPr lang="en-US" sz="1600" dirty="0" smtClean="0">
+              <a:rPr lang="en-US" sz="1600" dirty="0">
                 <a:latin typeface="Courier" charset="0"/>
                 <a:ea typeface="Courier" charset="0"/>
                 <a:cs typeface="Courier" charset="0"/>
@@ -6397,7 +6276,7 @@
               <a:t>  "</a:t>
             </a:r>
             <a:r>
-              <a:rPr lang="en-US" sz="1600" dirty="0" err="1" smtClean="0">
+              <a:rPr lang="en-US" sz="1600" dirty="0" err="1">
                 <a:solidFill>
                   <a:srgbClr val="FF0000"/>
                 </a:solidFill>
@@ -6434,20 +6313,12 @@
           </a:p>
           <a:p>
             <a:r>
-              <a:rPr lang="en-US" sz="1600" dirty="0" smtClean="0">
-                <a:latin typeface="Courier" charset="0"/>
-                <a:ea typeface="Courier" charset="0"/>
-                <a:cs typeface="Courier" charset="0"/>
-              </a:rPr>
-              <a:t>  </a:t>
-            </a:r>
-            <a:r>
-              <a:rPr lang="en-US" sz="1600" dirty="0" smtClean="0">
-                <a:latin typeface="Courier" charset="0"/>
-                <a:ea typeface="Courier" charset="0"/>
-                <a:cs typeface="Courier" charset="0"/>
-              </a:rPr>
-              <a:t>"</a:t>
+              <a:rPr lang="en-US" sz="1600" dirty="0">
+                <a:latin typeface="Courier" charset="0"/>
+                <a:ea typeface="Courier" charset="0"/>
+                <a:cs typeface="Courier" charset="0"/>
+              </a:rPr>
+              <a:t>  "</a:t>
             </a:r>
             <a:r>
               <a:rPr lang="en-US" sz="1600" dirty="0">
@@ -6471,7 +6342,56 @@
           </a:p>
           <a:p>
             <a:r>
-              <a:rPr lang="en-US" sz="1600" dirty="0" smtClean="0">
+              <a:rPr lang="en-US" sz="1600" dirty="0">
+                <a:latin typeface="Courier" charset="0"/>
+                <a:ea typeface="Courier" charset="0"/>
+                <a:cs typeface="Courier" charset="0"/>
+              </a:rPr>
+              <a:t>    "Switch": {}</a:t>
+            </a:r>
+          </a:p>
+          <a:p>
+            <a:r>
+              <a:rPr lang="en-US" sz="1600" dirty="0">
+                <a:latin typeface="Courier" charset="0"/>
+                <a:ea typeface="Courier" charset="0"/>
+                <a:cs typeface="Courier" charset="0"/>
+              </a:rPr>
+              <a:t>  },</a:t>
+            </a:r>
+          </a:p>
+          <a:p>
+            <a:r>
+              <a:rPr lang="en-US" sz="1600" dirty="0">
+                <a:latin typeface="Courier" charset="0"/>
+                <a:ea typeface="Courier" charset="0"/>
+                <a:cs typeface="Courier" charset="0"/>
+              </a:rPr>
+              <a:t>  "</a:t>
+            </a:r>
+            <a:r>
+              <a:rPr lang="en-US" sz="1600" dirty="0">
+                <a:solidFill>
+                  <a:srgbClr val="FF0000"/>
+                </a:solidFill>
+                <a:latin typeface="Courier" charset="0"/>
+                <a:ea typeface="Courier" charset="0"/>
+                <a:cs typeface="Courier" charset="0"/>
+              </a:rPr>
+              <a:t>property</a:t>
+            </a:r>
+            <a:r>
+              <a:rPr lang="en-US" sz="1600" dirty="0">
+                <a:latin typeface="Courier" charset="0"/>
+                <a:ea typeface="Courier" charset="0"/>
+                <a:cs typeface="Courier" charset="0"/>
+              </a:rPr>
+              <a:t>": {</a:t>
+            </a:r>
+          </a:p>
+          <a:p>
+            <a:r>
+              <a:rPr lang="en-US" sz="1600" dirty="0">
                 <a:latin typeface="Courier" charset="0"/>
                 <a:ea typeface="Courier" charset="0"/>
                 <a:cs typeface="Courier" charset="0"/>
@@ -6479,32 +6399,81 @@
               <a:t>    "</a:t>
             </a:r>
             <a:r>
-              <a:rPr lang="en-US" sz="1600" dirty="0">
-                <a:latin typeface="Courier" charset="0"/>
-                <a:ea typeface="Courier" charset="0"/>
-                <a:cs typeface="Courier" charset="0"/>
-              </a:rPr>
-              <a:t>Switch": {}</a:t>
-            </a:r>
-          </a:p>
-          <a:p>
-            <a:r>
-              <a:rPr lang="en-US" sz="1600" dirty="0" smtClean="0">
+              <a:rPr lang="en-US" sz="1600" dirty="0" err="1">
+                <a:latin typeface="Courier" charset="0"/>
+                <a:ea typeface="Courier" charset="0"/>
+                <a:cs typeface="Courier" charset="0"/>
+              </a:rPr>
+              <a:t>Switch.value</a:t>
+            </a:r>
+            <a:r>
+              <a:rPr lang="en-US" sz="1600" dirty="0">
+                <a:latin typeface="Courier" charset="0"/>
+                <a:ea typeface="Courier" charset="0"/>
+                <a:cs typeface="Courier" charset="0"/>
+              </a:rPr>
+              <a:t>": {</a:t>
+            </a:r>
+          </a:p>
+          <a:p>
+            <a:r>
+              <a:rPr lang="en-US" sz="1600" dirty="0">
+                <a:latin typeface="Courier" charset="0"/>
+                <a:ea typeface="Courier" charset="0"/>
+                <a:cs typeface="Courier" charset="0"/>
+              </a:rPr>
+              <a:t>      "type": "string",</a:t>
+            </a:r>
+          </a:p>
+          <a:p>
+            <a:r>
+              <a:rPr lang="en-US" sz="1600" dirty="0">
+                <a:latin typeface="Courier" charset="0"/>
+                <a:ea typeface="Courier" charset="0"/>
+                <a:cs typeface="Courier" charset="0"/>
+              </a:rPr>
+              <a:t>      "</a:t>
+            </a:r>
+            <a:r>
+              <a:rPr lang="en-US" sz="1600" dirty="0" err="1">
+                <a:latin typeface="Courier" charset="0"/>
+                <a:ea typeface="Courier" charset="0"/>
+                <a:cs typeface="Courier" charset="0"/>
+              </a:rPr>
+              <a:t>enum</a:t>
+            </a:r>
+            <a:r>
+              <a:rPr lang="en-US" sz="1600" dirty="0">
+                <a:latin typeface="Courier" charset="0"/>
+                <a:ea typeface="Courier" charset="0"/>
+                <a:cs typeface="Courier" charset="0"/>
+              </a:rPr>
+              <a:t>": ["on", "off"]</a:t>
+            </a:r>
+          </a:p>
+          <a:p>
+            <a:r>
+              <a:rPr lang="en-US" sz="1600" dirty="0">
+                <a:latin typeface="Courier" charset="0"/>
+                <a:ea typeface="Courier" charset="0"/>
+                <a:cs typeface="Courier" charset="0"/>
+              </a:rPr>
+              <a:t>    }</a:t>
+            </a:r>
+          </a:p>
+          <a:p>
+            <a:r>
+              <a:rPr lang="en-US" sz="1600" dirty="0">
                 <a:latin typeface="Courier" charset="0"/>
                 <a:ea typeface="Courier" charset="0"/>
                 <a:cs typeface="Courier" charset="0"/>
               </a:rPr>
               <a:t>  },</a:t>
             </a:r>
-            <a:endParaRPr lang="en-US" sz="1600" dirty="0">
-              <a:latin typeface="Courier" charset="0"/>
-              <a:ea typeface="Courier" charset="0"/>
-              <a:cs typeface="Courier" charset="0"/>
-            </a:endParaRPr>
-          </a:p>
-          <a:p>
-            <a:r>
-              <a:rPr lang="en-US" sz="1600" dirty="0" smtClean="0">
+          </a:p>
+          <a:p>
+            <a:r>
+              <a:rPr lang="en-US" sz="1600" dirty="0">
                 <a:latin typeface="Courier" charset="0"/>
                 <a:ea typeface="Courier" charset="0"/>
                 <a:cs typeface="Courier" charset="0"/>
@@ -6520,7 +6489,7 @@
                 <a:ea typeface="Courier" charset="0"/>
                 <a:cs typeface="Courier" charset="0"/>
               </a:rPr>
-              <a:t>property</a:t>
+              <a:t>action</a:t>
             </a:r>
             <a:r>
               <a:rPr lang="en-US" sz="1600" dirty="0">
@@ -6533,7 +6502,7 @@
           </a:p>
           <a:p>
             <a:r>
-              <a:rPr lang="en-US" sz="1600" dirty="0" smtClean="0">
+              <a:rPr lang="en-US" sz="1600" dirty="0">
                 <a:latin typeface="Courier" charset="0"/>
                 <a:ea typeface="Courier" charset="0"/>
                 <a:cs typeface="Courier" charset="0"/>
@@ -6546,43 +6515,25 @@
                 <a:ea typeface="Courier" charset="0"/>
                 <a:cs typeface="Courier" charset="0"/>
               </a:rPr>
-              <a:t>Switch.value</a:t>
-            </a:r>
-            <a:r>
-              <a:rPr lang="en-US" sz="1600" dirty="0">
-                <a:latin typeface="Courier" charset="0"/>
-                <a:ea typeface="Courier" charset="0"/>
-                <a:cs typeface="Courier" charset="0"/>
-              </a:rPr>
-              <a:t>": {</a:t>
-            </a:r>
-          </a:p>
-          <a:p>
-            <a:r>
-              <a:rPr lang="en-US" sz="1600" dirty="0" smtClean="0">
-                <a:latin typeface="Courier" charset="0"/>
-                <a:ea typeface="Courier" charset="0"/>
-                <a:cs typeface="Courier" charset="0"/>
-              </a:rPr>
-              <a:t>      "</a:t>
-            </a:r>
-            <a:r>
-              <a:rPr lang="en-US" sz="1600" dirty="0">
-                <a:latin typeface="Courier" charset="0"/>
-                <a:ea typeface="Courier" charset="0"/>
-                <a:cs typeface="Courier" charset="0"/>
-              </a:rPr>
-              <a:t>type": "string",</a:t>
-            </a:r>
-          </a:p>
-          <a:p>
-            <a:r>
-              <a:rPr lang="en-US" sz="1600" dirty="0" smtClean="0">
-                <a:latin typeface="Courier" charset="0"/>
-                <a:ea typeface="Courier" charset="0"/>
-                <a:cs typeface="Courier" charset="0"/>
-              </a:rPr>
-              <a:t>      "</a:t>
+              <a:t>Switch.on</a:t>
+            </a:r>
+            <a:r>
+              <a:rPr lang="en-US" sz="1600" dirty="0">
+                <a:latin typeface="Courier" charset="0"/>
+                <a:ea typeface="Courier" charset="0"/>
+                <a:cs typeface="Courier" charset="0"/>
+              </a:rPr>
+              <a:t>": {},</a:t>
+            </a:r>
+          </a:p>
+          <a:p>
+            <a:r>
+              <a:rPr lang="en-US" sz="1600" dirty="0">
+                <a:latin typeface="Courier" charset="0"/>
+                <a:ea typeface="Courier" charset="0"/>
+                <a:cs typeface="Courier" charset="0"/>
+              </a:rPr>
+              <a:t>    "</a:t>
             </a:r>
             <a:r>
               <a:rPr lang="en-US" sz="1600" dirty="0" err="1">
@@ -6590,117 +6541,6 @@
                 <a:ea typeface="Courier" charset="0"/>
                 <a:cs typeface="Courier" charset="0"/>
               </a:rPr>
-              <a:t>enum</a:t>
-            </a:r>
-            <a:r>
-              <a:rPr lang="en-US" sz="1600" dirty="0">
-                <a:latin typeface="Courier" charset="0"/>
-                <a:ea typeface="Courier" charset="0"/>
-                <a:cs typeface="Courier" charset="0"/>
-              </a:rPr>
-              <a:t>": ["on", "off"]</a:t>
-            </a:r>
-          </a:p>
-          <a:p>
-            <a:r>
-              <a:rPr lang="en-US" sz="1600" dirty="0" smtClean="0">
-                <a:latin typeface="Courier" charset="0"/>
-                <a:ea typeface="Courier" charset="0"/>
-                <a:cs typeface="Courier" charset="0"/>
-              </a:rPr>
-              <a:t>    }</a:t>
-            </a:r>
-            <a:endParaRPr lang="en-US" sz="1600" dirty="0">
-              <a:latin typeface="Courier" charset="0"/>
-              <a:ea typeface="Courier" charset="0"/>
-              <a:cs typeface="Courier" charset="0"/>
-            </a:endParaRPr>
-          </a:p>
-          <a:p>
-            <a:r>
-              <a:rPr lang="en-US" sz="1600" dirty="0" smtClean="0">
-                <a:latin typeface="Courier" charset="0"/>
-                <a:ea typeface="Courier" charset="0"/>
-                <a:cs typeface="Courier" charset="0"/>
-              </a:rPr>
-              <a:t>  },</a:t>
-            </a:r>
-            <a:endParaRPr lang="en-US" sz="1600" dirty="0">
-              <a:latin typeface="Courier" charset="0"/>
-              <a:ea typeface="Courier" charset="0"/>
-              <a:cs typeface="Courier" charset="0"/>
-            </a:endParaRPr>
-          </a:p>
-          <a:p>
-            <a:r>
-              <a:rPr lang="en-US" sz="1600" dirty="0" smtClean="0">
-                <a:latin typeface="Courier" charset="0"/>
-                <a:ea typeface="Courier" charset="0"/>
-                <a:cs typeface="Courier" charset="0"/>
-              </a:rPr>
-              <a:t>  "</a:t>
-            </a:r>
-            <a:r>
-              <a:rPr lang="en-US" sz="1600" dirty="0">
-                <a:solidFill>
-                  <a:srgbClr val="FF0000"/>
-                </a:solidFill>
-                <a:latin typeface="Courier" charset="0"/>
-                <a:ea typeface="Courier" charset="0"/>
-                <a:cs typeface="Courier" charset="0"/>
-              </a:rPr>
-              <a:t>action</a:t>
-            </a:r>
-            <a:r>
-              <a:rPr lang="en-US" sz="1600" dirty="0">
-                <a:latin typeface="Courier" charset="0"/>
-                <a:ea typeface="Courier" charset="0"/>
-                <a:cs typeface="Courier" charset="0"/>
-              </a:rPr>
-              <a:t>": {</a:t>
-            </a:r>
-          </a:p>
-          <a:p>
-            <a:r>
-              <a:rPr lang="en-US" sz="1600" dirty="0" smtClean="0">
-                <a:latin typeface="Courier" charset="0"/>
-                <a:ea typeface="Courier" charset="0"/>
-                <a:cs typeface="Courier" charset="0"/>
-              </a:rPr>
-              <a:t>    "</a:t>
-            </a:r>
-            <a:r>
-              <a:rPr lang="en-US" sz="1600" dirty="0" err="1">
-                <a:latin typeface="Courier" charset="0"/>
-                <a:ea typeface="Courier" charset="0"/>
-                <a:cs typeface="Courier" charset="0"/>
-              </a:rPr>
-              <a:t>Switch.on</a:t>
-            </a:r>
-            <a:r>
-              <a:rPr lang="en-US" sz="1600" dirty="0">
-                <a:latin typeface="Courier" charset="0"/>
-                <a:ea typeface="Courier" charset="0"/>
-                <a:cs typeface="Courier" charset="0"/>
-              </a:rPr>
-              <a:t>": {},</a:t>
-            </a:r>
-          </a:p>
-          <a:p>
-            <a:r>
-              <a:rPr lang="en-US" sz="1600" dirty="0" smtClean="0">
-                <a:latin typeface="Courier" charset="0"/>
-                <a:ea typeface="Courier" charset="0"/>
-                <a:cs typeface="Courier" charset="0"/>
-              </a:rPr>
-              <a:t>    "</a:t>
-            </a:r>
-            <a:r>
-              <a:rPr lang="en-US" sz="1600" dirty="0" err="1">
-                <a:latin typeface="Courier" charset="0"/>
-                <a:ea typeface="Courier" charset="0"/>
-                <a:cs typeface="Courier" charset="0"/>
-              </a:rPr>
               <a:t>Switch.off</a:t>
             </a:r>
             <a:r>
@@ -6714,7 +6554,7 @@
           </a:p>
           <a:p>
             <a:r>
-              <a:rPr lang="en-US" sz="1600" dirty="0" smtClean="0">
+              <a:rPr lang="en-US" sz="1600" dirty="0">
                 <a:latin typeface="Courier" charset="0"/>
                 <a:ea typeface="Courier" charset="0"/>
                 <a:cs typeface="Courier" charset="0"/>
@@ -6761,12 +6601,12 @@
               <a:buNone/>
             </a:pPr>
             <a:r>
-              <a:rPr lang="en-US" sz="1800" dirty="0" smtClean="0">
+              <a:rPr lang="en-US" sz="1800" dirty="0">
                 <a:hlinkClick r:id="rId2"/>
               </a:rPr>
               <a:t>https://github.com/mjkoster/ODM-Examples/SDF2.json</a:t>
             </a:r>
-            <a:endParaRPr lang="en-US" sz="1800" dirty="0" smtClean="0"/>
+            <a:endParaRPr lang="en-US" sz="1800" dirty="0"/>
           </a:p>
         </p:txBody>
       </p:sp>
@@ -6821,18 +6661,17 @@
           <a:lstStyle/>
           <a:p>
             <a:r>
-              <a:rPr lang="en-US" dirty="0" smtClean="0"/>
+              <a:rPr lang="en-US" dirty="0"/>
               <a:t>Simple example </a:t>
             </a:r>
             <a:r>
-              <a:rPr lang="mr-IN" dirty="0" smtClean="0"/>
+              <a:rPr lang="mr-IN" dirty="0"/>
               <a:t>–</a:t>
             </a:r>
             <a:r>
-              <a:rPr lang="en-US" dirty="0" smtClean="0"/>
+              <a:rPr lang="en-US" dirty="0"/>
               <a:t> Header Part</a:t>
             </a:r>
-            <a:endParaRPr lang="en-US" dirty="0"/>
           </a:p>
         </p:txBody>
       </p:sp>
@@ -6858,7 +6697,7 @@
           <a:lstStyle/>
           <a:p>
             <a:r>
-              <a:rPr lang="en-US" sz="1600" b="0" dirty="0" smtClean="0">
+              <a:rPr lang="en-US" sz="1600" b="0" dirty="0">
                 <a:effectLst/>
                 <a:latin typeface="Courier" charset="0"/>
                 <a:ea typeface="Courier" charset="0"/>
@@ -6867,7 +6706,7 @@
               <a:t>"</a:t>
             </a:r>
             <a:r>
-              <a:rPr lang="en-US" sz="1600" b="0" dirty="0" smtClean="0">
+              <a:rPr lang="en-US" sz="1600" b="0" dirty="0">
                 <a:solidFill>
                   <a:srgbClr val="FF0000"/>
                 </a:solidFill>
@@ -6879,7 +6718,7 @@
               <a:t>info</a:t>
             </a:r>
             <a:r>
-              <a:rPr lang="en-US" sz="1600" b="0" dirty="0" smtClean="0">
+              <a:rPr lang="en-US" sz="1600" b="0" dirty="0">
                 <a:effectLst/>
                 <a:latin typeface="Courier" charset="0"/>
                 <a:ea typeface="Courier" charset="0"/>
@@ -6890,7 +6729,7 @@
           </a:p>
           <a:p>
             <a:r>
-              <a:rPr lang="en-US" sz="1600" b="0" dirty="0" smtClean="0">
+              <a:rPr lang="en-US" sz="1600" b="0" dirty="0">
                 <a:effectLst/>
                 <a:latin typeface="Courier" charset="0"/>
                 <a:ea typeface="Courier" charset="0"/>
@@ -6899,7 +6738,7 @@
               <a:t>  "</a:t>
             </a:r>
             <a:r>
-              <a:rPr lang="en-US" sz="1600" b="0" dirty="0" smtClean="0">
+              <a:rPr lang="en-US" sz="1600" b="0" dirty="0">
                 <a:solidFill>
                   <a:srgbClr val="FF0000"/>
                 </a:solidFill>
@@ -6911,7 +6750,7 @@
               <a:t>title</a:t>
             </a:r>
             <a:r>
-              <a:rPr lang="en-US" sz="1600" b="0" dirty="0" smtClean="0">
+              <a:rPr lang="en-US" sz="1600" b="0" dirty="0">
                 <a:effectLst/>
                 <a:latin typeface="Courier" charset="0"/>
                 <a:ea typeface="Courier" charset="0"/>
@@ -6922,7 +6761,7 @@
           </a:p>
           <a:p>
             <a:r>
-              <a:rPr lang="en-US" sz="1600" b="0" dirty="0" smtClean="0">
+              <a:rPr lang="en-US" sz="1600" b="0" dirty="0">
                 <a:effectLst/>
                 <a:latin typeface="Courier" charset="0"/>
                 <a:ea typeface="Courier" charset="0"/>
@@ -6931,7 +6770,7 @@
               <a:t>  "</a:t>
             </a:r>
             <a:r>
-              <a:rPr lang="en-US" sz="1600" b="0" dirty="0" smtClean="0">
+              <a:rPr lang="en-US" sz="1600" b="0" dirty="0">
                 <a:solidFill>
                   <a:srgbClr val="FF0000"/>
                 </a:solidFill>
@@ -6943,7 +6782,7 @@
               <a:t>version</a:t>
             </a:r>
             <a:r>
-              <a:rPr lang="en-US" sz="1600" b="0" dirty="0" smtClean="0">
+              <a:rPr lang="en-US" sz="1600" b="0" dirty="0">
                 <a:effectLst/>
                 <a:latin typeface="Courier" charset="0"/>
                 <a:ea typeface="Courier" charset="0"/>
@@ -6954,7 +6793,7 @@
           </a:p>
           <a:p>
             <a:r>
-              <a:rPr lang="en-US" sz="1600" b="0" dirty="0" smtClean="0">
+              <a:rPr lang="en-US" sz="1600" b="0" dirty="0">
                 <a:effectLst/>
                 <a:latin typeface="Courier" charset="0"/>
                 <a:ea typeface="Courier" charset="0"/>
@@ -6963,7 +6802,7 @@
               <a:t>  "</a:t>
             </a:r>
             <a:r>
-              <a:rPr lang="en-US" sz="1600" b="0" dirty="0" smtClean="0">
+              <a:rPr lang="en-US" sz="1600" b="0" dirty="0">
                 <a:solidFill>
                   <a:srgbClr val="FF0000"/>
                 </a:solidFill>
@@ -6975,7 +6814,7 @@
               <a:t>copyright</a:t>
             </a:r>
             <a:r>
-              <a:rPr lang="en-US" sz="1600" b="0" dirty="0" smtClean="0">
+              <a:rPr lang="en-US" sz="1600" b="0" dirty="0">
                 <a:effectLst/>
                 <a:latin typeface="Courier" charset="0"/>
                 <a:ea typeface="Courier" charset="0"/>
@@ -6984,7 +6823,7 @@
               <a:t>": "Copyright 2019 </a:t>
             </a:r>
             <a:r>
-              <a:rPr lang="en-US" sz="1600" b="0" dirty="0" err="1" smtClean="0">
+              <a:rPr lang="en-US" sz="1600" b="0" dirty="0" err="1">
                 <a:effectLst/>
                 <a:latin typeface="Courier" charset="0"/>
                 <a:ea typeface="Courier" charset="0"/>
@@ -6993,7 +6832,7 @@
               <a:t>Xcorp</a:t>
             </a:r>
             <a:r>
-              <a:rPr lang="en-US" sz="1600" b="0" dirty="0" smtClean="0">
+              <a:rPr lang="en-US" sz="1600" b="0" dirty="0">
                 <a:effectLst/>
                 <a:latin typeface="Courier" charset="0"/>
                 <a:ea typeface="Courier" charset="0"/>
@@ -7004,7 +6843,7 @@
           </a:p>
           <a:p>
             <a:r>
-              <a:rPr lang="en-US" sz="1600" b="0" dirty="0" smtClean="0">
+              <a:rPr lang="en-US" sz="1600" b="0" dirty="0">
                 <a:effectLst/>
                 <a:latin typeface="Courier" charset="0"/>
                 <a:ea typeface="Courier" charset="0"/>
@@ -7013,7 +6852,7 @@
               <a:t>  "</a:t>
             </a:r>
             <a:r>
-              <a:rPr lang="en-US" sz="1600" b="0" dirty="0" smtClean="0">
+              <a:rPr lang="en-US" sz="1600" b="0" dirty="0">
                 <a:solidFill>
                   <a:srgbClr val="FF0000"/>
                 </a:solidFill>
@@ -7025,7 +6864,7 @@
               <a:t>license</a:t>
             </a:r>
             <a:r>
-              <a:rPr lang="en-US" sz="1600" b="0" dirty="0" smtClean="0">
+              <a:rPr lang="en-US" sz="1600" b="0" dirty="0">
                 <a:effectLst/>
                 <a:latin typeface="Courier" charset="0"/>
                 <a:ea typeface="Courier" charset="0"/>
@@ -7034,7 +6873,7 @@
               <a:t>": "http://</a:t>
             </a:r>
             <a:r>
-              <a:rPr lang="en-US" sz="1600" b="0" dirty="0" err="1" smtClean="0">
+              <a:rPr lang="en-US" sz="1600" b="0" dirty="0" err="1">
                 <a:effectLst/>
                 <a:latin typeface="Courier" charset="0"/>
                 <a:ea typeface="Courier" charset="0"/>
@@ -7043,7 +6882,7 @@
               <a:t>example.com</a:t>
             </a:r>
             <a:r>
-              <a:rPr lang="en-US" sz="1600" b="0" dirty="0" smtClean="0">
+              <a:rPr lang="en-US" sz="1600" b="0" dirty="0">
                 <a:effectLst/>
                 <a:latin typeface="Courier" charset="0"/>
                 <a:ea typeface="Courier" charset="0"/>
@@ -7054,7 +6893,7 @@
           </a:p>
           <a:p>
             <a:r>
-              <a:rPr lang="en-US" sz="1600" b="0" dirty="0" smtClean="0">
+              <a:rPr lang="en-US" sz="1600" b="0" dirty="0">
                 <a:effectLst/>
                 <a:latin typeface="Courier" charset="0"/>
                 <a:ea typeface="Courier" charset="0"/>
@@ -7062,12 +6901,6 @@
               </a:rPr>
               <a:t>},</a:t>
             </a:r>
-            <a:endParaRPr lang="en-US" sz="1600" b="0" dirty="0">
-              <a:effectLst/>
-              <a:latin typeface="Courier" charset="0"/>
-              <a:ea typeface="Courier" charset="0"/>
-              <a:cs typeface="Courier" charset="0"/>
-            </a:endParaRPr>
           </a:p>
         </p:txBody>
       </p:sp>
@@ -7093,7 +6926,7 @@
           <a:lstStyle/>
           <a:p>
             <a:r>
-              <a:rPr lang="en-US" sz="1600" b="0" dirty="0" smtClean="0">
+              <a:rPr lang="en-US" sz="1600" b="0" dirty="0">
                 <a:effectLst/>
                 <a:latin typeface="Courier" charset="0"/>
                 <a:ea typeface="Courier" charset="0"/>
@@ -7102,7 +6935,7 @@
               <a:t>"</a:t>
             </a:r>
             <a:r>
-              <a:rPr lang="en-US" sz="1600" b="0" dirty="0" smtClean="0">
+              <a:rPr lang="en-US" sz="1600" b="0" dirty="0">
                 <a:solidFill>
                   <a:srgbClr val="FF0000"/>
                 </a:solidFill>
@@ -7114,7 +6947,7 @@
               <a:t>namespace</a:t>
             </a:r>
             <a:r>
-              <a:rPr lang="en-US" sz="1600" b="0" dirty="0" smtClean="0">
+              <a:rPr lang="en-US" sz="1600" b="0" dirty="0">
                 <a:effectLst/>
                 <a:latin typeface="Courier" charset="0"/>
                 <a:ea typeface="Courier" charset="0"/>
@@ -7125,242 +6958,194 @@
           </a:p>
           <a:p>
             <a:r>
-              <a:rPr lang="en-US" sz="1600" b="0" dirty="0" smtClean="0">
+              <a:rPr lang="en-US" sz="1600" b="0" dirty="0">
                 <a:effectLst/>
                 <a:latin typeface="Courier" charset="0"/>
                 <a:ea typeface="Courier" charset="0"/>
                 <a:cs typeface="Courier" charset="0"/>
               </a:rPr>
-              <a:t>  </a:t>
-            </a:r>
-            <a:r>
-              <a:rPr lang="en-US" sz="1600" b="0" dirty="0" smtClean="0">
+              <a:t>  "</a:t>
+            </a:r>
+            <a:r>
+              <a:rPr lang="en-US" sz="1600" b="0" dirty="0" err="1">
                 <a:effectLst/>
                 <a:latin typeface="Courier" charset="0"/>
                 <a:ea typeface="Courier" charset="0"/>
                 <a:cs typeface="Courier" charset="0"/>
               </a:rPr>
+              <a:t>ocf</a:t>
+            </a:r>
+            <a:r>
+              <a:rPr lang="en-US" sz="1600" b="0" dirty="0">
+                <a:effectLst/>
+                <a:latin typeface="Courier" charset="0"/>
+                <a:ea typeface="Courier" charset="0"/>
+                <a:cs typeface="Courier" charset="0"/>
+              </a:rPr>
+              <a:t>": "http://</a:t>
+            </a:r>
+            <a:r>
+              <a:rPr lang="en-US" sz="1600" b="0" dirty="0" err="1">
+                <a:effectLst/>
+                <a:latin typeface="Courier" charset="0"/>
+                <a:ea typeface="Courier" charset="0"/>
+                <a:cs typeface="Courier" charset="0"/>
+              </a:rPr>
+              <a:t>openconnectivity.example.org</a:t>
+            </a:r>
+            <a:r>
+              <a:rPr lang="en-US" sz="1600" b="0" dirty="0">
+                <a:effectLst/>
+                <a:latin typeface="Courier" charset="0"/>
+                <a:ea typeface="Courier" charset="0"/>
+                <a:cs typeface="Courier" charset="0"/>
+              </a:rPr>
+              <a:t>/vocab/</a:t>
+            </a:r>
+            <a:r>
+              <a:rPr lang="en-US" sz="1600" b="0" dirty="0" err="1">
+                <a:effectLst/>
+                <a:latin typeface="Courier" charset="0"/>
+                <a:ea typeface="Courier" charset="0"/>
+                <a:cs typeface="Courier" charset="0"/>
+              </a:rPr>
+              <a:t>odm</a:t>
+            </a:r>
+            <a:r>
+              <a:rPr lang="en-US" sz="1600" b="0" dirty="0">
+                <a:effectLst/>
+                <a:latin typeface="Courier" charset="0"/>
+                <a:ea typeface="Courier" charset="0"/>
+                <a:cs typeface="Courier" charset="0"/>
+              </a:rPr>
+              <a:t>",</a:t>
+            </a:r>
+          </a:p>
+          <a:p>
+            <a:r>
+              <a:rPr lang="en-US" sz="1600" b="0" dirty="0">
+                <a:effectLst/>
+                <a:latin typeface="Courier" charset="0"/>
+                <a:ea typeface="Courier" charset="0"/>
+                <a:cs typeface="Courier" charset="0"/>
+              </a:rPr>
+              <a:t>  "</a:t>
+            </a:r>
+            <a:r>
+              <a:rPr lang="en-US" sz="1600" b="0" dirty="0" err="1">
+                <a:effectLst/>
+                <a:latin typeface="Courier" charset="0"/>
+                <a:ea typeface="Courier" charset="0"/>
+                <a:cs typeface="Courier" charset="0"/>
+              </a:rPr>
+              <a:t>st</a:t>
+            </a:r>
+            <a:r>
+              <a:rPr lang="en-US" sz="1600" b="0" dirty="0">
+                <a:effectLst/>
+                <a:latin typeface="Courier" charset="0"/>
+                <a:ea typeface="Courier" charset="0"/>
+                <a:cs typeface="Courier" charset="0"/>
+              </a:rPr>
+              <a:t>": "http://</a:t>
+            </a:r>
+            <a:r>
+              <a:rPr lang="en-US" sz="1600" b="0" dirty="0" err="1">
+                <a:effectLst/>
+                <a:latin typeface="Courier" charset="0"/>
+                <a:ea typeface="Courier" charset="0"/>
+                <a:cs typeface="Courier" charset="0"/>
+              </a:rPr>
+              <a:t>smartthings.example.com</a:t>
+            </a:r>
+            <a:r>
+              <a:rPr lang="en-US" sz="1600" b="0" dirty="0">
+                <a:effectLst/>
+                <a:latin typeface="Courier" charset="0"/>
+                <a:ea typeface="Courier" charset="0"/>
+                <a:cs typeface="Courier" charset="0"/>
+              </a:rPr>
+              <a:t>/capability/</a:t>
+            </a:r>
+            <a:r>
+              <a:rPr lang="en-US" sz="1600" b="0" dirty="0" err="1">
+                <a:effectLst/>
+                <a:latin typeface="Courier" charset="0"/>
+                <a:ea typeface="Courier" charset="0"/>
+                <a:cs typeface="Courier" charset="0"/>
+              </a:rPr>
+              <a:t>odm</a:t>
+            </a:r>
+            <a:r>
+              <a:rPr lang="en-US" sz="1600" b="0" dirty="0">
+                <a:effectLst/>
+                <a:latin typeface="Courier" charset="0"/>
+                <a:ea typeface="Courier" charset="0"/>
+                <a:cs typeface="Courier" charset="0"/>
+              </a:rPr>
               <a:t>"</a:t>
             </a:r>
-            <a:r>
-              <a:rPr lang="en-US" sz="1600" b="0" dirty="0" err="1" smtClean="0">
+          </a:p>
+          <a:p>
+            <a:r>
+              <a:rPr lang="en-US" sz="1600" b="0" dirty="0">
                 <a:effectLst/>
                 <a:latin typeface="Courier" charset="0"/>
                 <a:ea typeface="Courier" charset="0"/>
                 <a:cs typeface="Courier" charset="0"/>
               </a:rPr>
-              <a:t>ocf</a:t>
-            </a:r>
-            <a:r>
-              <a:rPr lang="en-US" sz="1600" b="0" dirty="0" smtClean="0">
+              <a:t>},</a:t>
+            </a:r>
+          </a:p>
+          <a:p>
+            <a:r>
+              <a:rPr lang="en-US" sz="1600" b="0" dirty="0">
                 <a:effectLst/>
                 <a:latin typeface="Courier" charset="0"/>
                 <a:ea typeface="Courier" charset="0"/>
                 <a:cs typeface="Courier" charset="0"/>
               </a:rPr>
-              <a:t>": </a:t>
-            </a:r>
-            <a:r>
-              <a:rPr lang="en-US" sz="1600" b="0" dirty="0" smtClean="0">
+              <a:t>"</a:t>
+            </a:r>
+            <a:r>
+              <a:rPr lang="en-US" sz="1600" b="0" dirty="0" err="1">
+                <a:solidFill>
+                  <a:srgbClr val="FF0000"/>
+                </a:solidFill>
                 <a:effectLst/>
                 <a:latin typeface="Courier" charset="0"/>
                 <a:ea typeface="Courier" charset="0"/>
                 <a:cs typeface="Courier" charset="0"/>
               </a:rPr>
-              <a:t>"http</a:t>
-            </a:r>
-            <a:r>
-              <a:rPr lang="en-US" sz="1600" b="0" dirty="0" smtClean="0">
+              <a:t>defaultNamespace</a:t>
+            </a:r>
+            <a:r>
+              <a:rPr lang="en-US" sz="1600" b="0" dirty="0">
                 <a:effectLst/>
                 <a:latin typeface="Courier" charset="0"/>
                 <a:ea typeface="Courier" charset="0"/>
                 <a:cs typeface="Courier" charset="0"/>
               </a:rPr>
-              <a:t>://</a:t>
-            </a:r>
-            <a:r>
-              <a:rPr lang="en-US" sz="1600" b="0" dirty="0" err="1" smtClean="0">
+              <a:t>": "</a:t>
+            </a:r>
+            <a:r>
+              <a:rPr lang="en-US" sz="1600" b="0" dirty="0" err="1">
                 <a:effectLst/>
                 <a:latin typeface="Courier" charset="0"/>
                 <a:ea typeface="Courier" charset="0"/>
                 <a:cs typeface="Courier" charset="0"/>
               </a:rPr>
-              <a:t>openconnectivity.example.org</a:t>
-            </a:r>
-            <a:r>
-              <a:rPr lang="en-US" sz="1600" b="0" dirty="0" smtClean="0">
+              <a:t>st</a:t>
+            </a:r>
+            <a:r>
+              <a:rPr lang="en-US" sz="1600" b="0" dirty="0">
                 <a:effectLst/>
                 <a:latin typeface="Courier" charset="0"/>
                 <a:ea typeface="Courier" charset="0"/>
                 <a:cs typeface="Courier" charset="0"/>
               </a:rPr>
-              <a:t>/vocab/</a:t>
-            </a:r>
-            <a:r>
-              <a:rPr lang="en-US" sz="1600" b="0" dirty="0" err="1" smtClean="0">
-                <a:effectLst/>
-                <a:latin typeface="Courier" charset="0"/>
-                <a:ea typeface="Courier" charset="0"/>
-                <a:cs typeface="Courier" charset="0"/>
-              </a:rPr>
-              <a:t>odm</a:t>
-            </a:r>
-            <a:r>
-              <a:rPr lang="en-US" sz="1600" b="0" dirty="0" smtClean="0">
-                <a:effectLst/>
-                <a:latin typeface="Courier" charset="0"/>
-                <a:ea typeface="Courier" charset="0"/>
-                <a:cs typeface="Courier" charset="0"/>
-              </a:rPr>
               <a:t>",</a:t>
             </a:r>
-            <a:endParaRPr lang="en-US" sz="1600" b="0" dirty="0" smtClean="0">
-              <a:effectLst/>
-              <a:latin typeface="Courier" charset="0"/>
-              <a:ea typeface="Courier" charset="0"/>
-              <a:cs typeface="Courier" charset="0"/>
-            </a:endParaRPr>
-          </a:p>
-          <a:p>
-            <a:r>
-              <a:rPr lang="en-US" sz="1600" b="0" dirty="0" smtClean="0">
-                <a:effectLst/>
-                <a:latin typeface="Courier" charset="0"/>
-                <a:ea typeface="Courier" charset="0"/>
-                <a:cs typeface="Courier" charset="0"/>
-              </a:rPr>
-              <a:t>  "</a:t>
-            </a:r>
-            <a:r>
-              <a:rPr lang="en-US" sz="1600" b="0" dirty="0" err="1" smtClean="0">
-                <a:effectLst/>
-                <a:latin typeface="Courier" charset="0"/>
-                <a:ea typeface="Courier" charset="0"/>
-                <a:cs typeface="Courier" charset="0"/>
-              </a:rPr>
-              <a:t>st</a:t>
-            </a:r>
-            <a:r>
-              <a:rPr lang="en-US" sz="1600" b="0" dirty="0" smtClean="0">
-                <a:effectLst/>
-                <a:latin typeface="Courier" charset="0"/>
-                <a:ea typeface="Courier" charset="0"/>
-                <a:cs typeface="Courier" charset="0"/>
-              </a:rPr>
-              <a:t>": "http://</a:t>
-            </a:r>
-            <a:r>
-              <a:rPr lang="en-US" sz="1600" b="0" dirty="0" err="1" smtClean="0">
-                <a:effectLst/>
-                <a:latin typeface="Courier" charset="0"/>
-                <a:ea typeface="Courier" charset="0"/>
-                <a:cs typeface="Courier" charset="0"/>
-              </a:rPr>
-              <a:t>smartthings.example.com</a:t>
-            </a:r>
-            <a:r>
-              <a:rPr lang="en-US" sz="1600" b="0" dirty="0" smtClean="0">
-                <a:effectLst/>
-                <a:latin typeface="Courier" charset="0"/>
-                <a:ea typeface="Courier" charset="0"/>
-                <a:cs typeface="Courier" charset="0"/>
-              </a:rPr>
-              <a:t>/capability/</a:t>
-            </a:r>
-            <a:r>
-              <a:rPr lang="en-US" sz="1600" b="0" dirty="0" err="1" smtClean="0">
-                <a:effectLst/>
-                <a:latin typeface="Courier" charset="0"/>
-                <a:ea typeface="Courier" charset="0"/>
-                <a:cs typeface="Courier" charset="0"/>
-              </a:rPr>
-              <a:t>odm</a:t>
-            </a:r>
-            <a:r>
-              <a:rPr lang="en-US" sz="1600" b="0" dirty="0" smtClean="0">
-                <a:effectLst/>
-                <a:latin typeface="Courier" charset="0"/>
-                <a:ea typeface="Courier" charset="0"/>
-                <a:cs typeface="Courier" charset="0"/>
-              </a:rPr>
-              <a:t>"</a:t>
-            </a:r>
-          </a:p>
-          <a:p>
-            <a:r>
-              <a:rPr lang="en-US" sz="1600" b="0" dirty="0" smtClean="0">
-                <a:effectLst/>
-                <a:latin typeface="Courier" charset="0"/>
-                <a:ea typeface="Courier" charset="0"/>
-                <a:cs typeface="Courier" charset="0"/>
-              </a:rPr>
-              <a:t>},</a:t>
-            </a:r>
-          </a:p>
-          <a:p>
-            <a:r>
-              <a:rPr lang="en-US" sz="1600" b="0" dirty="0" smtClean="0">
-                <a:effectLst/>
-                <a:latin typeface="Courier" charset="0"/>
-                <a:ea typeface="Courier" charset="0"/>
-                <a:cs typeface="Courier" charset="0"/>
-              </a:rPr>
-              <a:t>"</a:t>
-            </a:r>
-            <a:r>
-              <a:rPr lang="en-US" sz="1600" b="0" dirty="0" err="1" smtClean="0">
-                <a:solidFill>
-                  <a:srgbClr val="FF0000"/>
-                </a:solidFill>
-                <a:effectLst/>
-                <a:latin typeface="Courier" charset="0"/>
-                <a:ea typeface="Courier" charset="0"/>
-                <a:cs typeface="Courier" charset="0"/>
-              </a:rPr>
-              <a:t>defaultNamespace</a:t>
-            </a:r>
-            <a:r>
-              <a:rPr lang="en-US" sz="1600" b="0" dirty="0" smtClean="0">
-                <a:effectLst/>
-                <a:latin typeface="Courier" charset="0"/>
-                <a:ea typeface="Courier" charset="0"/>
-                <a:cs typeface="Courier" charset="0"/>
-              </a:rPr>
-              <a:t>": </a:t>
-            </a:r>
-            <a:r>
-              <a:rPr lang="en-US" sz="1600" b="0" dirty="0" smtClean="0">
-                <a:effectLst/>
-                <a:latin typeface="Courier" charset="0"/>
-                <a:ea typeface="Courier" charset="0"/>
-                <a:cs typeface="Courier" charset="0"/>
-              </a:rPr>
-              <a:t>"</a:t>
-            </a:r>
-            <a:r>
-              <a:rPr lang="en-US" sz="1600" b="0" dirty="0" err="1" smtClean="0">
-                <a:effectLst/>
-                <a:latin typeface="Courier" charset="0"/>
-                <a:ea typeface="Courier" charset="0"/>
-                <a:cs typeface="Courier" charset="0"/>
-              </a:rPr>
-              <a:t>st</a:t>
-            </a:r>
-            <a:r>
-              <a:rPr lang="en-US" sz="1600" b="0" dirty="0" smtClean="0">
-                <a:effectLst/>
-                <a:latin typeface="Courier" charset="0"/>
-                <a:ea typeface="Courier" charset="0"/>
-                <a:cs typeface="Courier" charset="0"/>
-              </a:rPr>
-              <a:t>",</a:t>
-            </a:r>
-            <a:endParaRPr lang="en-US" sz="1600" b="0" dirty="0">
-              <a:effectLst/>
-              <a:latin typeface="Courier" charset="0"/>
-              <a:ea typeface="Courier" charset="0"/>
-              <a:cs typeface="Courier" charset="0"/>
-            </a:endParaRPr>
           </a:p>
         </p:txBody>
       </p:sp>
@@ -7387,10 +7172,9 @@
           <a:lstStyle/>
           <a:p>
             <a:r>
-              <a:rPr lang="en-US" sz="2400" u="sng" dirty="0" smtClean="0"/>
+              <a:rPr lang="en-US" sz="2400" u="sng" dirty="0"/>
               <a:t>curies resolved</a:t>
             </a:r>
-            <a:endParaRPr lang="en-US" sz="2400" u="sng" dirty="0"/>
           </a:p>
         </p:txBody>
       </p:sp>
@@ -7493,10 +7277,9 @@
           <a:lstStyle/>
           <a:p>
             <a:r>
-              <a:rPr lang="en-US" sz="2400" u="sng" dirty="0" smtClean="0"/>
+              <a:rPr lang="en-US" sz="2400" u="sng" dirty="0"/>
               <a:t>File Information</a:t>
             </a:r>
-            <a:endParaRPr lang="en-US" sz="2400" u="sng" dirty="0"/>
           </a:p>
         </p:txBody>
       </p:sp>
@@ -7523,18 +7306,13 @@
           <a:lstStyle/>
           <a:p>
             <a:r>
-              <a:rPr lang="en-US" sz="2400" u="sng" dirty="0" smtClean="0">
+              <a:rPr lang="en-US" sz="2400" u="sng" dirty="0">
                 <a:solidFill>
                   <a:srgbClr val="FF0000"/>
                 </a:solidFill>
               </a:rPr>
               <a:t>keywords</a:t>
             </a:r>
-            <a:endParaRPr lang="en-US" sz="2400" u="sng" dirty="0">
-              <a:solidFill>
-                <a:srgbClr val="FF0000"/>
-              </a:solidFill>
-            </a:endParaRPr>
           </a:p>
         </p:txBody>
       </p:sp>
@@ -7584,10 +7362,9 @@
           <a:lstStyle/>
           <a:p>
             <a:r>
-              <a:rPr lang="en-US" dirty="0" smtClean="0"/>
+              <a:rPr lang="en-US" dirty="0"/>
               <a:t>Definitions</a:t>
             </a:r>
-            <a:endParaRPr lang="en-US" dirty="0"/>
           </a:p>
         </p:txBody>
       </p:sp>
@@ -7642,7 +7419,7 @@
           </a:p>
           <a:p>
             <a:r>
-              <a:rPr lang="en-US" dirty="0" smtClean="0">
+              <a:rPr lang="en-US" dirty="0">
                 <a:latin typeface="Courier" charset="0"/>
                 <a:ea typeface="Courier" charset="0"/>
                 <a:cs typeface="Courier" charset="0"/>
@@ -7650,7 +7427,7 @@
               <a:t>  </a:t>
             </a:r>
             <a:r>
-              <a:rPr lang="mr-IN" dirty="0" smtClean="0">
+              <a:rPr lang="mr-IN" dirty="0">
                 <a:latin typeface="Courier" charset="0"/>
                 <a:ea typeface="Courier" charset="0"/>
                 <a:cs typeface="Courier" charset="0"/>
@@ -7679,18 +7456,13 @@
           </a:p>
           <a:p>
             <a:r>
-              <a:rPr lang="mr-IN" dirty="0" smtClean="0">
+              <a:rPr lang="mr-IN" dirty="0">
                 <a:latin typeface="Courier" charset="0"/>
                 <a:ea typeface="Courier" charset="0"/>
                 <a:cs typeface="Courier" charset="0"/>
               </a:rPr>
               <a:t>},</a:t>
             </a:r>
-            <a:endParaRPr lang="mr-IN" dirty="0">
-              <a:latin typeface="Courier" charset="0"/>
-              <a:ea typeface="Courier" charset="0"/>
-              <a:cs typeface="Courier" charset="0"/>
-            </a:endParaRPr>
           </a:p>
           <a:p>
             <a:r>
@@ -7723,7 +7495,7 @@
           </a:p>
           <a:p>
             <a:r>
-              <a:rPr lang="en-US" dirty="0" smtClean="0">
+              <a:rPr lang="en-US" dirty="0">
                 <a:latin typeface="Courier" charset="0"/>
                 <a:ea typeface="Courier" charset="0"/>
                 <a:cs typeface="Courier" charset="0"/>
@@ -7731,7 +7503,7 @@
               <a:t>  </a:t>
             </a:r>
             <a:r>
-              <a:rPr lang="mr-IN" dirty="0" smtClean="0">
+              <a:rPr lang="mr-IN" dirty="0">
                 <a:latin typeface="Courier" charset="0"/>
                 <a:ea typeface="Courier" charset="0"/>
                 <a:cs typeface="Courier" charset="0"/>
@@ -7760,7 +7532,7 @@
           </a:p>
           <a:p>
             <a:r>
-              <a:rPr lang="en-US" dirty="0" smtClean="0">
+              <a:rPr lang="en-US" dirty="0">
                 <a:latin typeface="Courier" charset="0"/>
                 <a:ea typeface="Courier" charset="0"/>
                 <a:cs typeface="Courier" charset="0"/>
@@ -7768,7 +7540,7 @@
               <a:t>    </a:t>
             </a:r>
             <a:r>
-              <a:rPr lang="mr-IN" dirty="0" smtClean="0">
+              <a:rPr lang="mr-IN" dirty="0">
                 <a:latin typeface="Courier" charset="0"/>
                 <a:ea typeface="Courier" charset="0"/>
                 <a:cs typeface="Courier" charset="0"/>
@@ -7816,7 +7588,7 @@
           </a:p>
           <a:p>
             <a:r>
-              <a:rPr lang="en-US" dirty="0" smtClean="0">
+              <a:rPr lang="en-US" dirty="0">
                 <a:latin typeface="Courier" charset="0"/>
                 <a:ea typeface="Courier" charset="0"/>
                 <a:cs typeface="Courier" charset="0"/>
@@ -7824,7 +7596,7 @@
               <a:t>    </a:t>
             </a:r>
             <a:r>
-              <a:rPr lang="mr-IN" dirty="0" smtClean="0">
+              <a:rPr lang="mr-IN" dirty="0">
                 <a:latin typeface="Courier" charset="0"/>
                 <a:ea typeface="Courier" charset="0"/>
                 <a:cs typeface="Courier" charset="0"/>
@@ -7891,7 +7663,7 @@
           </a:p>
           <a:p>
             <a:r>
-              <a:rPr lang="en-US" dirty="0" smtClean="0">
+              <a:rPr lang="en-US" dirty="0">
                 <a:latin typeface="Courier" charset="0"/>
                 <a:ea typeface="Courier" charset="0"/>
                 <a:cs typeface="Courier" charset="0"/>
@@ -7899,18 +7671,13 @@
               <a:t>  </a:t>
             </a:r>
             <a:r>
-              <a:rPr lang="mr-IN" dirty="0" smtClean="0">
+              <a:rPr lang="mr-IN" dirty="0">
                 <a:latin typeface="Courier" charset="0"/>
                 <a:ea typeface="Courier" charset="0"/>
                 <a:cs typeface="Courier" charset="0"/>
               </a:rPr>
               <a:t>}</a:t>
             </a:r>
-            <a:endParaRPr lang="mr-IN" dirty="0">
-              <a:latin typeface="Courier" charset="0"/>
-              <a:ea typeface="Courier" charset="0"/>
-              <a:cs typeface="Courier" charset="0"/>
-            </a:endParaRPr>
           </a:p>
           <a:p>
             <a:r>
@@ -7953,7 +7720,7 @@
           </a:p>
           <a:p>
             <a:r>
-              <a:rPr lang="en-US" dirty="0" smtClean="0">
+              <a:rPr lang="en-US" dirty="0">
                 <a:latin typeface="Courier" charset="0"/>
                 <a:ea typeface="Courier" charset="0"/>
                 <a:cs typeface="Courier" charset="0"/>
@@ -7961,7 +7728,7 @@
               <a:t>  </a:t>
             </a:r>
             <a:r>
-              <a:rPr lang="mr-IN" dirty="0" smtClean="0">
+              <a:rPr lang="mr-IN" dirty="0">
                 <a:latin typeface="Courier" charset="0"/>
                 <a:ea typeface="Courier" charset="0"/>
                 <a:cs typeface="Courier" charset="0"/>
@@ -7990,7 +7757,7 @@
           </a:p>
           <a:p>
             <a:r>
-              <a:rPr lang="en-US" dirty="0" smtClean="0">
+              <a:rPr lang="en-US" dirty="0">
                 <a:latin typeface="Courier" charset="0"/>
                 <a:ea typeface="Courier" charset="0"/>
                 <a:cs typeface="Courier" charset="0"/>
@@ -7998,7 +7765,7 @@
               <a:t>  </a:t>
             </a:r>
             <a:r>
-              <a:rPr lang="mr-IN" dirty="0" smtClean="0">
+              <a:rPr lang="mr-IN" dirty="0">
                 <a:latin typeface="Courier" charset="0"/>
                 <a:ea typeface="Courier" charset="0"/>
                 <a:cs typeface="Courier" charset="0"/>
@@ -8135,18 +7902,13 @@
           <a:p>
             <a:pPr algn="ctr"/>
             <a:r>
-              <a:rPr lang="en-US" sz="2400" u="sng" dirty="0" smtClean="0">
+              <a:rPr lang="en-US" sz="2400" u="sng" dirty="0">
                 <a:solidFill>
                   <a:srgbClr val="FF0000"/>
                 </a:solidFill>
               </a:rPr>
               <a:t>SDF keywords</a:t>
             </a:r>
-            <a:endParaRPr lang="en-US" sz="2400" u="sng" dirty="0">
-              <a:solidFill>
-                <a:srgbClr val="FF0000"/>
-              </a:solidFill>
-            </a:endParaRPr>
           </a:p>
         </p:txBody>
       </p:sp>
@@ -8173,18 +7935,13 @@
           <a:lstStyle/>
           <a:p>
             <a:r>
-              <a:rPr lang="en-US" sz="2400" u="sng" dirty="0" smtClean="0">
+              <a:rPr lang="en-US" sz="2400" u="sng" dirty="0">
                 <a:solidFill>
                   <a:srgbClr val="00B050"/>
                 </a:solidFill>
               </a:rPr>
               <a:t>Definitions in the Default Namespace</a:t>
             </a:r>
-            <a:endParaRPr lang="en-US" sz="2400" u="sng" dirty="0">
-              <a:solidFill>
-                <a:srgbClr val="00B050"/>
-              </a:solidFill>
-            </a:endParaRPr>
           </a:p>
         </p:txBody>
       </p:sp>
@@ -8538,10 +8295,9 @@
           <a:lstStyle/>
           <a:p>
             <a:r>
-              <a:rPr lang="en-US" dirty="0" smtClean="0"/>
+              <a:rPr lang="en-US" dirty="0"/>
               <a:t>Definitions</a:t>
             </a:r>
-            <a:endParaRPr lang="en-US" dirty="0"/>
           </a:p>
         </p:txBody>
       </p:sp>
@@ -8561,10 +8317,9 @@
           <a:lstStyle/>
           <a:p>
             <a:r>
-              <a:rPr lang="en-US" dirty="0" smtClean="0"/>
+              <a:rPr lang="en-US" dirty="0"/>
               <a:t>A definition consists of a defined term and a map of it's defined qualities</a:t>
             </a:r>
-            <a:endParaRPr lang="en-US" dirty="0"/>
           </a:p>
         </p:txBody>
       </p:sp>
@@ -8635,7 +8390,7 @@
               <a:t>    </a:t>
             </a:r>
             <a:r>
-              <a:rPr lang="mr-IN" sz="2400" dirty="0" smtClean="0">
+              <a:rPr lang="mr-IN" sz="2400" dirty="0">
                 <a:latin typeface="Courier" charset="0"/>
                 <a:ea typeface="Courier" charset="0"/>
                 <a:cs typeface="Courier" charset="0"/>
@@ -8737,7 +8492,7 @@
               <a:t>", "</a:t>
             </a:r>
             <a:r>
-              <a:rPr lang="mr-IN" sz="2400" dirty="0" err="1" smtClean="0">
+              <a:rPr lang="mr-IN" sz="2400" dirty="0" err="1">
                 <a:solidFill>
                   <a:srgbClr val="00B050"/>
                 </a:solidFill>
@@ -8748,18 +8503,13 @@
               <a:t>off</a:t>
             </a:r>
             <a:r>
-              <a:rPr lang="mr-IN" sz="2400" dirty="0" smtClean="0">
+              <a:rPr lang="mr-IN" sz="2400" dirty="0">
                 <a:latin typeface="Courier" charset="0"/>
                 <a:ea typeface="Courier" charset="0"/>
                 <a:cs typeface="Courier" charset="0"/>
               </a:rPr>
               <a:t>"]</a:t>
             </a:r>
-            <a:endParaRPr lang="mr-IN" sz="2400" dirty="0">
-              <a:latin typeface="Courier" charset="0"/>
-              <a:ea typeface="Courier" charset="0"/>
-              <a:cs typeface="Courier" charset="0"/>
-            </a:endParaRPr>
           </a:p>
           <a:p>
             <a:r>
@@ -8778,11 +8528,6 @@
               </a:rPr>
               <a:t>}</a:t>
             </a:r>
-            <a:endParaRPr lang="mr-IN" sz="2400" dirty="0">
-              <a:latin typeface="Courier" charset="0"/>
-              <a:ea typeface="Courier" charset="0"/>
-              <a:cs typeface="Courier" charset="0"/>
-            </a:endParaRPr>
           </a:p>
         </p:txBody>
       </p:sp>
@@ -8832,10 +8577,9 @@
           <a:lstStyle/>
           <a:p>
             <a:r>
-              <a:rPr lang="en-US" dirty="0" smtClean="0"/>
+              <a:rPr lang="en-US" dirty="0"/>
               <a:t>Identifier resolution precedence</a:t>
             </a:r>
-            <a:endParaRPr lang="en-US" dirty="0"/>
           </a:p>
         </p:txBody>
       </p:sp>
@@ -8858,15 +8602,15 @@
               <a:buNone/>
             </a:pPr>
             <a:r>
-              <a:rPr lang="en-US" dirty="0" smtClean="0"/>
+              <a:rPr lang="en-US" dirty="0"/>
               <a:t>1 - Explicit namespace prefix ( e.g. "</a:t>
             </a:r>
             <a:r>
-              <a:rPr lang="en-US" dirty="0" err="1" smtClean="0"/>
+              <a:rPr lang="en-US" dirty="0" err="1"/>
               <a:t>st:Switch</a:t>
             </a:r>
             <a:r>
-              <a:rPr lang="en-US" dirty="0" smtClean="0"/>
+              <a:rPr lang="en-US" dirty="0"/>
               <a:t>" )</a:t>
             </a:r>
           </a:p>
@@ -8875,7 +8619,7 @@
               <a:buNone/>
             </a:pPr>
             <a:r>
-              <a:rPr lang="en-US" dirty="0" smtClean="0"/>
+              <a:rPr lang="en-US" dirty="0"/>
               <a:t>2 - SDF Keywords: </a:t>
             </a:r>
           </a:p>
@@ -8884,16 +8628,10 @@
               <a:buNone/>
             </a:pPr>
             <a:r>
-              <a:rPr lang="en-US" sz="1800" dirty="0" smtClean="0">
-                <a:hlinkClick r:id="rId2"/>
-              </a:rPr>
-              <a:t>https</a:t>
-            </a:r>
-            <a:r>
               <a:rPr lang="en-US" sz="1800" dirty="0">
                 <a:hlinkClick r:id="rId2"/>
               </a:rPr>
-              <a:t>://github.com/mjkoster/ODM-Examples/blob/master/SDF2-Schema.json</a:t>
+              <a:t>https://github.com/mjkoster/ODM-Examples/blob/master/SDF2-Schema.json</a:t>
             </a:r>
             <a:endParaRPr lang="en-US" sz="1800" dirty="0"/>
           </a:p>
@@ -8902,37 +8640,37 @@
               <a:buNone/>
             </a:pPr>
             <a:r>
-              <a:rPr lang="en-US" dirty="0" smtClean="0"/>
+              <a:rPr lang="en-US" dirty="0"/>
               <a:t>3 </a:t>
             </a:r>
             <a:r>
-              <a:rPr lang="mr-IN" dirty="0" smtClean="0"/>
+              <a:rPr lang="mr-IN" dirty="0"/>
               <a:t>–</a:t>
             </a:r>
             <a:r>
-              <a:rPr lang="en-US" dirty="0" smtClean="0"/>
+              <a:rPr lang="en-US" dirty="0"/>
               <a:t> </a:t>
             </a:r>
             <a:r>
-              <a:rPr lang="en-US" dirty="0" err="1" smtClean="0"/>
+              <a:rPr lang="en-US" dirty="0" err="1"/>
               <a:t>defaultNamespace</a:t>
             </a:r>
-            <a:endParaRPr lang="en-US" dirty="0" smtClean="0"/>
+            <a:endParaRPr lang="en-US" dirty="0"/>
           </a:p>
           <a:p>
             <a:pPr marL="0" indent="0">
               <a:buNone/>
             </a:pPr>
             <a:r>
-              <a:rPr lang="en-US" dirty="0" smtClean="0"/>
+              <a:rPr lang="en-US" dirty="0"/>
               <a:t>4 </a:t>
             </a:r>
             <a:r>
-              <a:rPr lang="mr-IN" dirty="0" smtClean="0"/>
+              <a:rPr lang="mr-IN" dirty="0"/>
               <a:t>–</a:t>
             </a:r>
             <a:r>
-              <a:rPr lang="en-US" dirty="0" smtClean="0"/>
+              <a:rPr lang="en-US" dirty="0"/>
               <a:t> Context of the definition (Object), local identifiers</a:t>
             </a:r>
           </a:p>
@@ -8984,10 +8722,9 @@
           <a:lstStyle/>
           <a:p>
             <a:r>
-              <a:rPr lang="en-US" dirty="0" smtClean="0"/>
+              <a:rPr lang="en-US" dirty="0"/>
               <a:t>SDF top level Keywords</a:t>
             </a:r>
-            <a:endParaRPr lang="en-US" dirty="0"/>
           </a:p>
         </p:txBody>
       </p:sp>
@@ -9007,36 +8744,36 @@
           <a:lstStyle/>
           <a:p>
             <a:r>
-              <a:rPr lang="en-US" dirty="0" smtClean="0"/>
+              <a:rPr lang="en-US" dirty="0"/>
               <a:t>info</a:t>
             </a:r>
           </a:p>
           <a:p>
             <a:pPr lvl="1"/>
             <a:r>
-              <a:rPr lang="en-US" dirty="0" smtClean="0"/>
+              <a:rPr lang="en-US" dirty="0"/>
               <a:t>title, version, copyright, license</a:t>
             </a:r>
           </a:p>
           <a:p>
             <a:r>
-              <a:rPr lang="en-US" dirty="0" smtClean="0"/>
+              <a:rPr lang="en-US" dirty="0"/>
               <a:t>namespace, </a:t>
             </a:r>
             <a:r>
-              <a:rPr lang="en-US" dirty="0" err="1" smtClean="0"/>
+              <a:rPr lang="en-US" dirty="0" err="1"/>
               <a:t>defaultNamespace</a:t>
             </a:r>
-            <a:endParaRPr lang="en-US" dirty="0" smtClean="0"/>
-          </a:p>
-          <a:p>
-            <a:r>
-              <a:rPr lang="en-US" dirty="0" smtClean="0"/>
+            <a:endParaRPr lang="en-US" dirty="0"/>
+          </a:p>
+          <a:p>
+            <a:r>
+              <a:rPr lang="en-US" dirty="0"/>
               <a:t>object, property, action, event, data (definitions)</a:t>
             </a:r>
           </a:p>
           <a:p>
-            <a:endParaRPr lang="en-US" dirty="0" smtClean="0"/>
+            <a:endParaRPr lang="en-US" dirty="0"/>
           </a:p>
         </p:txBody>
       </p:sp>
@@ -9091,7 +8828,7 @@
           <a:lstStyle/>
           <a:p>
             <a:r>
-              <a:rPr lang="en-US" smtClean="0"/>
+              <a:rPr lang="en-US"/>
               <a:t>Object qualities + common qualities</a:t>
             </a:r>
             <a:endParaRPr lang="en-US" dirty="0"/>
@@ -9120,13 +8857,13 @@
           <a:lstStyle/>
           <a:p>
             <a:r>
-              <a:rPr lang="mr-IN" dirty="0" smtClean="0">
+              <a:rPr lang="mr-IN" dirty="0">
                 <a:latin typeface="Menlo" charset="0"/>
               </a:rPr>
               <a:t>"</a:t>
             </a:r>
             <a:r>
-              <a:rPr lang="en-US" dirty="0" smtClean="0">
+              <a:rPr lang="en-US" dirty="0">
                 <a:solidFill>
                   <a:srgbClr val="FF0000"/>
                 </a:solidFill>
@@ -9135,16 +8872,10 @@
               <a:t>description</a:t>
             </a:r>
             <a:r>
-              <a:rPr lang="mr-IN" dirty="0" smtClean="0">
-                <a:latin typeface="Menlo" charset="0"/>
-              </a:rPr>
-              <a:t>": </a:t>
-            </a:r>
-            <a:r>
               <a:rPr lang="mr-IN" dirty="0">
                 <a:latin typeface="Menlo" charset="0"/>
               </a:rPr>
-              <a:t>{</a:t>
+              <a:t>": {</a:t>
             </a:r>
           </a:p>
           <a:p>
@@ -9195,7 +8926,7 @@
           </a:p>
           <a:p>
             <a:r>
-              <a:rPr lang="mr-IN" dirty="0" smtClean="0">
+              <a:rPr lang="mr-IN" dirty="0">
                 <a:latin typeface="Menlo" charset="0"/>
               </a:rPr>
               <a:t>"</a:t>
@@ -9218,13 +8949,13 @@
           </a:p>
           <a:p>
             <a:r>
-              <a:rPr lang="en-US" dirty="0" smtClean="0">
+              <a:rPr lang="en-US" dirty="0">
                 <a:latin typeface="Menlo" charset="0"/>
               </a:rPr>
               <a:t>  </a:t>
             </a:r>
             <a:r>
-              <a:rPr lang="mr-IN" dirty="0" smtClean="0">
+              <a:rPr lang="mr-IN" dirty="0">
                 <a:latin typeface="Menlo" charset="0"/>
               </a:rPr>
               <a:t>"</a:t>
@@ -9287,13 +9018,13 @@
           </a:p>
           <a:p>
             <a:r>
-              <a:rPr lang="en-US" dirty="0" smtClean="0">
+              <a:rPr lang="en-US" dirty="0">
                 <a:latin typeface="Menlo" charset="0"/>
               </a:rPr>
               <a:t>  </a:t>
             </a:r>
             <a:r>
-              <a:rPr lang="mr-IN" dirty="0" smtClean="0">
+              <a:rPr lang="mr-IN" dirty="0">
                 <a:latin typeface="Menlo" charset="0"/>
               </a:rPr>
               <a:t>"</a:t>
@@ -9356,13 +9087,13 @@
           </a:p>
           <a:p>
             <a:r>
-              <a:rPr lang="en-US" dirty="0" smtClean="0">
+              <a:rPr lang="en-US" dirty="0">
                 <a:latin typeface="Menlo" charset="0"/>
               </a:rPr>
               <a:t>  </a:t>
             </a:r>
             <a:r>
-              <a:rPr lang="mr-IN" dirty="0" smtClean="0">
+              <a:rPr lang="mr-IN" dirty="0">
                 <a:latin typeface="Menlo" charset="0"/>
               </a:rPr>
               <a:t>"</a:t>
@@ -9425,19 +9156,19 @@
           </a:p>
           <a:p>
             <a:r>
-              <a:rPr lang="en-US" dirty="0" smtClean="0">
+              <a:rPr lang="en-US" dirty="0">
                 <a:latin typeface="Menlo" charset="0"/>
               </a:rPr>
               <a:t>  </a:t>
             </a:r>
             <a:r>
-              <a:rPr lang="mr-IN" dirty="0" smtClean="0">
+              <a:rPr lang="mr-IN" dirty="0">
                 <a:latin typeface="Menlo" charset="0"/>
               </a:rPr>
               <a:t>"</a:t>
             </a:r>
             <a:r>
-              <a:rPr lang="mr-IN" dirty="0" err="1" smtClean="0">
+              <a:rPr lang="mr-IN" dirty="0" err="1">
                 <a:latin typeface="Menlo" charset="0"/>
               </a:rPr>
               <a:t>type</a:t>
@@ -9463,14 +9194,11 @@
           </a:p>
           <a:p>
             <a:r>
-              <a:rPr lang="mr-IN" dirty="0" smtClean="0">
+              <a:rPr lang="mr-IN" dirty="0">
                 <a:latin typeface="Menlo" charset="0"/>
               </a:rPr>
               <a:t>},</a:t>
             </a:r>
-            <a:endParaRPr lang="mr-IN" dirty="0">
-              <a:latin typeface="Menlo" charset="0"/>
-            </a:endParaRPr>
           </a:p>
         </p:txBody>
       </p:sp>
@@ -9496,13 +9224,13 @@
           <a:lstStyle/>
           <a:p>
             <a:r>
-              <a:rPr lang="en-US" dirty="0" smtClean="0">
+              <a:rPr lang="en-US" dirty="0">
                 <a:latin typeface="Menlo" charset="0"/>
               </a:rPr>
               <a:t>"</a:t>
             </a:r>
             <a:r>
-              <a:rPr lang="en-US" dirty="0" smtClean="0">
+              <a:rPr lang="en-US" dirty="0">
                 <a:solidFill>
                   <a:srgbClr val="FF0000"/>
                 </a:solidFill>
@@ -9511,7 +9239,7 @@
               <a:t>optional</a:t>
             </a:r>
             <a:r>
-              <a:rPr lang="en-US" dirty="0" smtClean="0">
+              <a:rPr lang="en-US" dirty="0">
                 <a:latin typeface="Menlo" charset="0"/>
               </a:rPr>
               <a:t>": {</a:t>
@@ -9522,22 +9250,16 @@
               <a:rPr lang="en-US" dirty="0">
                 <a:latin typeface="Menlo" charset="0"/>
               </a:rPr>
-              <a:t> </a:t>
-            </a:r>
-            <a:r>
-              <a:rPr lang="en-US" dirty="0" smtClean="0">
-                <a:latin typeface="Menlo" charset="0"/>
-              </a:rPr>
-              <a:t> "type": </a:t>
-            </a:r>
-            <a:r>
-              <a:rPr lang="en-US" dirty="0" err="1" smtClean="0">
+              <a:t>  "type": </a:t>
+            </a:r>
+            <a:r>
+              <a:rPr lang="en-US" dirty="0" err="1">
                 <a:latin typeface="Menlo" charset="0"/>
               </a:rPr>
               <a:t>boolean</a:t>
             </a:r>
             <a:r>
-              <a:rPr lang="en-US" dirty="0" smtClean="0">
+              <a:rPr lang="en-US" dirty="0">
                 <a:latin typeface="Menlo" charset="0"/>
               </a:rPr>
               <a:t>"</a:t>
@@ -9545,24 +9267,21 @@
           </a:p>
           <a:p>
             <a:r>
-              <a:rPr lang="en-US" dirty="0" smtClean="0">
+              <a:rPr lang="en-US" dirty="0">
                 <a:latin typeface="Menlo" charset="0"/>
               </a:rPr>
               <a:t>{</a:t>
             </a:r>
-            <a:endParaRPr lang="en-US" dirty="0">
-              <a:latin typeface="Menlo" charset="0"/>
-            </a:endParaRPr>
-          </a:p>
-          <a:p>
-            <a:r>
-              <a:rPr lang="mr-IN" dirty="0" smtClean="0">
+          </a:p>
+          <a:p>
+            <a:r>
+              <a:rPr lang="mr-IN" dirty="0">
                 <a:latin typeface="Menlo" charset="0"/>
               </a:rPr>
               <a:t>"</a:t>
             </a:r>
             <a:r>
-              <a:rPr lang="mr-IN" dirty="0" err="1" smtClean="0">
+              <a:rPr lang="mr-IN" dirty="0" err="1">
                 <a:solidFill>
                   <a:srgbClr val="FF0000"/>
                 </a:solidFill>
@@ -9760,9 +9479,6 @@
               </a:rPr>
               <a:t>},</a:t>
             </a:r>
-            <a:endParaRPr lang="mr-IN" dirty="0">
-              <a:latin typeface="Menlo" charset="0"/>
-            </a:endParaRPr>
           </a:p>
         </p:txBody>
       </p:sp>
@@ -9817,10 +9533,9 @@
           <a:lstStyle/>
           <a:p>
             <a:r>
-              <a:rPr lang="en-US" dirty="0" smtClean="0"/>
+              <a:rPr lang="en-US" dirty="0"/>
               <a:t>Property Qualities</a:t>
             </a:r>
-            <a:endParaRPr lang="en-US" dirty="0"/>
           </a:p>
         </p:txBody>
       </p:sp>
@@ -9841,20 +9556,21 @@
           </a:xfrm>
         </p:spPr>
         <p:txBody>
-          <a:bodyPr/>
-          <a:lstStyle/>
-          <a:p>
-            <a:r>
-              <a:rPr lang="en-US" dirty="0" smtClean="0"/>
+          <a:bodyPr>
+            <a:normAutofit lnSpcReduction="10000"/>
+          </a:bodyPr>
+          <a:lstStyle/>
+          <a:p>
+            <a:r>
+              <a:rPr lang="en-US" dirty="0"/>
               <a:t>All of the Object Qualities</a:t>
             </a:r>
           </a:p>
           <a:p>
             <a:r>
-              <a:rPr lang="en-US" dirty="0" smtClean="0"/>
+              <a:rPr lang="en-US" dirty="0"/>
               <a:t>All of the Data Qualities </a:t>
             </a:r>
-            <a:endParaRPr lang="en-US" dirty="0"/>
           </a:p>
         </p:txBody>
       </p:sp>
@@ -9880,13 +9596,13 @@
           <a:lstStyle/>
           <a:p>
             <a:r>
-              <a:rPr lang="en-US" dirty="0" smtClean="0">
+              <a:rPr lang="en-US" dirty="0">
                 <a:latin typeface="Menlo" charset="0"/>
               </a:rPr>
               <a:t>"</a:t>
             </a:r>
             <a:r>
-              <a:rPr lang="en-US" dirty="0" smtClean="0">
+              <a:rPr lang="en-US" dirty="0">
                 <a:solidFill>
                   <a:srgbClr val="FF0000"/>
                 </a:solidFill>
@@ -9895,7 +9611,7 @@
               <a:t>units</a:t>
             </a:r>
             <a:r>
-              <a:rPr lang="en-US" dirty="0" smtClean="0">
+              <a:rPr lang="en-US" dirty="0">
                 <a:latin typeface="Menlo" charset="0"/>
               </a:rPr>
               <a:t>": {</a:t>
@@ -9903,7 +9619,7 @@
           </a:p>
           <a:p>
             <a:r>
-              <a:rPr lang="en-US" dirty="0" smtClean="0">
+              <a:rPr lang="en-US" dirty="0">
                 <a:latin typeface="Menlo" charset="0"/>
               </a:rPr>
               <a:t>  "type": "string"</a:t>
@@ -9911,7 +9627,7 @@
           </a:p>
           <a:p>
             <a:r>
-              <a:rPr lang="en-US" dirty="0" smtClean="0">
+              <a:rPr lang="en-US" dirty="0">
                 <a:latin typeface="Menlo" charset="0"/>
               </a:rPr>
               <a:t>},</a:t>
@@ -9919,13 +9635,13 @@
           </a:p>
           <a:p>
             <a:r>
-              <a:rPr lang="en-US" dirty="0" smtClean="0">
+              <a:rPr lang="en-US" dirty="0">
                 <a:latin typeface="Menlo" charset="0"/>
               </a:rPr>
               <a:t>"</a:t>
             </a:r>
             <a:r>
-              <a:rPr lang="en-US" dirty="0" err="1" smtClean="0">
+              <a:rPr lang="en-US" dirty="0" err="1">
                 <a:solidFill>
                   <a:srgbClr val="FF0000"/>
                 </a:solidFill>
@@ -9934,7 +9650,7 @@
               <a:t>scaleMinimum</a:t>
             </a:r>
             <a:r>
-              <a:rPr lang="en-US" dirty="0" smtClean="0">
+              <a:rPr lang="en-US" dirty="0">
                 <a:latin typeface="Menlo" charset="0"/>
               </a:rPr>
               <a:t>": {</a:t>
@@ -9942,7 +9658,7 @@
           </a:p>
           <a:p>
             <a:r>
-              <a:rPr lang="en-US" dirty="0" smtClean="0">
+              <a:rPr lang="en-US" dirty="0">
                 <a:latin typeface="Menlo" charset="0"/>
               </a:rPr>
               <a:t>  "type": "number"</a:t>
@@ -9950,7 +9666,7 @@
           </a:p>
           <a:p>
             <a:r>
-              <a:rPr lang="en-US" dirty="0" smtClean="0">
+              <a:rPr lang="en-US" dirty="0">
                 <a:latin typeface="Menlo" charset="0"/>
               </a:rPr>
               <a:t>},</a:t>
@@ -9958,13 +9674,13 @@
           </a:p>
           <a:p>
             <a:r>
-              <a:rPr lang="en-US" dirty="0" smtClean="0">
+              <a:rPr lang="en-US" dirty="0">
                 <a:latin typeface="Menlo" charset="0"/>
               </a:rPr>
               <a:t>"</a:t>
             </a:r>
             <a:r>
-              <a:rPr lang="en-US" dirty="0" err="1" smtClean="0">
+              <a:rPr lang="en-US" dirty="0" err="1">
                 <a:solidFill>
                   <a:srgbClr val="FF0000"/>
                 </a:solidFill>
@@ -9973,7 +9689,7 @@
               <a:t>scaleMaximum</a:t>
             </a:r>
             <a:r>
-              <a:rPr lang="en-US" dirty="0" smtClean="0">
+              <a:rPr lang="en-US" dirty="0">
                 <a:latin typeface="Menlo" charset="0"/>
               </a:rPr>
               <a:t>": {</a:t>
@@ -9981,7 +9697,7 @@
           </a:p>
           <a:p>
             <a:r>
-              <a:rPr lang="en-US" dirty="0" smtClean="0">
+              <a:rPr lang="en-US" dirty="0">
                 <a:latin typeface="Menlo" charset="0"/>
               </a:rPr>
               <a:t>  "type": "number"</a:t>
@@ -9989,7 +9705,7 @@
           </a:p>
           <a:p>
             <a:r>
-              <a:rPr lang="en-US" dirty="0" smtClean="0">
+              <a:rPr lang="en-US" dirty="0">
                 <a:latin typeface="Menlo" charset="0"/>
               </a:rPr>
               <a:t>},</a:t>
@@ -9997,13 +9713,13 @@
           </a:p>
           <a:p>
             <a:r>
-              <a:rPr lang="en-US" dirty="0" smtClean="0">
+              <a:rPr lang="en-US" dirty="0">
                 <a:latin typeface="Menlo" charset="0"/>
               </a:rPr>
               <a:t>"</a:t>
             </a:r>
             <a:r>
-              <a:rPr lang="en-US" dirty="0" smtClean="0">
+              <a:rPr lang="en-US" dirty="0">
                 <a:solidFill>
                   <a:srgbClr val="FF0000"/>
                 </a:solidFill>
@@ -10012,7 +9728,7 @@
               <a:t>observable</a:t>
             </a:r>
             <a:r>
-              <a:rPr lang="en-US" dirty="0" smtClean="0">
+              <a:rPr lang="en-US" dirty="0">
                 <a:latin typeface="Menlo" charset="0"/>
               </a:rPr>
               <a:t>": {</a:t>
@@ -10020,19 +9736,19 @@
           </a:p>
           <a:p>
             <a:r>
-              <a:rPr lang="en-US" dirty="0" smtClean="0">
+              <a:rPr lang="en-US" dirty="0">
                 <a:latin typeface="Menlo" charset="0"/>
               </a:rPr>
               <a:t>  "type": "</a:t>
             </a:r>
             <a:r>
-              <a:rPr lang="en-US" dirty="0" err="1" smtClean="0">
+              <a:rPr lang="en-US" dirty="0" err="1">
                 <a:latin typeface="Menlo" charset="0"/>
               </a:rPr>
               <a:t>boolean</a:t>
             </a:r>
             <a:r>
-              <a:rPr lang="en-US" dirty="0" smtClean="0">
+              <a:rPr lang="en-US" dirty="0">
                 <a:latin typeface="Menlo" charset="0"/>
               </a:rPr>
               <a:t>"</a:t>
@@ -10040,14 +9756,11 @@
           </a:p>
           <a:p>
             <a:r>
-              <a:rPr lang="en-US" dirty="0" smtClean="0">
+              <a:rPr lang="en-US" dirty="0">
                 <a:latin typeface="Menlo" charset="0"/>
               </a:rPr>
               <a:t>},</a:t>
             </a:r>
-            <a:endParaRPr lang="en-US" dirty="0">
-              <a:latin typeface="Menlo" charset="0"/>
-            </a:endParaRPr>
           </a:p>
         </p:txBody>
       </p:sp>
@@ -10096,16 +9809,10 @@
           </a:p>
           <a:p>
             <a:r>
-              <a:rPr lang="en-US" dirty="0" smtClean="0">
-                <a:latin typeface="Menlo" charset="0"/>
-              </a:rPr>
-              <a:t>  "</a:t>
-            </a:r>
-            <a:r>
-              <a:rPr lang="en-US" dirty="0">
-                <a:latin typeface="Menlo" charset="0"/>
-              </a:rPr>
-              <a:t>type": "</a:t>
+              <a:rPr lang="en-US" dirty="0">
+                <a:latin typeface="Menlo" charset="0"/>
+              </a:rPr>
+              <a:t>  "type": "</a:t>
             </a:r>
             <a:r>
               <a:rPr lang="en-US" dirty="0" err="1">
@@ -10153,35 +9860,23 @@
           </a:p>
           <a:p>
             <a:r>
-              <a:rPr lang="en-US" dirty="0" smtClean="0">
-                <a:latin typeface="Menlo" charset="0"/>
-              </a:rPr>
-              <a:t>  "</a:t>
-            </a:r>
-            <a:r>
-              <a:rPr lang="en-US" dirty="0">
-                <a:latin typeface="Menlo" charset="0"/>
-              </a:rPr>
-              <a:t>type": "object",</a:t>
-            </a:r>
-          </a:p>
-          <a:p>
-            <a:r>
-              <a:rPr lang="en-US" dirty="0" smtClean="0">
-                <a:latin typeface="Menlo" charset="0"/>
-              </a:rPr>
-              <a:t>  "</a:t>
-            </a:r>
-            <a:r>
-              <a:rPr lang="en-US" dirty="0">
-                <a:latin typeface="Menlo" charset="0"/>
-              </a:rPr>
-              <a:t>properties": {</a:t>
-            </a:r>
-          </a:p>
-          <a:p>
-            <a:r>
-              <a:rPr lang="en-US" dirty="0" smtClean="0">
+              <a:rPr lang="en-US" dirty="0">
+                <a:latin typeface="Menlo" charset="0"/>
+              </a:rPr>
+              <a:t>  "type": "object",</a:t>
+            </a:r>
+          </a:p>
+          <a:p>
+            <a:r>
+              <a:rPr lang="en-US" dirty="0">
+                <a:latin typeface="Menlo" charset="0"/>
+              </a:rPr>
+              <a:t>  "properties": {</a:t>
+            </a:r>
+          </a:p>
+          <a:p>
+            <a:r>
+              <a:rPr lang="en-US" dirty="0">
                 <a:latin typeface="Menlo" charset="0"/>
               </a:rPr>
               <a:t>    "</a:t>
@@ -10201,39 +9896,27 @@
           </a:p>
           <a:p>
             <a:r>
-              <a:rPr lang="en-US" dirty="0" smtClean="0">
-                <a:latin typeface="Menlo" charset="0"/>
-              </a:rPr>
-              <a:t>    "</a:t>
-            </a:r>
-            <a:r>
-              <a:rPr lang="en-US" dirty="0">
-                <a:latin typeface="Menlo" charset="0"/>
-              </a:rPr>
-              <a:t>type": "number"</a:t>
-            </a:r>
-          </a:p>
-          <a:p>
-            <a:r>
-              <a:rPr lang="en-US" dirty="0" smtClean="0">
+              <a:rPr lang="en-US" dirty="0">
+                <a:latin typeface="Menlo" charset="0"/>
+              </a:rPr>
+              <a:t>    "type": "number"</a:t>
+            </a:r>
+          </a:p>
+          <a:p>
+            <a:r>
+              <a:rPr lang="en-US" dirty="0">
                 <a:latin typeface="Menlo" charset="0"/>
               </a:rPr>
               <a:t>    }</a:t>
             </a:r>
-            <a:endParaRPr lang="en-US" dirty="0">
-              <a:latin typeface="Menlo" charset="0"/>
-            </a:endParaRPr>
-          </a:p>
-          <a:p>
-            <a:r>
-              <a:rPr lang="en-US" dirty="0" smtClean="0">
+          </a:p>
+          <a:p>
+            <a:r>
+              <a:rPr lang="en-US" dirty="0">
                 <a:latin typeface="Menlo" charset="0"/>
               </a:rPr>
               <a:t>  }</a:t>
             </a:r>
-            <a:endParaRPr lang="en-US" dirty="0">
-              <a:latin typeface="Menlo" charset="0"/>
-            </a:endParaRPr>
           </a:p>
           <a:p>
             <a:r>
@@ -10268,16 +9951,10 @@
           </a:p>
           <a:p>
             <a:r>
-              <a:rPr lang="en-US" dirty="0" smtClean="0">
-                <a:latin typeface="Menlo" charset="0"/>
-              </a:rPr>
-              <a:t>  "</a:t>
-            </a:r>
-            <a:r>
-              <a:rPr lang="en-US" dirty="0">
-                <a:latin typeface="Menlo" charset="0"/>
-              </a:rPr>
-              <a:t>type": "string"</a:t>
+              <a:rPr lang="en-US" dirty="0">
+                <a:latin typeface="Menlo" charset="0"/>
+              </a:rPr>
+              <a:t>  "type": "string"</a:t>
             </a:r>
           </a:p>
           <a:p>
@@ -10287,9 +9964,6 @@
               </a:rPr>
               <a:t>} </a:t>
             </a:r>
-            <a:endParaRPr lang="en-US" dirty="0">
-              <a:latin typeface="Menlo" charset="0"/>
-            </a:endParaRPr>
           </a:p>
         </p:txBody>
       </p:sp>
@@ -10344,10 +10018,9 @@
           <a:lstStyle/>
           <a:p>
             <a:r>
-              <a:rPr lang="en-US" dirty="0" smtClean="0"/>
+              <a:rPr lang="en-US" dirty="0"/>
               <a:t>Data Qualities  (JSON Schema)</a:t>
             </a:r>
-            <a:endParaRPr lang="en-US" dirty="0"/>
           </a:p>
         </p:txBody>
       </p:sp>
@@ -10396,26 +10069,20 @@
           </a:p>
           <a:p>
             <a:r>
-              <a:rPr lang="en-US" dirty="0" smtClean="0">
+              <a:rPr lang="en-US" dirty="0">
+                <a:latin typeface="Menlo" charset="0"/>
+              </a:rPr>
+              <a:t>  "type": "string",</a:t>
+            </a:r>
+          </a:p>
+          <a:p>
+            <a:r>
+              <a:rPr lang="en-US" dirty="0">
                 <a:latin typeface="Menlo" charset="0"/>
               </a:rPr>
               <a:t>  "</a:t>
             </a:r>
             <a:r>
-              <a:rPr lang="en-US" dirty="0">
-                <a:latin typeface="Menlo" charset="0"/>
-              </a:rPr>
-              <a:t>type": "string",</a:t>
-            </a:r>
-          </a:p>
-          <a:p>
-            <a:r>
-              <a:rPr lang="en-US" dirty="0" smtClean="0">
-                <a:latin typeface="Menlo" charset="0"/>
-              </a:rPr>
-              <a:t>  "</a:t>
-            </a:r>
-            <a:r>
               <a:rPr lang="en-US" dirty="0" err="1">
                 <a:latin typeface="Menlo" charset="0"/>
               </a:rPr>
@@ -10442,14 +10109,11 @@
           </a:p>
           <a:p>
             <a:r>
-              <a:rPr lang="en-US" dirty="0" smtClean="0">
+              <a:rPr lang="en-US" dirty="0">
                 <a:latin typeface="Menlo" charset="0"/>
               </a:rPr>
               <a:t>  },</a:t>
             </a:r>
-            <a:endParaRPr lang="en-US" dirty="0">
-              <a:latin typeface="Menlo" charset="0"/>
-            </a:endParaRPr>
           </a:p>
           <a:p>
             <a:r>
@@ -10476,16 +10140,10 @@
           </a:p>
           <a:p>
             <a:r>
-              <a:rPr lang="en-US" dirty="0" smtClean="0">
-                <a:latin typeface="Menlo" charset="0"/>
-              </a:rPr>
-              <a:t>  "</a:t>
-            </a:r>
-            <a:r>
-              <a:rPr lang="en-US" dirty="0">
-                <a:latin typeface="Menlo" charset="0"/>
-              </a:rPr>
-              <a:t>type": "array"</a:t>
+              <a:rPr lang="en-US" dirty="0">
+                <a:latin typeface="Menlo" charset="0"/>
+              </a:rPr>
+              <a:t>  "type": "array"</a:t>
             </a:r>
           </a:p>
           <a:p>
@@ -10521,16 +10179,10 @@
           </a:p>
           <a:p>
             <a:r>
-              <a:rPr lang="en-US" dirty="0" smtClean="0">
-                <a:latin typeface="Menlo" charset="0"/>
-              </a:rPr>
-              <a:t>  "</a:t>
-            </a:r>
-            <a:r>
-              <a:rPr lang="en-US" dirty="0">
-                <a:latin typeface="Menlo" charset="0"/>
-              </a:rPr>
-              <a:t>type": { "</a:t>
+              <a:rPr lang="en-US" dirty="0">
+                <a:latin typeface="Menlo" charset="0"/>
+              </a:rPr>
+              <a:t>  "type": { "</a:t>
             </a:r>
             <a:r>
               <a:rPr lang="en-US" dirty="0" err="1">
@@ -10590,16 +10242,10 @@
           </a:p>
           <a:p>
             <a:r>
-              <a:rPr lang="en-US" dirty="0" smtClean="0">
-                <a:latin typeface="Menlo" charset="0"/>
-              </a:rPr>
-              <a:t>  "</a:t>
-            </a:r>
-            <a:r>
-              <a:rPr lang="en-US" dirty="0">
-                <a:latin typeface="Menlo" charset="0"/>
-              </a:rPr>
-              <a:t>type": { "</a:t>
+              <a:rPr lang="en-US" dirty="0">
+                <a:latin typeface="Menlo" charset="0"/>
+              </a:rPr>
+              <a:t>  "type": { "</a:t>
             </a:r>
             <a:r>
               <a:rPr lang="en-US" dirty="0" err="1">
@@ -10633,9 +10279,6 @@
               </a:rPr>
               <a:t>},</a:t>
             </a:r>
-            <a:endParaRPr lang="en-US" dirty="0">
-              <a:latin typeface="Menlo" charset="0"/>
-            </a:endParaRPr>
           </a:p>
         </p:txBody>
       </p:sp>
@@ -10684,16 +10327,10 @@
           </a:p>
           <a:p>
             <a:r>
-              <a:rPr lang="en-US" dirty="0" smtClean="0">
-                <a:latin typeface="Menlo" charset="0"/>
-              </a:rPr>
-              <a:t>  "</a:t>
-            </a:r>
-            <a:r>
-              <a:rPr lang="en-US" dirty="0">
-                <a:latin typeface="Menlo" charset="0"/>
-              </a:rPr>
-              <a:t>type": "string"</a:t>
+              <a:rPr lang="en-US" dirty="0">
+                <a:latin typeface="Menlo" charset="0"/>
+              </a:rPr>
+              <a:t>  "type": "string"</a:t>
             </a:r>
           </a:p>
           <a:p>
@@ -10729,16 +10366,10 @@
           </a:p>
           <a:p>
             <a:r>
-              <a:rPr lang="en-US" dirty="0" smtClean="0">
-                <a:latin typeface="Menlo" charset="0"/>
-              </a:rPr>
-              <a:t>  "</a:t>
-            </a:r>
-            <a:r>
-              <a:rPr lang="en-US" dirty="0">
-                <a:latin typeface="Menlo" charset="0"/>
-              </a:rPr>
-              <a:t>type": "number"</a:t>
+              <a:rPr lang="en-US" dirty="0">
+                <a:latin typeface="Menlo" charset="0"/>
+              </a:rPr>
+              <a:t>  "type": "number"</a:t>
             </a:r>
           </a:p>
           <a:p>
@@ -10904,9 +10535,6 @@
               </a:rPr>
               <a:t>},</a:t>
             </a:r>
-            <a:endParaRPr lang="en-US" dirty="0">
-              <a:latin typeface="Menlo" charset="0"/>
-            </a:endParaRPr>
           </a:p>
         </p:txBody>
       </p:sp>
@@ -10985,21 +10613,74 @@
           </a:p>
           <a:p>
             <a:r>
-              <a:rPr lang="en-US" dirty="0" smtClean="0">
+              <a:rPr lang="en-US" dirty="0">
+                <a:latin typeface="Menlo" charset="0"/>
+              </a:rPr>
+              <a:t>  "type": "array",</a:t>
+            </a:r>
+          </a:p>
+          <a:p>
+            <a:r>
+              <a:rPr lang="en-US" dirty="0">
                 <a:latin typeface="Menlo" charset="0"/>
               </a:rPr>
               <a:t>  "</a:t>
             </a:r>
             <a:r>
-              <a:rPr lang="en-US" dirty="0">
-                <a:latin typeface="Menlo" charset="0"/>
-              </a:rPr>
-              <a:t>type": "array",</a:t>
-            </a:r>
-          </a:p>
-          <a:p>
-            <a:r>
-              <a:rPr lang="en-US" dirty="0" smtClean="0">
+              <a:rPr lang="en-US" dirty="0" err="1">
+                <a:latin typeface="Menlo" charset="0"/>
+              </a:rPr>
+              <a:t>minItems</a:t>
+            </a:r>
+            <a:r>
+              <a:rPr lang="en-US" dirty="0">
+                <a:latin typeface="Menlo" charset="0"/>
+              </a:rPr>
+              <a:t>": 1</a:t>
+            </a:r>
+          </a:p>
+          <a:p>
+            <a:r>
+              <a:rPr lang="en-US" dirty="0">
+                <a:latin typeface="Menlo" charset="0"/>
+              </a:rPr>
+              <a:t>},</a:t>
+            </a:r>
+          </a:p>
+          <a:p>
+            <a:r>
+              <a:rPr lang="en-US" dirty="0">
+                <a:latin typeface="Menlo" charset="0"/>
+              </a:rPr>
+              <a:t>"</a:t>
+            </a:r>
+            <a:r>
+              <a:rPr lang="en-US" dirty="0" err="1">
+                <a:solidFill>
+                  <a:srgbClr val="FF0000"/>
+                </a:solidFill>
+                <a:latin typeface="Menlo" charset="0"/>
+              </a:rPr>
+              <a:t>anyOf</a:t>
+            </a:r>
+            <a:r>
+              <a:rPr lang="en-US" dirty="0">
+                <a:latin typeface="Menlo" charset="0"/>
+              </a:rPr>
+              <a:t>": {</a:t>
+            </a:r>
+          </a:p>
+          <a:p>
+            <a:r>
+              <a:rPr lang="en-US" dirty="0">
+                <a:latin typeface="Menlo" charset="0"/>
+              </a:rPr>
+              <a:t>  "type": "array",</a:t>
+            </a:r>
+          </a:p>
+          <a:p>
+            <a:r>
+              <a:rPr lang="en-US" dirty="0">
                 <a:latin typeface="Menlo" charset="0"/>
               </a:rPr>
               <a:t>  "</a:t>
@@ -11014,6 +10695,65 @@
               <a:rPr lang="en-US" dirty="0">
                 <a:latin typeface="Menlo" charset="0"/>
               </a:rPr>
+              <a:t>": 1 </a:t>
+            </a:r>
+          </a:p>
+          <a:p>
+            <a:r>
+              <a:rPr lang="en-US" dirty="0">
+                <a:latin typeface="Menlo" charset="0"/>
+              </a:rPr>
+              <a:t>},</a:t>
+            </a:r>
+          </a:p>
+          <a:p>
+            <a:r>
+              <a:rPr lang="en-US" dirty="0">
+                <a:latin typeface="Menlo" charset="0"/>
+              </a:rPr>
+              <a:t>"</a:t>
+            </a:r>
+            <a:r>
+              <a:rPr lang="en-US" dirty="0" err="1">
+                <a:solidFill>
+                  <a:srgbClr val="FF0000"/>
+                </a:solidFill>
+                <a:latin typeface="Menlo" charset="0"/>
+              </a:rPr>
+              <a:t>allOf</a:t>
+            </a:r>
+            <a:r>
+              <a:rPr lang="en-US" dirty="0">
+                <a:latin typeface="Menlo" charset="0"/>
+              </a:rPr>
+              <a:t>": {</a:t>
+            </a:r>
+          </a:p>
+          <a:p>
+            <a:r>
+              <a:rPr lang="en-US" dirty="0">
+                <a:latin typeface="Menlo" charset="0"/>
+              </a:rPr>
+              <a:t>  "type": "array",</a:t>
+            </a:r>
+          </a:p>
+          <a:p>
+            <a:r>
+              <a:rPr lang="en-US" dirty="0">
+                <a:latin typeface="Menlo" charset="0"/>
+              </a:rPr>
+              <a:t>  "</a:t>
+            </a:r>
+            <a:r>
+              <a:rPr lang="en-US" dirty="0" err="1">
+                <a:latin typeface="Menlo" charset="0"/>
+              </a:rPr>
+              <a:t>minItems</a:t>
+            </a:r>
+            <a:r>
+              <a:rPr lang="en-US" dirty="0">
+                <a:latin typeface="Menlo" charset="0"/>
+              </a:rPr>
               <a:t>": 1</a:t>
             </a:r>
           </a:p>
@@ -11033,53 +10773,63 @@
               <a:t>"</a:t>
             </a:r>
             <a:r>
+              <a:rPr lang="en-US" dirty="0">
+                <a:solidFill>
+                  <a:srgbClr val="FF0000"/>
+                </a:solidFill>
+                <a:latin typeface="Menlo" charset="0"/>
+              </a:rPr>
+              <a:t>items</a:t>
+            </a:r>
+            <a:r>
+              <a:rPr lang="en-US" dirty="0">
+                <a:latin typeface="Menlo" charset="0"/>
+              </a:rPr>
+              <a:t>": {</a:t>
+            </a:r>
+          </a:p>
+          <a:p>
+            <a:r>
+              <a:rPr lang="en-US" dirty="0">
+                <a:latin typeface="Menlo" charset="0"/>
+              </a:rPr>
+              <a:t>  "</a:t>
+            </a:r>
+            <a:r>
               <a:rPr lang="en-US" dirty="0" err="1">
-                <a:solidFill>
-                  <a:srgbClr val="FF0000"/>
-                </a:solidFill>
-                <a:latin typeface="Menlo" charset="0"/>
-              </a:rPr>
-              <a:t>anyOf</a:t>
-            </a:r>
-            <a:r>
-              <a:rPr lang="en-US" dirty="0">
-                <a:latin typeface="Menlo" charset="0"/>
-              </a:rPr>
-              <a:t>": {</a:t>
-            </a:r>
-          </a:p>
-          <a:p>
-            <a:r>
-              <a:rPr lang="en-US" dirty="0" smtClean="0">
-                <a:latin typeface="Menlo" charset="0"/>
-              </a:rPr>
-              <a:t>  "</a:t>
-            </a:r>
-            <a:r>
-              <a:rPr lang="en-US" dirty="0">
-                <a:latin typeface="Menlo" charset="0"/>
-              </a:rPr>
-              <a:t>type": "array",</a:t>
-            </a:r>
-          </a:p>
-          <a:p>
-            <a:r>
-              <a:rPr lang="en-US" dirty="0" smtClean="0">
-                <a:latin typeface="Menlo" charset="0"/>
-              </a:rPr>
-              <a:t>  "</a:t>
-            </a:r>
-            <a:r>
-              <a:rPr lang="en-US" dirty="0" err="1">
-                <a:latin typeface="Menlo" charset="0"/>
-              </a:rPr>
-              <a:t>minItems</a:t>
-            </a:r>
-            <a:r>
-              <a:rPr lang="en-US" dirty="0">
-                <a:latin typeface="Menlo" charset="0"/>
-              </a:rPr>
-              <a:t>": 1 </a:t>
+                <a:latin typeface="Menlo" charset="0"/>
+              </a:rPr>
+              <a:t>oneOf</a:t>
+            </a:r>
+            <a:r>
+              <a:rPr lang="en-US" dirty="0">
+                <a:latin typeface="Menlo" charset="0"/>
+              </a:rPr>
+              <a:t>": [</a:t>
+            </a:r>
+          </a:p>
+          <a:p>
+            <a:r>
+              <a:rPr lang="en-US" dirty="0">
+                <a:latin typeface="Menlo" charset="0"/>
+              </a:rPr>
+              <a:t>    { "type": "array" },</a:t>
+            </a:r>
+          </a:p>
+          <a:p>
+            <a:r>
+              <a:rPr lang="en-US" dirty="0">
+                <a:latin typeface="Menlo" charset="0"/>
+              </a:rPr>
+              <a:t>    { "type": "object" }</a:t>
+            </a:r>
+          </a:p>
+          <a:p>
+            <a:r>
+              <a:rPr lang="en-US" dirty="0">
+                <a:latin typeface="Menlo" charset="0"/>
+              </a:rPr>
+              <a:t>  ]</a:t>
             </a:r>
           </a:p>
           <a:p>
@@ -11089,182 +10839,6 @@
               </a:rPr>
               <a:t>},</a:t>
             </a:r>
-          </a:p>
-          <a:p>
-            <a:r>
-              <a:rPr lang="en-US" dirty="0">
-                <a:latin typeface="Menlo" charset="0"/>
-              </a:rPr>
-              <a:t>"</a:t>
-            </a:r>
-            <a:r>
-              <a:rPr lang="en-US" dirty="0" err="1">
-                <a:solidFill>
-                  <a:srgbClr val="FF0000"/>
-                </a:solidFill>
-                <a:latin typeface="Menlo" charset="0"/>
-              </a:rPr>
-              <a:t>allOf</a:t>
-            </a:r>
-            <a:r>
-              <a:rPr lang="en-US" dirty="0">
-                <a:latin typeface="Menlo" charset="0"/>
-              </a:rPr>
-              <a:t>": {</a:t>
-            </a:r>
-          </a:p>
-          <a:p>
-            <a:r>
-              <a:rPr lang="en-US" dirty="0" smtClean="0">
-                <a:latin typeface="Menlo" charset="0"/>
-              </a:rPr>
-              <a:t>  "</a:t>
-            </a:r>
-            <a:r>
-              <a:rPr lang="en-US" dirty="0">
-                <a:latin typeface="Menlo" charset="0"/>
-              </a:rPr>
-              <a:t>type": "array",</a:t>
-            </a:r>
-          </a:p>
-          <a:p>
-            <a:r>
-              <a:rPr lang="en-US" dirty="0" smtClean="0">
-                <a:latin typeface="Menlo" charset="0"/>
-              </a:rPr>
-              <a:t>  "</a:t>
-            </a:r>
-            <a:r>
-              <a:rPr lang="en-US" dirty="0" err="1">
-                <a:latin typeface="Menlo" charset="0"/>
-              </a:rPr>
-              <a:t>minItems</a:t>
-            </a:r>
-            <a:r>
-              <a:rPr lang="en-US" dirty="0">
-                <a:latin typeface="Menlo" charset="0"/>
-              </a:rPr>
-              <a:t>": 1</a:t>
-            </a:r>
-          </a:p>
-          <a:p>
-            <a:r>
-              <a:rPr lang="en-US" dirty="0">
-                <a:latin typeface="Menlo" charset="0"/>
-              </a:rPr>
-              <a:t>},</a:t>
-            </a:r>
-          </a:p>
-          <a:p>
-            <a:r>
-              <a:rPr lang="en-US" dirty="0">
-                <a:latin typeface="Menlo" charset="0"/>
-              </a:rPr>
-              <a:t>"</a:t>
-            </a:r>
-            <a:r>
-              <a:rPr lang="en-US" dirty="0">
-                <a:solidFill>
-                  <a:srgbClr val="FF0000"/>
-                </a:solidFill>
-                <a:latin typeface="Menlo" charset="0"/>
-              </a:rPr>
-              <a:t>items</a:t>
-            </a:r>
-            <a:r>
-              <a:rPr lang="en-US" dirty="0">
-                <a:latin typeface="Menlo" charset="0"/>
-              </a:rPr>
-              <a:t>": {</a:t>
-            </a:r>
-          </a:p>
-          <a:p>
-            <a:r>
-              <a:rPr lang="en-US" dirty="0" smtClean="0">
-                <a:latin typeface="Menlo" charset="0"/>
-              </a:rPr>
-              <a:t>  "</a:t>
-            </a:r>
-            <a:r>
-              <a:rPr lang="en-US" dirty="0" err="1">
-                <a:latin typeface="Menlo" charset="0"/>
-              </a:rPr>
-              <a:t>oneOf</a:t>
-            </a:r>
-            <a:r>
-              <a:rPr lang="en-US" dirty="0">
-                <a:latin typeface="Menlo" charset="0"/>
-              </a:rPr>
-              <a:t>": [</a:t>
-            </a:r>
-          </a:p>
-          <a:p>
-            <a:r>
-              <a:rPr lang="en-US" dirty="0" smtClean="0">
-                <a:latin typeface="Menlo" charset="0"/>
-              </a:rPr>
-              <a:t>    { "</a:t>
-            </a:r>
-            <a:r>
-              <a:rPr lang="en-US" dirty="0">
-                <a:latin typeface="Menlo" charset="0"/>
-              </a:rPr>
-              <a:t>type": "array</a:t>
-            </a:r>
-            <a:r>
-              <a:rPr lang="en-US" dirty="0" smtClean="0">
-                <a:latin typeface="Menlo" charset="0"/>
-              </a:rPr>
-              <a:t>" },</a:t>
-            </a:r>
-            <a:endParaRPr lang="en-US" dirty="0">
-              <a:latin typeface="Menlo" charset="0"/>
-            </a:endParaRPr>
-          </a:p>
-          <a:p>
-            <a:r>
-              <a:rPr lang="en-US" dirty="0" smtClean="0">
-                <a:latin typeface="Menlo" charset="0"/>
-              </a:rPr>
-              <a:t>    { "</a:t>
-            </a:r>
-            <a:r>
-              <a:rPr lang="en-US" dirty="0">
-                <a:latin typeface="Menlo" charset="0"/>
-              </a:rPr>
-              <a:t>type": "object</a:t>
-            </a:r>
-            <a:r>
-              <a:rPr lang="en-US" dirty="0" smtClean="0">
-                <a:latin typeface="Menlo" charset="0"/>
-              </a:rPr>
-              <a:t>" }</a:t>
-            </a:r>
-            <a:endParaRPr lang="en-US" dirty="0">
-              <a:latin typeface="Menlo" charset="0"/>
-            </a:endParaRPr>
-          </a:p>
-          <a:p>
-            <a:r>
-              <a:rPr lang="en-US" dirty="0" smtClean="0">
-                <a:latin typeface="Menlo" charset="0"/>
-              </a:rPr>
-              <a:t>  ]</a:t>
-            </a:r>
-            <a:endParaRPr lang="en-US" dirty="0">
-              <a:latin typeface="Menlo" charset="0"/>
-            </a:endParaRPr>
-          </a:p>
-          <a:p>
-            <a:r>
-              <a:rPr lang="en-US" dirty="0">
-                <a:latin typeface="Menlo" charset="0"/>
-              </a:rPr>
-              <a:t>},</a:t>
-            </a:r>
-            <a:endParaRPr lang="en-US" dirty="0">
-              <a:latin typeface="Menlo" charset="0"/>
-            </a:endParaRPr>
           </a:p>
         </p:txBody>
       </p:sp>
@@ -11290,7 +10864,7 @@
           <a:lstStyle/>
           <a:p>
             <a:r>
-              <a:rPr lang="en-US" dirty="0" smtClean="0">
+              <a:rPr lang="en-US" dirty="0">
                 <a:latin typeface="Menlo" charset="0"/>
               </a:rPr>
               <a:t>"</a:t>
@@ -11313,7 +10887,7 @@
           </a:p>
           <a:p>
             <a:r>
-              <a:rPr lang="en-US" dirty="0" smtClean="0">
+              <a:rPr lang="en-US" dirty="0">
                 <a:latin typeface="Menlo" charset="0"/>
               </a:rPr>
               <a:t>  "</a:t>
@@ -11333,60 +10907,27 @@
           </a:p>
           <a:p>
             <a:r>
-              <a:rPr lang="en-US" dirty="0" smtClean="0">
-                <a:latin typeface="Menlo" charset="0"/>
-              </a:rPr>
-              <a:t>    { "</a:t>
-            </a:r>
-            <a:r>
-              <a:rPr lang="en-US" dirty="0">
-                <a:latin typeface="Menlo" charset="0"/>
-              </a:rPr>
-              <a:t>type": "array</a:t>
-            </a:r>
-            <a:r>
-              <a:rPr lang="en-US" dirty="0" smtClean="0">
-                <a:latin typeface="Menlo" charset="0"/>
-              </a:rPr>
-              <a:t>" },</a:t>
-            </a:r>
-            <a:endParaRPr lang="en-US" dirty="0">
-              <a:latin typeface="Menlo" charset="0"/>
-            </a:endParaRPr>
-          </a:p>
-          <a:p>
-            <a:r>
-              <a:rPr lang="en-US" dirty="0" smtClean="0">
-                <a:latin typeface="Menlo" charset="0"/>
-              </a:rPr>
-              <a:t>    { "</a:t>
-            </a:r>
-            <a:r>
-              <a:rPr lang="en-US" dirty="0">
-                <a:latin typeface="Menlo" charset="0"/>
-              </a:rPr>
-              <a:t>type": "object</a:t>
-            </a:r>
-            <a:r>
-              <a:rPr lang="en-US" dirty="0" smtClean="0">
-                <a:latin typeface="Menlo" charset="0"/>
-              </a:rPr>
-              <a:t>" }</a:t>
-            </a:r>
-            <a:endParaRPr lang="en-US" dirty="0">
-              <a:latin typeface="Menlo" charset="0"/>
-            </a:endParaRPr>
-          </a:p>
-          <a:p>
-            <a:r>
-              <a:rPr lang="en-US" dirty="0" smtClean="0">
+              <a:rPr lang="en-US" dirty="0">
+                <a:latin typeface="Menlo" charset="0"/>
+              </a:rPr>
+              <a:t>    { "type": "array" },</a:t>
+            </a:r>
+          </a:p>
+          <a:p>
+            <a:r>
+              <a:rPr lang="en-US" dirty="0">
+                <a:latin typeface="Menlo" charset="0"/>
+              </a:rPr>
+              <a:t>    { "type": "object" }</a:t>
+            </a:r>
+          </a:p>
+          <a:p>
+            <a:r>
+              <a:rPr lang="en-US" dirty="0">
                 <a:latin typeface="Menlo" charset="0"/>
               </a:rPr>
               <a:t>  ]</a:t>
             </a:r>
-            <a:endParaRPr lang="en-US" dirty="0">
-              <a:latin typeface="Menlo" charset="0"/>
-            </a:endParaRPr>
           </a:p>
           <a:p>
             <a:r>
@@ -11421,16 +10962,10 @@
           </a:p>
           <a:p>
             <a:r>
-              <a:rPr lang="en-US" dirty="0" smtClean="0">
-                <a:latin typeface="Menlo" charset="0"/>
-              </a:rPr>
-              <a:t>  "</a:t>
-            </a:r>
-            <a:r>
-              <a:rPr lang="en-US" dirty="0">
-                <a:latin typeface="Menlo" charset="0"/>
-              </a:rPr>
-              <a:t>type": "number"</a:t>
+              <a:rPr lang="en-US" dirty="0">
+                <a:latin typeface="Menlo" charset="0"/>
+              </a:rPr>
+              <a:t>  "type": "number"</a:t>
             </a:r>
           </a:p>
           <a:p>
@@ -11466,16 +11001,10 @@
           </a:p>
           <a:p>
             <a:r>
-              <a:rPr lang="en-US" dirty="0" smtClean="0">
-                <a:latin typeface="Menlo" charset="0"/>
-              </a:rPr>
-              <a:t>  "</a:t>
-            </a:r>
-            <a:r>
-              <a:rPr lang="en-US" dirty="0">
-                <a:latin typeface="Menlo" charset="0"/>
-              </a:rPr>
-              <a:t>type": "number"</a:t>
+              <a:rPr lang="en-US" dirty="0">
+                <a:latin typeface="Menlo" charset="0"/>
+              </a:rPr>
+              <a:t>  "type": "number"</a:t>
             </a:r>
           </a:p>
           <a:p>
@@ -11511,16 +11040,10 @@
           </a:p>
           <a:p>
             <a:r>
-              <a:rPr lang="en-US" dirty="0" smtClean="0">
-                <a:latin typeface="Menlo" charset="0"/>
-              </a:rPr>
-              <a:t>  "</a:t>
-            </a:r>
-            <a:r>
-              <a:rPr lang="en-US" dirty="0">
-                <a:latin typeface="Menlo" charset="0"/>
-              </a:rPr>
-              <a:t>type": "object"</a:t>
+              <a:rPr lang="en-US" dirty="0">
+                <a:latin typeface="Menlo" charset="0"/>
+              </a:rPr>
+              <a:t>  "type": "object"</a:t>
             </a:r>
           </a:p>
           <a:p>
@@ -11556,16 +11079,10 @@
           </a:p>
           <a:p>
             <a:r>
-              <a:rPr lang="en-US" dirty="0" smtClean="0">
-                <a:latin typeface="Menlo" charset="0"/>
-              </a:rPr>
-              <a:t>  "</a:t>
-            </a:r>
-            <a:r>
-              <a:rPr lang="en-US" dirty="0">
-                <a:latin typeface="Menlo" charset="0"/>
-              </a:rPr>
-              <a:t>type": "</a:t>
+              <a:rPr lang="en-US" dirty="0">
+                <a:latin typeface="Menlo" charset="0"/>
+              </a:rPr>
+              <a:t>  "type": "</a:t>
             </a:r>
             <a:r>
               <a:rPr lang="en-US" dirty="0" err="1">
@@ -11613,16 +11130,10 @@
           </a:p>
           <a:p>
             <a:r>
-              <a:rPr lang="en-US" dirty="0" smtClean="0">
-                <a:latin typeface="Menlo" charset="0"/>
-              </a:rPr>
-              <a:t>  "</a:t>
-            </a:r>
-            <a:r>
-              <a:rPr lang="en-US" dirty="0">
-                <a:latin typeface="Menlo" charset="0"/>
-              </a:rPr>
-              <a:t>type": "</a:t>
+              <a:rPr lang="en-US" dirty="0">
+                <a:latin typeface="Menlo" charset="0"/>
+              </a:rPr>
+              <a:t>  "type": "</a:t>
             </a:r>
             <a:r>
               <a:rPr lang="en-US" dirty="0" err="1">
@@ -11672,10 +11183,9 @@
           <a:lstStyle/>
           <a:p>
             <a:r>
-              <a:rPr lang="en-US" dirty="0" smtClean="0"/>
+              <a:rPr lang="en-US" dirty="0"/>
               <a:t>Structured Data</a:t>
             </a:r>
-            <a:endParaRPr lang="en-US" dirty="0"/>
           </a:p>
         </p:txBody>
       </p:sp>
@@ -11730,10 +11240,9 @@
           <a:lstStyle/>
           <a:p>
             <a:r>
-              <a:rPr lang="en-US" dirty="0" smtClean="0"/>
+              <a:rPr lang="en-US" dirty="0"/>
               <a:t>Brief Updates</a:t>
             </a:r>
-            <a:endParaRPr lang="en-US" dirty="0"/>
           </a:p>
         </p:txBody>
       </p:sp>
@@ -11758,33 +11267,22 @@
           <a:lstStyle/>
           <a:p>
             <a:r>
-              <a:rPr lang="en-US" dirty="0" smtClean="0"/>
+              <a:rPr lang="en-US" dirty="0"/>
               <a:t>Community Group </a:t>
             </a:r>
-            <a:endParaRPr lang="en-US" dirty="0" smtClean="0"/>
           </a:p>
           <a:p>
             <a:pPr lvl="1"/>
             <a:r>
-              <a:rPr lang="en-US" dirty="0" smtClean="0"/>
-              <a:t>Need </a:t>
-            </a:r>
-            <a:r>
-              <a:rPr lang="en-US" dirty="0" smtClean="0"/>
-              <a:t>to elect chairs and create the mail </a:t>
-            </a:r>
-            <a:r>
-              <a:rPr lang="en-US" dirty="0" smtClean="0"/>
-              <a:t>list</a:t>
-            </a:r>
-            <a:endParaRPr lang="en-US" dirty="0" smtClean="0"/>
-          </a:p>
-          <a:p>
-            <a:r>
-              <a:rPr lang="en-US" dirty="0" smtClean="0"/>
+              <a:rPr lang="en-US" dirty="0"/>
+              <a:t>Need to elect chairs and create the mail list</a:t>
+            </a:r>
+          </a:p>
+          <a:p>
+            <a:r>
+              <a:rPr lang="en-US" dirty="0"/>
               <a:t>Other updates?</a:t>
             </a:r>
-            <a:endParaRPr lang="en-US" dirty="0"/>
           </a:p>
         </p:txBody>
       </p:sp>
@@ -11798,13 +11296,6 @@
   <p:clrMapOvr>
     <a:masterClrMapping/>
   </p:clrMapOvr>
-  <p:timing>
-    <p:tnLst>
-      <p:par>
-        <p:cTn id="1" dur="indefinite" restart="never" nodeType="tmRoot"/>
-      </p:par>
-    </p:tnLst>
-  </p:timing>
 </p:sld>
 </file>
 
@@ -11846,10 +11337,9 @@
           <a:lstStyle/>
           <a:p>
             <a:r>
-              <a:rPr lang="en-US" dirty="0" smtClean="0"/>
+              <a:rPr lang="en-US" dirty="0"/>
               <a:t>SDF Example Definition</a:t>
             </a:r>
-            <a:endParaRPr lang="en-US" dirty="0"/>
           </a:p>
         </p:txBody>
       </p:sp>
@@ -11904,7 +11394,7 @@
           </a:p>
           <a:p>
             <a:r>
-              <a:rPr lang="en-US" sz="1600" dirty="0" smtClean="0">
+              <a:rPr lang="en-US" sz="1600" dirty="0">
                 <a:latin typeface="Courier" charset="0"/>
                 <a:ea typeface="Courier" charset="0"/>
                 <a:cs typeface="Courier" charset="0"/>
@@ -11969,7 +11459,7 @@
           </a:p>
           <a:p>
             <a:r>
-              <a:rPr lang="en-US" sz="1600" dirty="0" smtClean="0">
+              <a:rPr lang="en-US" sz="1600" dirty="0">
                 <a:latin typeface="Courier" charset="0"/>
                 <a:ea typeface="Courier" charset="0"/>
                 <a:cs typeface="Courier" charset="0"/>
@@ -11995,7 +11485,7 @@
           </a:p>
           <a:p>
             <a:r>
-              <a:rPr lang="en-US" sz="1600" dirty="0" smtClean="0">
+              <a:rPr lang="en-US" sz="1600" dirty="0">
                 <a:latin typeface="Courier" charset="0"/>
                 <a:ea typeface="Courier" charset="0"/>
                 <a:cs typeface="Courier" charset="0"/>
@@ -12003,7 +11493,7 @@
               <a:t>    "</a:t>
             </a:r>
             <a:r>
-              <a:rPr lang="en-US" sz="1600" dirty="0" smtClean="0">
+              <a:rPr lang="en-US" sz="1600" dirty="0">
                 <a:solidFill>
                   <a:srgbClr val="FF0000"/>
                 </a:solidFill>
@@ -12014,13 +11504,80 @@
               <a:t>type</a:t>
             </a:r>
             <a:r>
-              <a:rPr lang="en-US" sz="1600" dirty="0" smtClean="0">
-                <a:latin typeface="Courier" charset="0"/>
-                <a:ea typeface="Courier" charset="0"/>
-                <a:cs typeface="Courier" charset="0"/>
-              </a:rPr>
-              <a:t>": </a:t>
-            </a:r>
+              <a:rPr lang="en-US" sz="1600" dirty="0">
+                <a:latin typeface="Courier" charset="0"/>
+                <a:ea typeface="Courier" charset="0"/>
+                <a:cs typeface="Courier" charset="0"/>
+              </a:rPr>
+              <a:t>": "</a:t>
+            </a:r>
+            <a:r>
+              <a:rPr lang="en-US" sz="1600" dirty="0" err="1">
+                <a:latin typeface="Courier" charset="0"/>
+                <a:ea typeface="Courier" charset="0"/>
+                <a:cs typeface="Courier" charset="0"/>
+              </a:rPr>
+              <a:t>SwitchLevel.levelData</a:t>
+            </a:r>
+            <a:r>
+              <a:rPr lang="en-US" sz="1600" dirty="0">
+                <a:latin typeface="Courier" charset="0"/>
+                <a:ea typeface="Courier" charset="0"/>
+                <a:cs typeface="Courier" charset="0"/>
+              </a:rPr>
+              <a:t>",</a:t>
+            </a:r>
+          </a:p>
+          <a:p>
+            <a:r>
+              <a:rPr lang="en-US" sz="1600" dirty="0">
+                <a:latin typeface="Courier" charset="0"/>
+                <a:ea typeface="Courier" charset="0"/>
+                <a:cs typeface="Courier" charset="0"/>
+              </a:rPr>
+              <a:t>    "</a:t>
+            </a:r>
+            <a:r>
+              <a:rPr lang="en-US" sz="1600" dirty="0" err="1">
+                <a:solidFill>
+                  <a:srgbClr val="FF0000"/>
+                </a:solidFill>
+                <a:latin typeface="Courier" charset="0"/>
+                <a:ea typeface="Courier" charset="0"/>
+                <a:cs typeface="Courier" charset="0"/>
+              </a:rPr>
+              <a:t>readOnly</a:t>
+            </a:r>
+            <a:r>
+              <a:rPr lang="en-US" sz="1600" dirty="0">
+                <a:latin typeface="Courier" charset="0"/>
+                <a:ea typeface="Courier" charset="0"/>
+                <a:cs typeface="Courier" charset="0"/>
+              </a:rPr>
+              <a:t>": false</a:t>
+            </a:r>
+          </a:p>
+          <a:p>
+            <a:r>
+              <a:rPr lang="en-US" sz="1600" dirty="0">
+                <a:latin typeface="Courier" charset="0"/>
+                <a:ea typeface="Courier" charset="0"/>
+                <a:cs typeface="Courier" charset="0"/>
+              </a:rPr>
+              <a:t>}</a:t>
+            </a:r>
+          </a:p>
+          <a:p>
+            <a:r>
+              <a:rPr lang="en-US" sz="1600" dirty="0">
+                <a:latin typeface="Courier" charset="0"/>
+                <a:ea typeface="Courier" charset="0"/>
+                <a:cs typeface="Courier" charset="0"/>
+              </a:rPr>
+              <a:t>},</a:t>
+            </a:r>
+          </a:p>
+          <a:p>
             <a:r>
               <a:rPr lang="en-US" sz="1600" dirty="0">
                 <a:latin typeface="Courier" charset="0"/>
@@ -12030,15 +11587,99 @@
               <a:t>"</a:t>
             </a:r>
             <a:r>
+              <a:rPr lang="en-US" sz="1600" dirty="0">
+                <a:solidFill>
+                  <a:srgbClr val="FF0000"/>
+                </a:solidFill>
+                <a:latin typeface="Courier" charset="0"/>
+                <a:ea typeface="Courier" charset="0"/>
+                <a:cs typeface="Courier" charset="0"/>
+              </a:rPr>
+              <a:t>action</a:t>
+            </a:r>
+            <a:r>
+              <a:rPr lang="en-US" sz="1600" dirty="0">
+                <a:latin typeface="Courier" charset="0"/>
+                <a:ea typeface="Courier" charset="0"/>
+                <a:cs typeface="Courier" charset="0"/>
+              </a:rPr>
+              <a:t>": {</a:t>
+            </a:r>
+          </a:p>
+          <a:p>
+            <a:r>
+              <a:rPr lang="en-US" sz="1600" dirty="0">
+                <a:latin typeface="Courier" charset="0"/>
+                <a:ea typeface="Courier" charset="0"/>
+                <a:cs typeface="Courier" charset="0"/>
+              </a:rPr>
+              <a:t>  "</a:t>
+            </a:r>
+            <a:r>
               <a:rPr lang="en-US" sz="1600" dirty="0" err="1">
                 <a:latin typeface="Courier" charset="0"/>
                 <a:ea typeface="Courier" charset="0"/>
                 <a:cs typeface="Courier" charset="0"/>
               </a:rPr>
+              <a:t>SwitchLevel.setLevel</a:t>
+            </a:r>
+            <a:r>
+              <a:rPr lang="en-US" sz="1600" dirty="0">
+                <a:latin typeface="Courier" charset="0"/>
+                <a:ea typeface="Courier" charset="0"/>
+                <a:cs typeface="Courier" charset="0"/>
+              </a:rPr>
+              <a:t>:": {</a:t>
+            </a:r>
+          </a:p>
+          <a:p>
+            <a:r>
+              <a:rPr lang="en-US" sz="1600" dirty="0">
+                <a:latin typeface="Courier" charset="0"/>
+                <a:ea typeface="Courier" charset="0"/>
+                <a:cs typeface="Courier" charset="0"/>
+              </a:rPr>
+              <a:t>    "</a:t>
+            </a:r>
+            <a:r>
+              <a:rPr lang="en-US" sz="1600" dirty="0">
+                <a:solidFill>
+                  <a:srgbClr val="FF0000"/>
+                </a:solidFill>
+                <a:latin typeface="Courier" charset="0"/>
+                <a:ea typeface="Courier" charset="0"/>
+                <a:cs typeface="Courier" charset="0"/>
+              </a:rPr>
+              <a:t>data</a:t>
+            </a:r>
+            <a:r>
+              <a:rPr lang="en-US" sz="1600" dirty="0">
+                <a:latin typeface="Courier" charset="0"/>
+                <a:ea typeface="Courier" charset="0"/>
+                <a:cs typeface="Courier" charset="0"/>
+              </a:rPr>
+              <a:t>": [</a:t>
+            </a:r>
+          </a:p>
+          <a:p>
+            <a:r>
+              <a:rPr lang="en-US" sz="1600" dirty="0">
+                <a:latin typeface="Courier" charset="0"/>
+                <a:ea typeface="Courier" charset="0"/>
+                <a:cs typeface="Courier" charset="0"/>
+              </a:rPr>
+              <a:t>      "</a:t>
+            </a:r>
+            <a:r>
+              <a:rPr lang="en-US" sz="1600" dirty="0" err="1">
+                <a:latin typeface="Courier" charset="0"/>
+                <a:ea typeface="Courier" charset="0"/>
+                <a:cs typeface="Courier" charset="0"/>
+              </a:rPr>
               <a:t>SwitchLevel.levelData</a:t>
             </a:r>
             <a:r>
-              <a:rPr lang="en-US" sz="1600" dirty="0" smtClean="0">
+              <a:rPr lang="en-US" sz="1600" dirty="0">
                 <a:latin typeface="Courier" charset="0"/>
                 <a:ea typeface="Courier" charset="0"/>
                 <a:cs typeface="Courier" charset="0"/>
@@ -12053,49 +11694,43 @@
                 <a:ea typeface="Courier" charset="0"/>
                 <a:cs typeface="Courier" charset="0"/>
               </a:rPr>
-              <a:t> </a:t>
-            </a:r>
-            <a:r>
-              <a:rPr lang="en-US" sz="1600" dirty="0" smtClean="0">
-                <a:latin typeface="Courier" charset="0"/>
-                <a:ea typeface="Courier" charset="0"/>
-                <a:cs typeface="Courier" charset="0"/>
-              </a:rPr>
-              <a:t>   "</a:t>
-            </a:r>
-            <a:r>
-              <a:rPr lang="en-US" sz="1600" dirty="0" err="1" smtClean="0">
-                <a:solidFill>
-                  <a:srgbClr val="FF0000"/>
-                </a:solidFill>
-                <a:latin typeface="Courier" charset="0"/>
-                <a:ea typeface="Courier" charset="0"/>
-                <a:cs typeface="Courier" charset="0"/>
-              </a:rPr>
-              <a:t>readOnly</a:t>
-            </a:r>
-            <a:r>
-              <a:rPr lang="en-US" sz="1600" dirty="0" smtClean="0">
-                <a:latin typeface="Courier" charset="0"/>
-                <a:ea typeface="Courier" charset="0"/>
-                <a:cs typeface="Courier" charset="0"/>
-              </a:rPr>
-              <a:t>": false</a:t>
-            </a:r>
-            <a:endParaRPr lang="en-US" sz="1600" dirty="0">
-              <a:latin typeface="Courier" charset="0"/>
-              <a:ea typeface="Courier" charset="0"/>
-              <a:cs typeface="Courier" charset="0"/>
-            </a:endParaRPr>
-          </a:p>
-          <a:p>
-            <a:r>
-              <a:rPr lang="en-US" sz="1600" dirty="0">
-                <a:latin typeface="Courier" charset="0"/>
-                <a:ea typeface="Courier" charset="0"/>
-                <a:cs typeface="Courier" charset="0"/>
-              </a:rPr>
-              <a:t>}</a:t>
+              <a:t>      "</a:t>
+            </a:r>
+            <a:r>
+              <a:rPr lang="en-US" sz="1600" dirty="0" err="1">
+                <a:latin typeface="Courier" charset="0"/>
+                <a:ea typeface="Courier" charset="0"/>
+                <a:cs typeface="Courier" charset="0"/>
+              </a:rPr>
+              <a:t>SwitchLevel.rateData</a:t>
+            </a:r>
+            <a:r>
+              <a:rPr lang="en-US" sz="1600" dirty="0">
+                <a:latin typeface="Courier" charset="0"/>
+                <a:ea typeface="Courier" charset="0"/>
+                <a:cs typeface="Courier" charset="0"/>
+              </a:rPr>
+              <a:t>"</a:t>
+            </a:r>
+          </a:p>
+          <a:p>
+            <a:r>
+              <a:rPr lang="en-US" sz="1600" dirty="0">
+                <a:latin typeface="Courier" charset="0"/>
+                <a:ea typeface="Courier" charset="0"/>
+                <a:cs typeface="Courier" charset="0"/>
+              </a:rPr>
+              <a:t>    ]</a:t>
+            </a:r>
+          </a:p>
+          <a:p>
+            <a:r>
+              <a:rPr lang="en-US" sz="1600" dirty="0">
+                <a:latin typeface="Courier" charset="0"/>
+                <a:ea typeface="Courier" charset="0"/>
+                <a:cs typeface="Courier" charset="0"/>
+              </a:rPr>
+              <a:t>  }</a:t>
             </a:r>
           </a:p>
           <a:p>
@@ -12107,187 +11742,6 @@
               </a:rPr>
               <a:t>},</a:t>
             </a:r>
-          </a:p>
-          <a:p>
-            <a:r>
-              <a:rPr lang="en-US" sz="1600" dirty="0">
-                <a:latin typeface="Courier" charset="0"/>
-                <a:ea typeface="Courier" charset="0"/>
-                <a:cs typeface="Courier" charset="0"/>
-              </a:rPr>
-              <a:t>"</a:t>
-            </a:r>
-            <a:r>
-              <a:rPr lang="en-US" sz="1600" dirty="0">
-                <a:solidFill>
-                  <a:srgbClr val="FF0000"/>
-                </a:solidFill>
-                <a:latin typeface="Courier" charset="0"/>
-                <a:ea typeface="Courier" charset="0"/>
-                <a:cs typeface="Courier" charset="0"/>
-              </a:rPr>
-              <a:t>action</a:t>
-            </a:r>
-            <a:r>
-              <a:rPr lang="en-US" sz="1600" dirty="0">
-                <a:latin typeface="Courier" charset="0"/>
-                <a:ea typeface="Courier" charset="0"/>
-                <a:cs typeface="Courier" charset="0"/>
-              </a:rPr>
-              <a:t>": {</a:t>
-            </a:r>
-          </a:p>
-          <a:p>
-            <a:r>
-              <a:rPr lang="en-US" sz="1600" dirty="0" smtClean="0">
-                <a:latin typeface="Courier" charset="0"/>
-                <a:ea typeface="Courier" charset="0"/>
-                <a:cs typeface="Courier" charset="0"/>
-              </a:rPr>
-              <a:t>  "</a:t>
-            </a:r>
-            <a:r>
-              <a:rPr lang="en-US" sz="1600" dirty="0" err="1">
-                <a:latin typeface="Courier" charset="0"/>
-                <a:ea typeface="Courier" charset="0"/>
-                <a:cs typeface="Courier" charset="0"/>
-              </a:rPr>
-              <a:t>SwitchLevel.setLevel</a:t>
-            </a:r>
-            <a:r>
-              <a:rPr lang="en-US" sz="1600" dirty="0">
-                <a:latin typeface="Courier" charset="0"/>
-                <a:ea typeface="Courier" charset="0"/>
-                <a:cs typeface="Courier" charset="0"/>
-              </a:rPr>
-              <a:t>:": {</a:t>
-            </a:r>
-          </a:p>
-          <a:p>
-            <a:r>
-              <a:rPr lang="en-US" sz="1600" dirty="0" smtClean="0">
-                <a:latin typeface="Courier" charset="0"/>
-                <a:ea typeface="Courier" charset="0"/>
-                <a:cs typeface="Courier" charset="0"/>
-              </a:rPr>
-              <a:t>    "</a:t>
-            </a:r>
-            <a:r>
-              <a:rPr lang="en-US" sz="1600" dirty="0">
-                <a:solidFill>
-                  <a:srgbClr val="FF0000"/>
-                </a:solidFill>
-                <a:latin typeface="Courier" charset="0"/>
-                <a:ea typeface="Courier" charset="0"/>
-                <a:cs typeface="Courier" charset="0"/>
-              </a:rPr>
-              <a:t>data</a:t>
-            </a:r>
-            <a:r>
-              <a:rPr lang="en-US" sz="1600" dirty="0">
-                <a:latin typeface="Courier" charset="0"/>
-                <a:ea typeface="Courier" charset="0"/>
-                <a:cs typeface="Courier" charset="0"/>
-              </a:rPr>
-              <a:t>": [</a:t>
-            </a:r>
-          </a:p>
-          <a:p>
-            <a:r>
-              <a:rPr lang="en-US" sz="1600" dirty="0" smtClean="0">
-                <a:latin typeface="Courier" charset="0"/>
-                <a:ea typeface="Courier" charset="0"/>
-                <a:cs typeface="Courier" charset="0"/>
-              </a:rPr>
-              <a:t>      "</a:t>
-            </a:r>
-            <a:r>
-              <a:rPr lang="en-US" sz="1600" dirty="0" err="1">
-                <a:latin typeface="Courier" charset="0"/>
-                <a:ea typeface="Courier" charset="0"/>
-                <a:cs typeface="Courier" charset="0"/>
-              </a:rPr>
-              <a:t>SwitchLevel.levelData</a:t>
-            </a:r>
-            <a:r>
-              <a:rPr lang="en-US" sz="1600" dirty="0">
-                <a:latin typeface="Courier" charset="0"/>
-                <a:ea typeface="Courier" charset="0"/>
-                <a:cs typeface="Courier" charset="0"/>
-              </a:rPr>
-              <a:t>",</a:t>
-            </a:r>
-          </a:p>
-          <a:p>
-            <a:r>
-              <a:rPr lang="en-US" sz="1600" dirty="0" smtClean="0">
-                <a:latin typeface="Courier" charset="0"/>
-                <a:ea typeface="Courier" charset="0"/>
-                <a:cs typeface="Courier" charset="0"/>
-              </a:rPr>
-              <a:t>      "</a:t>
-            </a:r>
-            <a:r>
-              <a:rPr lang="en-US" sz="1600" dirty="0" err="1">
-                <a:latin typeface="Courier" charset="0"/>
-                <a:ea typeface="Courier" charset="0"/>
-                <a:cs typeface="Courier" charset="0"/>
-              </a:rPr>
-              <a:t>SwitchLevel.rateData</a:t>
-            </a:r>
-            <a:r>
-              <a:rPr lang="en-US" sz="1600" dirty="0">
-                <a:latin typeface="Courier" charset="0"/>
-                <a:ea typeface="Courier" charset="0"/>
-                <a:cs typeface="Courier" charset="0"/>
-              </a:rPr>
-              <a:t>"</a:t>
-            </a:r>
-          </a:p>
-          <a:p>
-            <a:r>
-              <a:rPr lang="en-US" sz="1600" dirty="0" smtClean="0">
-                <a:latin typeface="Courier" charset="0"/>
-                <a:ea typeface="Courier" charset="0"/>
-                <a:cs typeface="Courier" charset="0"/>
-              </a:rPr>
-              <a:t>    ]</a:t>
-            </a:r>
-            <a:endParaRPr lang="en-US" sz="1600" dirty="0">
-              <a:latin typeface="Courier" charset="0"/>
-              <a:ea typeface="Courier" charset="0"/>
-              <a:cs typeface="Courier" charset="0"/>
-            </a:endParaRPr>
-          </a:p>
-          <a:p>
-            <a:r>
-              <a:rPr lang="en-US" sz="1600" dirty="0" smtClean="0">
-                <a:latin typeface="Courier" charset="0"/>
-                <a:ea typeface="Courier" charset="0"/>
-                <a:cs typeface="Courier" charset="0"/>
-              </a:rPr>
-              <a:t>  }</a:t>
-            </a:r>
-            <a:endParaRPr lang="en-US" sz="1600" dirty="0">
-              <a:latin typeface="Courier" charset="0"/>
-              <a:ea typeface="Courier" charset="0"/>
-              <a:cs typeface="Courier" charset="0"/>
-            </a:endParaRPr>
-          </a:p>
-          <a:p>
-            <a:r>
-              <a:rPr lang="en-US" sz="1600" dirty="0" smtClean="0">
-                <a:latin typeface="Courier" charset="0"/>
-                <a:ea typeface="Courier" charset="0"/>
-                <a:cs typeface="Courier" charset="0"/>
-              </a:rPr>
-              <a:t>},</a:t>
-            </a:r>
-            <a:endParaRPr lang="en-US" sz="1600" dirty="0">
-              <a:latin typeface="Courier" charset="0"/>
-              <a:ea typeface="Courier" charset="0"/>
-              <a:cs typeface="Courier" charset="0"/>
-            </a:endParaRPr>
           </a:p>
         </p:txBody>
       </p:sp>
@@ -12342,7 +11796,7 @@
           </a:p>
           <a:p>
             <a:r>
-              <a:rPr lang="en-US" sz="1600" dirty="0" smtClean="0">
+              <a:rPr lang="en-US" sz="1600" dirty="0">
                 <a:latin typeface="Courier" charset="0"/>
                 <a:ea typeface="Courier" charset="0"/>
                 <a:cs typeface="Courier" charset="0"/>
@@ -12368,7 +11822,7 @@
           </a:p>
           <a:p>
             <a:r>
-              <a:rPr lang="en-US" sz="1600" dirty="0" smtClean="0">
+              <a:rPr lang="en-US" sz="1600" dirty="0">
                 <a:latin typeface="Courier" charset="0"/>
                 <a:ea typeface="Courier" charset="0"/>
                 <a:cs typeface="Courier" charset="0"/>
@@ -12397,7 +11851,7 @@
           </a:p>
           <a:p>
             <a:r>
-              <a:rPr lang="en-US" sz="1600" dirty="0" smtClean="0">
+              <a:rPr lang="en-US" sz="1600" dirty="0">
                 <a:latin typeface="Courier" charset="0"/>
                 <a:ea typeface="Courier" charset="0"/>
                 <a:cs typeface="Courier" charset="0"/>
@@ -12426,7 +11880,7 @@
           </a:p>
           <a:p>
             <a:r>
-              <a:rPr lang="en-US" sz="1600" dirty="0" smtClean="0">
+              <a:rPr lang="en-US" sz="1600" dirty="0">
                 <a:latin typeface="Courier" charset="0"/>
                 <a:ea typeface="Courier" charset="0"/>
                 <a:cs typeface="Courier" charset="0"/>
@@ -12455,7 +11909,7 @@
           </a:p>
           <a:p>
             <a:r>
-              <a:rPr lang="en-US" sz="1600" dirty="0" smtClean="0">
+              <a:rPr lang="en-US" sz="1600" dirty="0">
                 <a:latin typeface="Courier" charset="0"/>
                 <a:ea typeface="Courier" charset="0"/>
                 <a:cs typeface="Courier" charset="0"/>
@@ -12484,22 +11938,17 @@
           </a:p>
           <a:p>
             <a:r>
-              <a:rPr lang="en-US" sz="1600" dirty="0" smtClean="0">
+              <a:rPr lang="en-US" sz="1600" dirty="0">
                 <a:latin typeface="Courier" charset="0"/>
                 <a:ea typeface="Courier" charset="0"/>
                 <a:cs typeface="Courier" charset="0"/>
               </a:rPr>
               <a:t>  },</a:t>
             </a:r>
-            <a:endParaRPr lang="en-US" sz="1600" dirty="0">
-              <a:latin typeface="Courier" charset="0"/>
-              <a:ea typeface="Courier" charset="0"/>
-              <a:cs typeface="Courier" charset="0"/>
-            </a:endParaRPr>
-          </a:p>
-          <a:p>
-            <a:r>
-              <a:rPr lang="en-US" sz="1600" dirty="0" smtClean="0">
+          </a:p>
+          <a:p>
+            <a:r>
+              <a:rPr lang="en-US" sz="1600" dirty="0">
                 <a:latin typeface="Courier" charset="0"/>
                 <a:ea typeface="Courier" charset="0"/>
                 <a:cs typeface="Courier" charset="0"/>
@@ -12507,7 +11956,7 @@
               <a:t>  "</a:t>
             </a:r>
             <a:r>
-              <a:rPr lang="en-US" sz="1600" dirty="0" err="1" smtClean="0">
+              <a:rPr lang="en-US" sz="1600" dirty="0" err="1">
                 <a:latin typeface="Courier" charset="0"/>
                 <a:ea typeface="Courier" charset="0"/>
                 <a:cs typeface="Courier" charset="0"/>
@@ -12525,7 +11974,7 @@
           </a:p>
           <a:p>
             <a:r>
-              <a:rPr lang="en-US" sz="1600" dirty="0" smtClean="0">
+              <a:rPr lang="en-US" sz="1600" dirty="0">
                 <a:latin typeface="Courier" charset="0"/>
                 <a:ea typeface="Courier" charset="0"/>
                 <a:cs typeface="Courier" charset="0"/>
@@ -12554,7 +12003,7 @@
           </a:p>
           <a:p>
             <a:r>
-              <a:rPr lang="en-US" sz="1600" dirty="0" smtClean="0">
+              <a:rPr lang="en-US" sz="1600" dirty="0">
                 <a:latin typeface="Courier" charset="0"/>
                 <a:ea typeface="Courier" charset="0"/>
                 <a:cs typeface="Courier" charset="0"/>
@@ -12583,7 +12032,7 @@
           </a:p>
           <a:p>
             <a:r>
-              <a:rPr lang="en-US" sz="1600" dirty="0" smtClean="0">
+              <a:rPr lang="en-US" sz="1600" dirty="0">
                 <a:latin typeface="Courier" charset="0"/>
                 <a:ea typeface="Courier" charset="0"/>
                 <a:cs typeface="Courier" charset="0"/>
@@ -12612,7 +12061,7 @@
           </a:p>
           <a:p>
             <a:r>
-              <a:rPr lang="en-US" sz="1600" dirty="0" smtClean="0">
+              <a:rPr lang="en-US" sz="1600" dirty="0">
                 <a:latin typeface="Courier" charset="0"/>
                 <a:ea typeface="Courier" charset="0"/>
                 <a:cs typeface="Courier" charset="0"/>
@@ -12641,33 +12090,23 @@
           </a:p>
           <a:p>
             <a:r>
-              <a:rPr lang="en-US" sz="1600" dirty="0" smtClean="0">
+              <a:rPr lang="en-US" sz="1600" dirty="0">
                 <a:latin typeface="Courier" charset="0"/>
                 <a:ea typeface="Courier" charset="0"/>
                 <a:cs typeface="Courier" charset="0"/>
               </a:rPr>
               <a:t>  }</a:t>
             </a:r>
-            <a:endParaRPr lang="en-US" sz="1600" dirty="0">
-              <a:latin typeface="Courier" charset="0"/>
-              <a:ea typeface="Courier" charset="0"/>
-              <a:cs typeface="Courier" charset="0"/>
-            </a:endParaRPr>
-          </a:p>
-          <a:p>
-            <a:r>
-              <a:rPr lang="en-US" sz="1600" dirty="0" smtClean="0">
+          </a:p>
+          <a:p>
+            <a:r>
+              <a:rPr lang="en-US" sz="1600" dirty="0">
                 <a:latin typeface="Courier" charset="0"/>
                 <a:ea typeface="Courier" charset="0"/>
                 <a:cs typeface="Courier" charset="0"/>
               </a:rPr>
               <a:t>}</a:t>
             </a:r>
-            <a:endParaRPr lang="en-US" sz="1600" dirty="0">
-              <a:latin typeface="Courier" charset="0"/>
-              <a:ea typeface="Courier" charset="0"/>
-              <a:cs typeface="Courier" charset="0"/>
-            </a:endParaRPr>
           </a:p>
         </p:txBody>
       </p:sp>
@@ -12753,10 +12192,9 @@
           <a:lstStyle/>
           <a:p>
             <a:r>
-              <a:rPr lang="en-US" dirty="0" smtClean="0"/>
+              <a:rPr lang="en-US" dirty="0"/>
               <a:t>Example JSON-LD Result</a:t>
             </a:r>
-            <a:endParaRPr lang="en-US" dirty="0"/>
           </a:p>
         </p:txBody>
       </p:sp>
@@ -12806,7 +12244,7 @@
               <a:t>  "@id": "</a:t>
             </a:r>
             <a:r>
-              <a:rPr lang="en-US" sz="1600" dirty="0" err="1" smtClean="0">
+              <a:rPr lang="en-US" sz="1600" dirty="0" err="1">
                 <a:solidFill>
                   <a:srgbClr val="000000"/>
                 </a:solidFill>
@@ -12817,7 +12255,7 @@
               <a:t>st:SwitchLevel.level</a:t>
             </a:r>
             <a:r>
-              <a:rPr lang="en-US" sz="1600" dirty="0" smtClean="0">
+              <a:rPr lang="en-US" sz="1600" dirty="0">
                 <a:solidFill>
                   <a:srgbClr val="000000"/>
                 </a:solidFill>
@@ -12827,14 +12265,6 @@
               </a:rPr>
               <a:t>",</a:t>
             </a:r>
-            <a:endParaRPr lang="en-US" sz="1600" dirty="0">
-              <a:solidFill>
-                <a:srgbClr val="000000"/>
-              </a:solidFill>
-              <a:latin typeface="Courier" charset="0"/>
-              <a:ea typeface="Courier" charset="0"/>
-              <a:cs typeface="Courier" charset="0"/>
-            </a:endParaRPr>
           </a:p>
           <a:p>
             <a:r>
@@ -12925,10 +12355,12 @@
                 <a:ea typeface="Courier" charset="0"/>
                 <a:cs typeface="Courier" charset="0"/>
               </a:rPr>
-              <a:t> </a:t>
-            </a:r>
-            <a:r>
-              <a:rPr lang="en-US" sz="1600" dirty="0" smtClean="0">
+              <a:t> level Property",</a:t>
+            </a:r>
+          </a:p>
+          <a:p>
+            <a:r>
+              <a:rPr lang="en-US" sz="1600" dirty="0">
                 <a:solidFill>
                   <a:srgbClr val="000000"/>
                 </a:solidFill>
@@ -12936,10 +12368,10 @@
                 <a:ea typeface="Courier" charset="0"/>
                 <a:cs typeface="Courier" charset="0"/>
               </a:rPr>
-              <a:t>level Property</a:t>
-            </a:r>
-            <a:r>
-              <a:rPr lang="en-US" sz="1600" dirty="0">
+              <a:t>  "@type": "</a:t>
+            </a:r>
+            <a:r>
+              <a:rPr lang="en-US" sz="1600" dirty="0" err="1">
                 <a:solidFill>
                   <a:srgbClr val="000000"/>
                 </a:solidFill>
@@ -12947,6 +12379,17 @@
                 <a:ea typeface="Courier" charset="0"/>
                 <a:cs typeface="Courier" charset="0"/>
               </a:rPr>
+              <a:t>odm:PropertyInteraction</a:t>
+            </a:r>
+            <a:r>
+              <a:rPr lang="en-US" sz="1600" dirty="0">
+                <a:solidFill>
+                  <a:srgbClr val="000000"/>
+                </a:solidFill>
+                <a:latin typeface="Courier" charset="0"/>
+                <a:ea typeface="Courier" charset="0"/>
+                <a:cs typeface="Courier" charset="0"/>
+              </a:rPr>
               <a:t>",</a:t>
             </a:r>
           </a:p>
@@ -12960,10 +12403,10 @@
                 <a:ea typeface="Courier" charset="0"/>
                 <a:cs typeface="Courier" charset="0"/>
               </a:rPr>
-              <a:t>  "@type": "</a:t>
-            </a:r>
-            <a:r>
-              <a:rPr lang="en-US" sz="1600" dirty="0" err="1" smtClean="0">
+              <a:t>  "</a:t>
+            </a:r>
+            <a:r>
+              <a:rPr lang="en-US" sz="1600" dirty="0" err="1">
                 <a:solidFill>
                   <a:srgbClr val="000000"/>
                 </a:solidFill>
@@ -12971,7 +12414,7 @@
                 <a:ea typeface="Courier" charset="0"/>
                 <a:cs typeface="Courier" charset="0"/>
               </a:rPr>
-              <a:t>odm:PropertyInteraction</a:t>
+              <a:t>rdfs:subClassOf</a:t>
             </a:r>
             <a:r>
               <a:rPr lang="en-US" sz="1600" dirty="0">
@@ -12982,6 +12425,28 @@
                 <a:ea typeface="Courier" charset="0"/>
                 <a:cs typeface="Courier" charset="0"/>
               </a:rPr>
+              <a:t>": "</a:t>
+            </a:r>
+            <a:r>
+              <a:rPr lang="en-US" sz="1600" dirty="0" err="1">
+                <a:solidFill>
+                  <a:srgbClr val="000000"/>
+                </a:solidFill>
+                <a:latin typeface="Courier" charset="0"/>
+                <a:ea typeface="Courier" charset="0"/>
+                <a:cs typeface="Courier" charset="0"/>
+              </a:rPr>
+              <a:t>odm:InteractionAffordance</a:t>
+            </a:r>
+            <a:r>
+              <a:rPr lang="en-US" sz="1600" dirty="0">
+                <a:solidFill>
+                  <a:srgbClr val="000000"/>
+                </a:solidFill>
+                <a:latin typeface="Courier" charset="0"/>
+                <a:ea typeface="Courier" charset="0"/>
+                <a:cs typeface="Courier" charset="0"/>
+              </a:rPr>
               <a:t>",</a:t>
             </a:r>
           </a:p>
@@ -13006,7 +12471,7 @@
                 <a:ea typeface="Courier" charset="0"/>
                 <a:cs typeface="Courier" charset="0"/>
               </a:rPr>
-              <a:t>rdfs:subClassOf</a:t>
+              <a:t>odm:hasDataItem</a:t>
             </a:r>
             <a:r>
               <a:rPr lang="en-US" sz="1600" dirty="0">
@@ -13028,7 +12493,7 @@
                 <a:ea typeface="Courier" charset="0"/>
                 <a:cs typeface="Courier" charset="0"/>
               </a:rPr>
-              <a:t>odm:InteractionAffordance</a:t>
+              <a:t>st:SwitchLevel.levelData</a:t>
             </a:r>
             <a:r>
               <a:rPr lang="en-US" sz="1600" dirty="0">
@@ -13039,134 +12504,69 @@
                 <a:ea typeface="Courier" charset="0"/>
                 <a:cs typeface="Courier" charset="0"/>
               </a:rPr>
+              <a:t>"</a:t>
+            </a:r>
+          </a:p>
+          <a:p>
+            <a:r>
+              <a:rPr lang="en-US" sz="1600" dirty="0">
+                <a:solidFill>
+                  <a:srgbClr val="000000"/>
+                </a:solidFill>
+                <a:latin typeface="Courier" charset="0"/>
+                <a:ea typeface="Courier" charset="0"/>
+                <a:cs typeface="Courier" charset="0"/>
+              </a:rPr>
+              <a:t>},</a:t>
+            </a:r>
+          </a:p>
+          <a:p>
+            <a:r>
+              <a:rPr lang="en-US" sz="1600" dirty="0">
+                <a:solidFill>
+                  <a:srgbClr val="000000"/>
+                </a:solidFill>
+                <a:latin typeface="Courier" charset="0"/>
+                <a:ea typeface="Courier" charset="0"/>
+                <a:cs typeface="Courier" charset="0"/>
+              </a:rPr>
+              <a:t>{</a:t>
+            </a:r>
+          </a:p>
+          <a:p>
+            <a:r>
+              <a:rPr lang="en-US" sz="1600" dirty="0">
+                <a:solidFill>
+                  <a:srgbClr val="000000"/>
+                </a:solidFill>
+                <a:latin typeface="Courier" charset="0"/>
+                <a:ea typeface="Courier" charset="0"/>
+                <a:cs typeface="Courier" charset="0"/>
+              </a:rPr>
+              <a:t>  "@id": "</a:t>
+            </a:r>
+            <a:r>
+              <a:rPr lang="en-US" sz="1600" dirty="0" err="1">
+                <a:solidFill>
+                  <a:srgbClr val="000000"/>
+                </a:solidFill>
+                <a:latin typeface="Courier" charset="0"/>
+                <a:ea typeface="Courier" charset="0"/>
+                <a:cs typeface="Courier" charset="0"/>
+              </a:rPr>
+              <a:t>st:SwitchLevel.setLevel</a:t>
+            </a:r>
+            <a:r>
+              <a:rPr lang="en-US" sz="1600" dirty="0">
+                <a:solidFill>
+                  <a:srgbClr val="000000"/>
+                </a:solidFill>
+                <a:latin typeface="Courier" charset="0"/>
+                <a:ea typeface="Courier" charset="0"/>
+                <a:cs typeface="Courier" charset="0"/>
+              </a:rPr>
               <a:t>",</a:t>
             </a:r>
-          </a:p>
-          <a:p>
-            <a:r>
-              <a:rPr lang="en-US" sz="1600" dirty="0">
-                <a:solidFill>
-                  <a:srgbClr val="000000"/>
-                </a:solidFill>
-                <a:latin typeface="Courier" charset="0"/>
-                <a:ea typeface="Courier" charset="0"/>
-                <a:cs typeface="Courier" charset="0"/>
-              </a:rPr>
-              <a:t>  "</a:t>
-            </a:r>
-            <a:r>
-              <a:rPr lang="en-US" sz="1600" dirty="0" err="1">
-                <a:solidFill>
-                  <a:srgbClr val="000000"/>
-                </a:solidFill>
-                <a:latin typeface="Courier" charset="0"/>
-                <a:ea typeface="Courier" charset="0"/>
-                <a:cs typeface="Courier" charset="0"/>
-              </a:rPr>
-              <a:t>odm:hasDataItem</a:t>
-            </a:r>
-            <a:r>
-              <a:rPr lang="en-US" sz="1600" dirty="0">
-                <a:solidFill>
-                  <a:srgbClr val="000000"/>
-                </a:solidFill>
-                <a:latin typeface="Courier" charset="0"/>
-                <a:ea typeface="Courier" charset="0"/>
-                <a:cs typeface="Courier" charset="0"/>
-              </a:rPr>
-              <a:t>": "</a:t>
-            </a:r>
-            <a:r>
-              <a:rPr lang="en-US" sz="1600" dirty="0" err="1">
-                <a:solidFill>
-                  <a:srgbClr val="000000"/>
-                </a:solidFill>
-                <a:latin typeface="Courier" charset="0"/>
-                <a:ea typeface="Courier" charset="0"/>
-                <a:cs typeface="Courier" charset="0"/>
-              </a:rPr>
-              <a:t>st:SwitchLevel.levelData</a:t>
-            </a:r>
-            <a:r>
-              <a:rPr lang="en-US" sz="1600" dirty="0">
-                <a:solidFill>
-                  <a:srgbClr val="000000"/>
-                </a:solidFill>
-                <a:latin typeface="Courier" charset="0"/>
-                <a:ea typeface="Courier" charset="0"/>
-                <a:cs typeface="Courier" charset="0"/>
-              </a:rPr>
-              <a:t>"</a:t>
-            </a:r>
-          </a:p>
-          <a:p>
-            <a:r>
-              <a:rPr lang="en-US" sz="1600" dirty="0">
-                <a:solidFill>
-                  <a:srgbClr val="000000"/>
-                </a:solidFill>
-                <a:latin typeface="Courier" charset="0"/>
-                <a:ea typeface="Courier" charset="0"/>
-                <a:cs typeface="Courier" charset="0"/>
-              </a:rPr>
-              <a:t>},</a:t>
-            </a:r>
-          </a:p>
-          <a:p>
-            <a:r>
-              <a:rPr lang="en-US" sz="1600" dirty="0">
-                <a:solidFill>
-                  <a:srgbClr val="000000"/>
-                </a:solidFill>
-                <a:latin typeface="Courier" charset="0"/>
-                <a:ea typeface="Courier" charset="0"/>
-                <a:cs typeface="Courier" charset="0"/>
-              </a:rPr>
-              <a:t>{</a:t>
-            </a:r>
-          </a:p>
-          <a:p>
-            <a:r>
-              <a:rPr lang="en-US" sz="1600" dirty="0">
-                <a:solidFill>
-                  <a:srgbClr val="000000"/>
-                </a:solidFill>
-                <a:latin typeface="Courier" charset="0"/>
-                <a:ea typeface="Courier" charset="0"/>
-                <a:cs typeface="Courier" charset="0"/>
-              </a:rPr>
-              <a:t>  "@id": "</a:t>
-            </a:r>
-            <a:r>
-              <a:rPr lang="en-US" sz="1600" dirty="0" err="1" smtClean="0">
-                <a:solidFill>
-                  <a:srgbClr val="000000"/>
-                </a:solidFill>
-                <a:latin typeface="Courier" charset="0"/>
-                <a:ea typeface="Courier" charset="0"/>
-                <a:cs typeface="Courier" charset="0"/>
-              </a:rPr>
-              <a:t>st:SwitchLevel.setLevel</a:t>
-            </a:r>
-            <a:r>
-              <a:rPr lang="en-US" sz="1600" dirty="0" smtClean="0">
-                <a:solidFill>
-                  <a:srgbClr val="000000"/>
-                </a:solidFill>
-                <a:latin typeface="Courier" charset="0"/>
-                <a:ea typeface="Courier" charset="0"/>
-                <a:cs typeface="Courier" charset="0"/>
-              </a:rPr>
-              <a:t>",</a:t>
-            </a:r>
-            <a:endParaRPr lang="en-US" sz="1600" dirty="0">
-              <a:solidFill>
-                <a:srgbClr val="000000"/>
-              </a:solidFill>
-              <a:latin typeface="Courier" charset="0"/>
-              <a:ea typeface="Courier" charset="0"/>
-              <a:cs typeface="Courier" charset="0"/>
-            </a:endParaRPr>
           </a:p>
           <a:p>
             <a:r>
@@ -13562,10 +12962,9 @@
           <a:lstStyle/>
           <a:p>
             <a:r>
-              <a:rPr lang="en-US" dirty="0" smtClean="0"/>
+              <a:rPr lang="en-US" dirty="0"/>
               <a:t>Opportunity</a:t>
             </a:r>
-            <a:endParaRPr lang="en-US" dirty="0"/>
           </a:p>
         </p:txBody>
       </p:sp>
@@ -13586,76 +12985,73 @@
           </a:xfrm>
         </p:spPr>
         <p:txBody>
-          <a:bodyPr/>
-          <a:lstStyle/>
-          <a:p>
-            <a:r>
-              <a:rPr lang="en-US" dirty="0" smtClean="0"/>
+          <a:bodyPr>
+            <a:normAutofit lnSpcReduction="10000"/>
+          </a:bodyPr>
+          <a:lstStyle/>
+          <a:p>
+            <a:r>
+              <a:rPr lang="en-US" dirty="0"/>
               <a:t>Share the definition format and tools between </a:t>
             </a:r>
             <a:r>
-              <a:rPr lang="en-US" dirty="0" err="1" smtClean="0"/>
+              <a:rPr lang="en-US" dirty="0" err="1"/>
               <a:t>schema.org</a:t>
-            </a:r>
-            <a:r>
-              <a:rPr lang="en-US" dirty="0" smtClean="0"/>
-              <a:t> </a:t>
-            </a:r>
-            <a:r>
-              <a:rPr lang="en-US" dirty="0" err="1" smtClean="0"/>
-              <a:t>IoT</a:t>
-            </a:r>
-            <a:r>
-              <a:rPr lang="en-US" dirty="0" smtClean="0"/>
-              <a:t> extensions and One Data Model</a:t>
-            </a:r>
-          </a:p>
-          <a:p>
-            <a:r>
-              <a:rPr lang="en-US" dirty="0"/>
-              <a:t>Provide domain expert friendly tools </a:t>
-            </a:r>
-            <a:r>
-              <a:rPr lang="en-US" dirty="0" smtClean="0"/>
-              <a:t>for creating and managing definitions</a:t>
-            </a:r>
-            <a:endParaRPr lang="en-US" dirty="0"/>
-          </a:p>
-          <a:p>
-            <a:r>
-              <a:rPr lang="en-US" dirty="0" smtClean="0"/>
-              <a:t>ODM sourced definitions can be processed into </a:t>
-            </a:r>
-            <a:r>
-              <a:rPr lang="en-US" dirty="0" err="1" smtClean="0"/>
-              <a:t>schema.org</a:t>
-            </a:r>
-            <a:r>
-              <a:rPr lang="en-US" dirty="0" smtClean="0"/>
-              <a:t> extensions</a:t>
-            </a:r>
-          </a:p>
-          <a:p>
-            <a:r>
-              <a:rPr lang="en-US" dirty="0" err="1" smtClean="0"/>
-              <a:t>Schema.org</a:t>
             </a:r>
             <a:r>
               <a:rPr lang="en-US" dirty="0"/>
               <a:t> </a:t>
             </a:r>
             <a:r>
-              <a:rPr lang="en-US" dirty="0" err="1" smtClean="0"/>
+              <a:rPr lang="en-US" dirty="0" err="1"/>
               <a:t>IoT</a:t>
             </a:r>
             <a:r>
-              <a:rPr lang="en-US" dirty="0" smtClean="0"/>
+              <a:rPr lang="en-US" dirty="0"/>
+              <a:t> extensions and One Data Model</a:t>
+            </a:r>
+          </a:p>
+          <a:p>
+            <a:r>
+              <a:rPr lang="en-US" dirty="0"/>
+              <a:t>Provide domain expert friendly tools for creating and managing definitions</a:t>
+            </a:r>
+          </a:p>
+          <a:p>
+            <a:r>
+              <a:rPr lang="en-US" dirty="0"/>
+              <a:t>ODM sourced definitions can be processed into </a:t>
+            </a:r>
+            <a:r>
+              <a:rPr lang="en-US" dirty="0" err="1"/>
+              <a:t>schema.org</a:t>
+            </a:r>
+            <a:r>
+              <a:rPr lang="en-US" dirty="0"/>
+              <a:t> extensions</a:t>
+            </a:r>
+          </a:p>
+          <a:p>
+            <a:r>
+              <a:rPr lang="en-US" dirty="0" err="1"/>
+              <a:t>Schema.org</a:t>
+            </a:r>
+            <a:r>
+              <a:rPr lang="en-US" dirty="0"/>
+              <a:t> </a:t>
+            </a:r>
+            <a:r>
+              <a:rPr lang="en-US" dirty="0" err="1"/>
+              <a:t>IoT</a:t>
+            </a:r>
+            <a:r>
+              <a:rPr lang="en-US" dirty="0"/>
               <a:t> sourced definitions can use SDF tools and can become ODM definitions</a:t>
             </a:r>
           </a:p>
           <a:p>
             <a:r>
-              <a:rPr lang="en-US" dirty="0" smtClean="0"/>
+              <a:rPr lang="en-US" dirty="0"/>
               <a:t>Models and definitions can be created within the domain expert venues</a:t>
             </a:r>
           </a:p>
@@ -13707,10 +13103,9 @@
           <a:lstStyle/>
           <a:p>
             <a:r>
-              <a:rPr lang="en-US" dirty="0" smtClean="0"/>
+              <a:rPr lang="en-US" dirty="0"/>
               <a:t>Other Business?</a:t>
             </a:r>
-            <a:endParaRPr lang="en-US" dirty="0"/>
           </a:p>
         </p:txBody>
       </p:sp>
@@ -13730,16 +13125,15 @@
           <a:lstStyle/>
           <a:p>
             <a:r>
-              <a:rPr lang="en-US" dirty="0" smtClean="0"/>
+              <a:rPr lang="en-US" dirty="0"/>
               <a:t>AOB</a:t>
             </a:r>
           </a:p>
           <a:p>
             <a:r>
-              <a:rPr lang="en-US" dirty="0" smtClean="0"/>
+              <a:rPr lang="en-US" dirty="0"/>
               <a:t>Adjourn</a:t>
             </a:r>
-            <a:endParaRPr lang="en-US" dirty="0"/>
           </a:p>
         </p:txBody>
       </p:sp>
@@ -15629,7 +15023,7 @@
           <p:cNvPr id="2" name="Title 1">
             <a:extLst>
               <a:ext uri="{FF2B5EF4-FFF2-40B4-BE49-F238E27FC236}">
-                <a16:creationId xmlns:a16="http://schemas.microsoft.com/office/drawing/2014/main" xmlns="" id="{95E49217-42A1-4021-ADF0-5DB320A04ED7}"/>
+                <a16:creationId xmlns:a16="http://schemas.microsoft.com/office/drawing/2014/main" id="{95E49217-42A1-4021-ADF0-5DB320A04ED7}"/>
               </a:ext>
             </a:extLst>
           </p:cNvPr>
@@ -15660,7 +15054,7 @@
           <p:cNvPr id="3" name="Picture 2">
             <a:extLst>
               <a:ext uri="{FF2B5EF4-FFF2-40B4-BE49-F238E27FC236}">
-                <a16:creationId xmlns:a16="http://schemas.microsoft.com/office/drawing/2014/main" xmlns="" id="{B9FC6EB7-D5C3-4643-96DC-D5F24323B199}"/>
+                <a16:creationId xmlns:a16="http://schemas.microsoft.com/office/drawing/2014/main" id="{B9FC6EB7-D5C3-4643-96DC-D5F24323B199}"/>
               </a:ext>
             </a:extLst>
           </p:cNvPr>
